--- a/2022 졸업작품 중간발표(은우 추가).pptx
+++ b/2022 졸업작품 중간발표(은우 추가).pptx
@@ -12,9 +12,12 @@
     <p:sldId id="260" r:id="rId6"/>
     <p:sldId id="261" r:id="rId7"/>
     <p:sldId id="264" r:id="rId8"/>
-    <p:sldId id="262" r:id="rId9"/>
-    <p:sldId id="263" r:id="rId10"/>
-    <p:sldId id="265" r:id="rId11"/>
+    <p:sldId id="266" r:id="rId9"/>
+    <p:sldId id="262" r:id="rId10"/>
+    <p:sldId id="263" r:id="rId11"/>
+    <p:sldId id="265" r:id="rId12"/>
+    <p:sldId id="267" r:id="rId13"/>
+    <p:sldId id="268" r:id="rId14"/>
   </p:sldIdLst>
   <p:sldSz cx="12192000" cy="6858000"/>
   <p:notesSz cx="6858000" cy="9144000"/>
@@ -3325,7 +3328,8 @@
       <p:bgPr>
         <a:solidFill>
           <a:schemeClr val="accent1">
-            <a:lumMod val="75000"/>
+            <a:lumMod val="60000"/>
+            <a:lumOff val="40000"/>
           </a:schemeClr>
         </a:solidFill>
         <a:effectLst/>
@@ -3599,7 +3603,8 @@
       <p:bgPr>
         <a:solidFill>
           <a:schemeClr val="accent1">
-            <a:lumMod val="75000"/>
+            <a:lumMod val="60000"/>
+            <a:lumOff val="40000"/>
           </a:schemeClr>
         </a:solidFill>
         <a:effectLst/>
@@ -3621,10 +3626,59 @@
       </p:grpSpPr>
       <p:sp>
         <p:nvSpPr>
-          <p:cNvPr id="2" name="제목 1">
-            <a:extLst>
-              <a:ext uri="{FF2B5EF4-FFF2-40B4-BE49-F238E27FC236}">
-                <a16:creationId xmlns:a16="http://schemas.microsoft.com/office/drawing/2014/main" id="{1259FED4-82D5-D145-4135-2111CE727D0F}"/>
+          <p:cNvPr id="4" name="직사각형 3">
+            <a:extLst>
+              <a:ext uri="{FF2B5EF4-FFF2-40B4-BE49-F238E27FC236}">
+                <a16:creationId xmlns:a16="http://schemas.microsoft.com/office/drawing/2014/main" id="{A159D40D-85A5-247B-8FC6-26781E48B7C0}"/>
+              </a:ext>
+            </a:extLst>
+          </p:cNvPr>
+          <p:cNvSpPr/>
+          <p:nvPr/>
+        </p:nvSpPr>
+        <p:spPr>
+          <a:xfrm>
+            <a:off x="0" y="762135"/>
+            <a:ext cx="12205054" cy="5766318"/>
+          </a:xfrm>
+          <a:prstGeom prst="rect">
+            <a:avLst/>
+          </a:prstGeom>
+          <a:solidFill>
+            <a:schemeClr val="bg1"/>
+          </a:solidFill>
+        </p:spPr>
+        <p:style>
+          <a:lnRef idx="2">
+            <a:schemeClr val="accent1">
+              <a:shade val="50000"/>
+            </a:schemeClr>
+          </a:lnRef>
+          <a:fillRef idx="1">
+            <a:schemeClr val="accent1"/>
+          </a:fillRef>
+          <a:effectRef idx="0">
+            <a:schemeClr val="accent1"/>
+          </a:effectRef>
+          <a:fontRef idx="minor">
+            <a:schemeClr val="lt1"/>
+          </a:fontRef>
+        </p:style>
+        <p:txBody>
+          <a:bodyPr rtlCol="0" anchor="ctr"/>
+          <a:lstStyle/>
+          <a:p>
+            <a:pPr algn="ctr"/>
+            <a:endParaRPr lang="ko-KR" altLang="en-US"/>
+          </a:p>
+        </p:txBody>
+      </p:sp>
+      <p:sp>
+        <p:nvSpPr>
+          <p:cNvPr id="3" name="내용 개체 틀 2">
+            <a:extLst>
+              <a:ext uri="{FF2B5EF4-FFF2-40B4-BE49-F238E27FC236}">
+                <a16:creationId xmlns:a16="http://schemas.microsoft.com/office/drawing/2014/main" id="{ABD2B2C8-BF0E-37D8-F7A8-971B2D512D1C}"/>
               </a:ext>
             </a:extLst>
           </p:cNvPr>
@@ -3632,24 +3686,265 @@
             <a:spLocks noGrp="1"/>
           </p:cNvSpPr>
           <p:nvPr>
-            <p:ph type="title"/>
+            <p:ph idx="1"/>
           </p:nvPr>
         </p:nvSpPr>
         <p:spPr>
           <a:xfrm>
-            <a:off x="3765274" y="373141"/>
-            <a:ext cx="4661452" cy="840826"/>
+            <a:off x="838199" y="1336891"/>
+            <a:ext cx="10515600" cy="4616806"/>
           </a:xfrm>
         </p:spPr>
         <p:txBody>
-          <a:bodyPr/>
+          <a:bodyPr>
+            <a:normAutofit fontScale="92500" lnSpcReduction="20000"/>
+          </a:bodyPr>
           <a:lstStyle/>
           <a:p>
+            <a:pPr marL="514350" indent="-514350">
+              <a:buAutoNum type="arabicPeriod"/>
+            </a:pPr>
+            <a:r>
+              <a:rPr lang="en-US" altLang="ko-KR" dirty="0"/>
+              <a:t>UI/UX </a:t>
+            </a:r>
+            <a:r>
+              <a:rPr lang="ko-KR" altLang="en-US" dirty="0"/>
+              <a:t>추가</a:t>
+            </a:r>
+            <a:endParaRPr lang="en-US" altLang="ko-KR" dirty="0"/>
+          </a:p>
+          <a:p>
+            <a:pPr marL="514350" indent="-514350">
+              <a:buAutoNum type="arabicPeriod"/>
+            </a:pPr>
+            <a:endParaRPr lang="en-US" altLang="ko-KR" dirty="0"/>
+          </a:p>
+          <a:p>
+            <a:pPr marL="514350" indent="-514350">
+              <a:buAutoNum type="arabicPeriod"/>
+            </a:pPr>
+            <a:r>
+              <a:rPr lang="ko-KR" altLang="en-US" dirty="0"/>
+              <a:t>디 메리트 추가</a:t>
+            </a:r>
+            <a:endParaRPr lang="en-US" altLang="ko-KR" dirty="0"/>
+          </a:p>
+          <a:p>
+            <a:pPr marL="514350" indent="-514350">
+              <a:buAutoNum type="arabicPeriod"/>
+            </a:pPr>
+            <a:endParaRPr lang="en-US" altLang="ko-KR" dirty="0"/>
+          </a:p>
+          <a:p>
+            <a:pPr marL="514350" indent="-514350">
+              <a:buAutoNum type="arabicPeriod"/>
+            </a:pPr>
+            <a:r>
+              <a:rPr lang="ko-KR" altLang="en-US" dirty="0"/>
+              <a:t>서버 유닛 행동 트리 구현</a:t>
+            </a:r>
+            <a:endParaRPr lang="en-US" altLang="ko-KR" dirty="0"/>
+          </a:p>
+          <a:p>
+            <a:pPr marL="514350" indent="-514350">
+              <a:buAutoNum type="arabicPeriod"/>
+            </a:pPr>
+            <a:endParaRPr lang="en-US" altLang="ko-KR" dirty="0"/>
+          </a:p>
+          <a:p>
+            <a:pPr marL="514350" indent="-514350">
+              <a:buAutoNum type="arabicPeriod"/>
+            </a:pPr>
+            <a:r>
+              <a:rPr lang="ko-KR" altLang="en-US" dirty="0"/>
+              <a:t>서버 최적화 작업</a:t>
+            </a:r>
+            <a:endParaRPr lang="en-US" altLang="ko-KR" dirty="0"/>
+          </a:p>
+          <a:p>
+            <a:pPr marL="514350" indent="-514350">
+              <a:buAutoNum type="arabicPeriod"/>
+            </a:pPr>
+            <a:endParaRPr lang="en-US" altLang="ko-KR" dirty="0"/>
+          </a:p>
+          <a:p>
+            <a:pPr marL="514350" indent="-514350">
+              <a:buAutoNum type="arabicPeriod"/>
+            </a:pPr>
+            <a:r>
+              <a:rPr lang="en-US" altLang="ko-KR" dirty="0"/>
+              <a:t>A* </a:t>
+            </a:r>
+            <a:r>
+              <a:rPr lang="ko-KR" altLang="en-US" dirty="0"/>
+              <a:t>구현</a:t>
+            </a:r>
+            <a:endParaRPr lang="en-US" altLang="ko-KR" dirty="0"/>
+          </a:p>
+          <a:p>
+            <a:pPr marL="514350" indent="-514350">
+              <a:buAutoNum type="arabicPeriod"/>
+            </a:pPr>
+            <a:endParaRPr lang="en-US" altLang="ko-KR" dirty="0"/>
+          </a:p>
+          <a:p>
+            <a:pPr marL="514350" indent="-514350">
+              <a:buAutoNum type="arabicPeriod"/>
+            </a:pPr>
+            <a:r>
+              <a:rPr lang="ko-KR" altLang="en-US" dirty="0"/>
+              <a:t>애니메이션 블렌딩 추가</a:t>
+            </a:r>
+            <a:endParaRPr lang="en-US" altLang="ko-KR" dirty="0"/>
+          </a:p>
+        </p:txBody>
+      </p:sp>
+      <p:sp>
+        <p:nvSpPr>
+          <p:cNvPr id="6" name="제목 1">
+            <a:extLst>
+              <a:ext uri="{FF2B5EF4-FFF2-40B4-BE49-F238E27FC236}">
+                <a16:creationId xmlns:a16="http://schemas.microsoft.com/office/drawing/2014/main" id="{948412CC-AD35-8FBD-4B98-0B48C30F23B0}"/>
+              </a:ext>
+            </a:extLst>
+          </p:cNvPr>
+          <p:cNvSpPr txBox="1">
+            <a:spLocks/>
+          </p:cNvSpPr>
+          <p:nvPr/>
+        </p:nvSpPr>
+        <p:spPr>
+          <a:xfrm>
+            <a:off x="838199" y="0"/>
+            <a:ext cx="10515600" cy="726557"/>
+          </a:xfrm>
+          <a:prstGeom prst="rect">
+            <a:avLst/>
+          </a:prstGeom>
+        </p:spPr>
+        <p:txBody>
+          <a:bodyPr vert="horz" lIns="91440" tIns="45720" rIns="91440" bIns="45720" rtlCol="0" anchor="ctr">
+            <a:normAutofit/>
+          </a:bodyPr>
+          <a:lstStyle>
+            <a:lvl1pPr algn="l" defTabSz="914400" rtl="0" eaLnBrk="1" latinLnBrk="1" hangingPunct="1">
+              <a:lnSpc>
+                <a:spcPct val="90000"/>
+              </a:lnSpc>
+              <a:spcBef>
+                <a:spcPct val="0"/>
+              </a:spcBef>
+              <a:buNone/>
+              <a:defRPr sz="4400" kern="1200">
+                <a:solidFill>
+                  <a:schemeClr val="tx1"/>
+                </a:solidFill>
+                <a:latin typeface="+mj-lt"/>
+                <a:ea typeface="+mj-ea"/>
+                <a:cs typeface="+mj-cs"/>
+              </a:defRPr>
+            </a:lvl1pPr>
+          </a:lstStyle>
+          <a:p>
+            <a:r>
+              <a:rPr lang="en-US" altLang="ko-KR" sz="3600" b="1" dirty="0"/>
+              <a:t>6.</a:t>
+            </a:r>
+            <a:r>
+              <a:rPr lang="ko-KR" altLang="en-US" sz="3600" b="1" dirty="0"/>
+              <a:t>향후 개발 일정</a:t>
+            </a:r>
+          </a:p>
+        </p:txBody>
+      </p:sp>
+    </p:spTree>
+    <p:extLst>
+      <p:ext uri="{BB962C8B-B14F-4D97-AF65-F5344CB8AC3E}">
+        <p14:creationId xmlns:p14="http://schemas.microsoft.com/office/powerpoint/2010/main" val="2008745418"/>
+      </p:ext>
+    </p:extLst>
+  </p:cSld>
+  <p:clrMapOvr>
+    <a:masterClrMapping/>
+  </p:clrMapOvr>
+</p:sld>
+</file>
+
+<file path=ppt/slides/slide11.xml><?xml version="1.0" encoding="utf-8"?>
+<p:sld xmlns:a="http://schemas.openxmlformats.org/drawingml/2006/main" xmlns:r="http://schemas.openxmlformats.org/officeDocument/2006/relationships" xmlns:p="http://schemas.openxmlformats.org/presentationml/2006/main">
+  <p:cSld>
+    <p:bg>
+      <p:bgPr>
+        <a:solidFill>
+          <a:schemeClr val="accent1">
+            <a:lumMod val="60000"/>
+            <a:lumOff val="40000"/>
+          </a:schemeClr>
+        </a:solidFill>
+        <a:effectLst/>
+      </p:bgPr>
+    </p:bg>
+    <p:spTree>
+      <p:nvGrpSpPr>
+        <p:cNvPr id="1" name=""/>
+        <p:cNvGrpSpPr/>
+        <p:nvPr/>
+      </p:nvGrpSpPr>
+      <p:grpSpPr>
+        <a:xfrm>
+          <a:off x="0" y="0"/>
+          <a:ext cx="0" cy="0"/>
+          <a:chOff x="0" y="0"/>
+          <a:chExt cx="0" cy="0"/>
+        </a:xfrm>
+      </p:grpSpPr>
+      <p:sp>
+        <p:nvSpPr>
+          <p:cNvPr id="9" name="직사각형 8">
+            <a:extLst>
+              <a:ext uri="{FF2B5EF4-FFF2-40B4-BE49-F238E27FC236}">
+                <a16:creationId xmlns:a16="http://schemas.microsoft.com/office/drawing/2014/main" id="{2A7CD7C0-0203-189C-5F5B-2023C3185DA4}"/>
+              </a:ext>
+            </a:extLst>
+          </p:cNvPr>
+          <p:cNvSpPr/>
+          <p:nvPr/>
+        </p:nvSpPr>
+        <p:spPr>
+          <a:xfrm>
+            <a:off x="0" y="762135"/>
+            <a:ext cx="12205054" cy="5766318"/>
+          </a:xfrm>
+          <a:prstGeom prst="rect">
+            <a:avLst/>
+          </a:prstGeom>
+          <a:solidFill>
+            <a:schemeClr val="bg1"/>
+          </a:solidFill>
+        </p:spPr>
+        <p:style>
+          <a:lnRef idx="2">
+            <a:schemeClr val="accent1">
+              <a:shade val="50000"/>
+            </a:schemeClr>
+          </a:lnRef>
+          <a:fillRef idx="1">
+            <a:schemeClr val="accent1"/>
+          </a:fillRef>
+          <a:effectRef idx="0">
+            <a:schemeClr val="accent1"/>
+          </a:effectRef>
+          <a:fontRef idx="minor">
+            <a:schemeClr val="lt1"/>
+          </a:fontRef>
+        </p:style>
+        <p:txBody>
+          <a:bodyPr rtlCol="0" anchor="ctr"/>
+          <a:lstStyle/>
+          <a:p>
             <a:pPr algn="ctr"/>
-            <a:r>
-              <a:rPr lang="ko-KR" altLang="en-US" b="1" dirty="0"/>
-              <a:t>구성원 역할 분담</a:t>
-            </a:r>
+            <a:endParaRPr lang="ko-KR" altLang="en-US"/>
           </a:p>
         </p:txBody>
       </p:sp>
@@ -3669,14 +3964,14 @@
             <p:ph idx="1"/>
             <p:extLst>
               <p:ext uri="{D42A27DB-BD31-4B8C-83A1-F6EECF244321}">
-                <p14:modId xmlns:p14="http://schemas.microsoft.com/office/powerpoint/2010/main" val="1367819934"/>
+                <p14:modId xmlns:p14="http://schemas.microsoft.com/office/powerpoint/2010/main" val="705258092"/>
               </p:ext>
             </p:extLst>
           </p:nvPr>
         </p:nvGraphicFramePr>
         <p:xfrm>
           <a:off x="838200" y="1512733"/>
-          <a:ext cx="10515600" cy="2118360"/>
+          <a:ext cx="10515600" cy="1849120"/>
         </p:xfrm>
         <a:graphic>
           <a:graphicData uri="http://schemas.openxmlformats.org/drawingml/2006/table">
@@ -3685,17 +3980,10 @@
                 <a:tableStyleId>{D7AC3CCA-C797-4891-BE02-D94E43425B78}</a:tableStyleId>
               </a:tblPr>
               <a:tblGrid>
-                <a:gridCol w="1401417">
+                <a:gridCol w="2336800">
                   <a:extLst>
                     <a:ext uri="{9D8B030D-6E8A-4147-A177-3AD203B41FA5}">
                       <a16:colId xmlns:a16="http://schemas.microsoft.com/office/drawing/2014/main" val="765729215"/>
-                    </a:ext>
-                  </a:extLst>
-                </a:gridCol>
-                <a:gridCol w="935383">
-                  <a:extLst>
-                    <a:ext uri="{9D8B030D-6E8A-4147-A177-3AD203B41FA5}">
-                      <a16:colId xmlns:a16="http://schemas.microsoft.com/office/drawing/2014/main" val="3520038623"/>
                     </a:ext>
                   </a:extLst>
                 </a:gridCol>
@@ -3758,7 +4046,7 @@
                       <a:pPr algn="ctr" latinLnBrk="1"/>
                       <a:r>
                         <a:rPr lang="ko-KR" altLang="en-US" dirty="0"/>
-                        <a:t> </a:t>
+                        <a:t>항목 </a:t>
                       </a:r>
                     </a:p>
                   </a:txBody>
@@ -3939,30 +4227,6 @@
                     </a:solidFill>
                   </a:tcPr>
                 </a:tc>
-                <a:tc>
-                  <a:txBody>
-                    <a:bodyPr/>
-                    <a:lstStyle/>
-                    <a:p>
-                      <a:pPr algn="ctr" latinLnBrk="1"/>
-                      <a:r>
-                        <a:rPr lang="en-US" altLang="ko-KR" dirty="0"/>
-                        <a:t>9</a:t>
-                      </a:r>
-                      <a:r>
-                        <a:rPr lang="ko-KR" altLang="en-US" dirty="0"/>
-                        <a:t>월</a:t>
-                      </a:r>
-                    </a:p>
-                  </a:txBody>
-                  <a:tcPr>
-                    <a:solidFill>
-                      <a:schemeClr val="bg1">
-                        <a:lumMod val="50000"/>
-                      </a:schemeClr>
-                    </a:solidFill>
-                  </a:tcPr>
-                </a:tc>
                 <a:extLst>
                   <a:ext uri="{0D108BD9-81ED-4DB2-BD59-A6C34878D82A}">
                     <a16:rowId xmlns:a16="http://schemas.microsoft.com/office/drawing/2014/main" val="2106650151"/>
@@ -3989,21 +4253,6 @@
                         <a:lumMod val="60000"/>
                         <a:lumOff val="40000"/>
                       </a:schemeClr>
-                    </a:solidFill>
-                  </a:tcPr>
-                </a:tc>
-                <a:tc>
-                  <a:txBody>
-                    <a:bodyPr/>
-                    <a:lstStyle/>
-                    <a:p>
-                      <a:pPr algn="ctr" latinLnBrk="1"/>
-                      <a:endParaRPr lang="ko-KR" altLang="en-US" dirty="0"/>
-                    </a:p>
-                  </a:txBody>
-                  <a:tcPr>
-                    <a:solidFill>
-                      <a:schemeClr val="bg1"/>
                     </a:solidFill>
                   </a:tcPr>
                 </a:tc>
@@ -4207,21 +4456,6 @@
                     <a:lstStyle/>
                     <a:p>
                       <a:pPr algn="ctr" latinLnBrk="1"/>
-                      <a:endParaRPr lang="ko-KR" altLang="en-US" dirty="0"/>
-                    </a:p>
-                  </a:txBody>
-                  <a:tcPr>
-                    <a:solidFill>
-                      <a:schemeClr val="bg1"/>
-                    </a:solidFill>
-                  </a:tcPr>
-                </a:tc>
-                <a:tc>
-                  <a:txBody>
-                    <a:bodyPr/>
-                    <a:lstStyle/>
-                    <a:p>
-                      <a:pPr algn="ctr" latinLnBrk="1"/>
                       <a:endParaRPr lang="ko-KR" altLang="en-US"/>
                     </a:p>
                   </a:txBody>
@@ -4284,15 +4518,7 @@
                       </a:r>
                       <a:r>
                         <a:rPr lang="ko-KR" altLang="en-US" dirty="0"/>
-                        <a:t> </a:t>
-                      </a:r>
-                      <a:endParaRPr lang="en-US" altLang="ko-KR" dirty="0"/>
-                    </a:p>
-                    <a:p>
-                      <a:pPr algn="ctr" latinLnBrk="1"/>
-                      <a:r>
-                        <a:rPr lang="ko-KR" altLang="en-US" dirty="0"/>
-                        <a:t>애니메이션</a:t>
+                        <a:t> 애니메이션</a:t>
                       </a:r>
                     </a:p>
                   </a:txBody>
@@ -4302,21 +4528,6 @@
                         <a:lumMod val="60000"/>
                         <a:lumOff val="40000"/>
                       </a:schemeClr>
-                    </a:solidFill>
-                  </a:tcPr>
-                </a:tc>
-                <a:tc>
-                  <a:txBody>
-                    <a:bodyPr/>
-                    <a:lstStyle/>
-                    <a:p>
-                      <a:pPr algn="ctr" latinLnBrk="1"/>
-                      <a:endParaRPr lang="ko-KR" altLang="en-US" dirty="0"/>
-                    </a:p>
-                  </a:txBody>
-                  <a:tcPr>
-                    <a:solidFill>
-                      <a:schemeClr val="bg1"/>
                     </a:solidFill>
                   </a:tcPr>
                 </a:tc>
@@ -4462,7 +4673,11 @@
                       <a:endParaRPr lang="ko-KR" altLang="en-US" dirty="0"/>
                     </a:p>
                   </a:txBody>
-                  <a:tcPr/>
+                  <a:tcPr>
+                    <a:solidFill>
+                      <a:schemeClr val="bg1"/>
+                    </a:solidFill>
+                  </a:tcPr>
                 </a:tc>
                 <a:tc>
                   <a:txBody>
@@ -4473,7 +4688,11 @@
                       <a:endParaRPr lang="ko-KR" altLang="en-US" dirty="0"/>
                     </a:p>
                   </a:txBody>
-                  <a:tcPr/>
+                  <a:tcPr>
+                    <a:solidFill>
+                      <a:schemeClr val="bg1"/>
+                    </a:solidFill>
+                  </a:tcPr>
                 </a:tc>
                 <a:tc>
                   <a:txBody>
@@ -4484,7 +4703,11 @@
                       <a:endParaRPr lang="ko-KR" altLang="en-US" dirty="0"/>
                     </a:p>
                   </a:txBody>
-                  <a:tcPr/>
+                  <a:tcPr>
+                    <a:solidFill>
+                      <a:schemeClr val="bg1"/>
+                    </a:solidFill>
+                  </a:tcPr>
                 </a:tc>
                 <a:tc>
                   <a:txBody>
@@ -4495,7 +4718,11 @@
                       <a:endParaRPr lang="ko-KR" altLang="en-US" dirty="0"/>
                     </a:p>
                   </a:txBody>
-                  <a:tcPr/>
+                  <a:tcPr>
+                    <a:solidFill>
+                      <a:schemeClr val="bg1"/>
+                    </a:solidFill>
+                  </a:tcPr>
                 </a:tc>
                 <a:tc>
                   <a:txBody>
@@ -4506,7 +4733,11 @@
                       <a:endParaRPr lang="ko-KR" altLang="en-US" dirty="0"/>
                     </a:p>
                   </a:txBody>
-                  <a:tcPr/>
+                  <a:tcPr>
+                    <a:solidFill>
+                      <a:schemeClr val="bg1"/>
+                    </a:solidFill>
+                  </a:tcPr>
                 </a:tc>
                 <a:tc>
                   <a:txBody>
@@ -4517,7 +4748,11 @@
                       <a:endParaRPr lang="ko-KR" altLang="en-US" dirty="0"/>
                     </a:p>
                   </a:txBody>
-                  <a:tcPr/>
+                  <a:tcPr>
+                    <a:solidFill>
+                      <a:schemeClr val="bg1"/>
+                    </a:solidFill>
+                  </a:tcPr>
                 </a:tc>
                 <a:tc>
                   <a:txBody>
@@ -4528,18 +4763,11 @@
                       <a:endParaRPr lang="ko-KR" altLang="en-US" dirty="0"/>
                     </a:p>
                   </a:txBody>
-                  <a:tcPr/>
-                </a:tc>
-                <a:tc>
-                  <a:txBody>
-                    <a:bodyPr/>
-                    <a:lstStyle/>
-                    <a:p>
-                      <a:pPr algn="ctr" latinLnBrk="1"/>
-                      <a:endParaRPr lang="ko-KR" altLang="en-US" dirty="0"/>
-                    </a:p>
-                  </a:txBody>
-                  <a:tcPr/>
+                  <a:tcPr>
+                    <a:solidFill>
+                      <a:schemeClr val="bg1"/>
+                    </a:solidFill>
+                  </a:tcPr>
                 </a:tc>
                 <a:extLst>
                   <a:ext uri="{0D108BD9-81ED-4DB2-BD59-A6C34878D82A}">
@@ -4567,8 +4795,1443 @@
         </p:nvCxnSpPr>
         <p:spPr>
           <a:xfrm>
-            <a:off x="7214045" y="2055060"/>
+            <a:off x="8440677" y="2073721"/>
             <a:ext cx="2305878" cy="0"/>
+          </a:xfrm>
+          <a:prstGeom prst="line">
+            <a:avLst/>
+          </a:prstGeom>
+          <a:ln w="101600">
+            <a:solidFill>
+              <a:srgbClr val="00B050"/>
+            </a:solidFill>
+          </a:ln>
+        </p:spPr>
+        <p:style>
+          <a:lnRef idx="1">
+            <a:schemeClr val="accent1"/>
+          </a:lnRef>
+          <a:fillRef idx="0">
+            <a:schemeClr val="accent1"/>
+          </a:fillRef>
+          <a:effectRef idx="0">
+            <a:schemeClr val="accent1"/>
+          </a:effectRef>
+          <a:fontRef idx="minor">
+            <a:schemeClr val="tx1"/>
+          </a:fontRef>
+        </p:style>
+      </p:cxnSp>
+      <p:cxnSp>
+        <p:nvCxnSpPr>
+          <p:cNvPr id="14" name="직선 연결선 13">
+            <a:extLst>
+              <a:ext uri="{FF2B5EF4-FFF2-40B4-BE49-F238E27FC236}">
+                <a16:creationId xmlns:a16="http://schemas.microsoft.com/office/drawing/2014/main" id="{5992CF9C-2748-9883-8257-0F5CC6CE35DB}"/>
+              </a:ext>
+            </a:extLst>
+          </p:cNvPr>
+          <p:cNvCxnSpPr>
+            <a:cxnSpLocks/>
+          </p:cNvCxnSpPr>
+          <p:nvPr/>
+        </p:nvCxnSpPr>
+        <p:spPr>
+          <a:xfrm>
+            <a:off x="4903304" y="2798132"/>
+            <a:ext cx="2385392" cy="0"/>
+          </a:xfrm>
+          <a:prstGeom prst="line">
+            <a:avLst/>
+          </a:prstGeom>
+          <a:ln w="101600">
+            <a:solidFill>
+              <a:srgbClr val="00B050"/>
+            </a:solidFill>
+          </a:ln>
+        </p:spPr>
+        <p:style>
+          <a:lnRef idx="1">
+            <a:schemeClr val="accent1"/>
+          </a:lnRef>
+          <a:fillRef idx="0">
+            <a:schemeClr val="accent1"/>
+          </a:fillRef>
+          <a:effectRef idx="0">
+            <a:schemeClr val="accent1"/>
+          </a:effectRef>
+          <a:fontRef idx="minor">
+            <a:schemeClr val="tx1"/>
+          </a:fontRef>
+        </p:style>
+      </p:cxnSp>
+      <p:cxnSp>
+        <p:nvCxnSpPr>
+          <p:cNvPr id="16" name="직선 연결선 15">
+            <a:extLst>
+              <a:ext uri="{FF2B5EF4-FFF2-40B4-BE49-F238E27FC236}">
+                <a16:creationId xmlns:a16="http://schemas.microsoft.com/office/drawing/2014/main" id="{A33DEF14-6E8E-2950-72AA-C3721DD981AE}"/>
+              </a:ext>
+            </a:extLst>
+          </p:cNvPr>
+          <p:cNvCxnSpPr>
+            <a:cxnSpLocks/>
+          </p:cNvCxnSpPr>
+          <p:nvPr/>
+        </p:nvCxnSpPr>
+        <p:spPr>
+          <a:xfrm>
+            <a:off x="7214045" y="2428704"/>
+            <a:ext cx="2941983" cy="0"/>
+          </a:xfrm>
+          <a:prstGeom prst="line">
+            <a:avLst/>
+          </a:prstGeom>
+          <a:ln w="101600">
+            <a:solidFill>
+              <a:srgbClr val="00B050"/>
+            </a:solidFill>
+          </a:ln>
+        </p:spPr>
+        <p:style>
+          <a:lnRef idx="1">
+            <a:schemeClr val="accent1"/>
+          </a:lnRef>
+          <a:fillRef idx="0">
+            <a:schemeClr val="accent1"/>
+          </a:fillRef>
+          <a:effectRef idx="0">
+            <a:schemeClr val="accent1"/>
+          </a:effectRef>
+          <a:fontRef idx="minor">
+            <a:schemeClr val="tx1"/>
+          </a:fontRef>
+        </p:style>
+      </p:cxnSp>
+      <p:cxnSp>
+        <p:nvCxnSpPr>
+          <p:cNvPr id="23" name="직선 연결선 22">
+            <a:extLst>
+              <a:ext uri="{FF2B5EF4-FFF2-40B4-BE49-F238E27FC236}">
+                <a16:creationId xmlns:a16="http://schemas.microsoft.com/office/drawing/2014/main" id="{11FD66C0-35DF-982C-EA95-914D0764781A}"/>
+              </a:ext>
+            </a:extLst>
+          </p:cNvPr>
+          <p:cNvCxnSpPr>
+            <a:cxnSpLocks/>
+          </p:cNvCxnSpPr>
+          <p:nvPr/>
+        </p:nvCxnSpPr>
+        <p:spPr>
+          <a:xfrm>
+            <a:off x="9021417" y="3195293"/>
+            <a:ext cx="2332382" cy="0"/>
+          </a:xfrm>
+          <a:prstGeom prst="line">
+            <a:avLst/>
+          </a:prstGeom>
+          <a:ln w="101600">
+            <a:solidFill>
+              <a:srgbClr val="00B050"/>
+            </a:solidFill>
+          </a:ln>
+        </p:spPr>
+        <p:style>
+          <a:lnRef idx="1">
+            <a:schemeClr val="accent1"/>
+          </a:lnRef>
+          <a:fillRef idx="0">
+            <a:schemeClr val="accent1"/>
+          </a:fillRef>
+          <a:effectRef idx="0">
+            <a:schemeClr val="accent1"/>
+          </a:effectRef>
+          <a:fontRef idx="minor">
+            <a:schemeClr val="tx1"/>
+          </a:fontRef>
+        </p:style>
+      </p:cxnSp>
+      <p:sp>
+        <p:nvSpPr>
+          <p:cNvPr id="26" name="제목 1">
+            <a:extLst>
+              <a:ext uri="{FF2B5EF4-FFF2-40B4-BE49-F238E27FC236}">
+                <a16:creationId xmlns:a16="http://schemas.microsoft.com/office/drawing/2014/main" id="{73F43A42-79C3-7F51-D747-A3FFF0E1AEA5}"/>
+              </a:ext>
+            </a:extLst>
+          </p:cNvPr>
+          <p:cNvSpPr txBox="1">
+            <a:spLocks/>
+          </p:cNvSpPr>
+          <p:nvPr/>
+        </p:nvSpPr>
+        <p:spPr>
+          <a:xfrm>
+            <a:off x="838200" y="944332"/>
+            <a:ext cx="1045265" cy="539270"/>
+          </a:xfrm>
+          <a:prstGeom prst="rect">
+            <a:avLst/>
+          </a:prstGeom>
+        </p:spPr>
+        <p:txBody>
+          <a:bodyPr vert="horz" lIns="91440" tIns="45720" rIns="91440" bIns="45720" rtlCol="0" anchor="ctr">
+            <a:normAutofit/>
+          </a:bodyPr>
+          <a:lstStyle>
+            <a:lvl1pPr algn="l" defTabSz="914400" rtl="0" eaLnBrk="1" latinLnBrk="1" hangingPunct="1">
+              <a:lnSpc>
+                <a:spcPct val="90000"/>
+              </a:lnSpc>
+              <a:spcBef>
+                <a:spcPct val="0"/>
+              </a:spcBef>
+              <a:buNone/>
+              <a:defRPr sz="4400" kern="1200">
+                <a:solidFill>
+                  <a:schemeClr val="tx1"/>
+                </a:solidFill>
+                <a:latin typeface="+mj-lt"/>
+                <a:ea typeface="+mj-ea"/>
+                <a:cs typeface="+mj-cs"/>
+              </a:defRPr>
+            </a:lvl1pPr>
+          </a:lstStyle>
+          <a:p>
+            <a:pPr algn="ctr"/>
+            <a:r>
+              <a:rPr lang="ko-KR" altLang="en-US" sz="2000" b="1" dirty="0"/>
+              <a:t>신동원</a:t>
+            </a:r>
+          </a:p>
+        </p:txBody>
+      </p:sp>
+      <p:sp>
+        <p:nvSpPr>
+          <p:cNvPr id="11" name="제목 1">
+            <a:extLst>
+              <a:ext uri="{FF2B5EF4-FFF2-40B4-BE49-F238E27FC236}">
+                <a16:creationId xmlns:a16="http://schemas.microsoft.com/office/drawing/2014/main" id="{56CC1B7F-322D-3A0B-34A5-BDA7451D5252}"/>
+              </a:ext>
+            </a:extLst>
+          </p:cNvPr>
+          <p:cNvSpPr txBox="1">
+            <a:spLocks/>
+          </p:cNvSpPr>
+          <p:nvPr/>
+        </p:nvSpPr>
+        <p:spPr>
+          <a:xfrm>
+            <a:off x="838199" y="0"/>
+            <a:ext cx="10515600" cy="726557"/>
+          </a:xfrm>
+          <a:prstGeom prst="rect">
+            <a:avLst/>
+          </a:prstGeom>
+        </p:spPr>
+        <p:txBody>
+          <a:bodyPr vert="horz" lIns="91440" tIns="45720" rIns="91440" bIns="45720" rtlCol="0" anchor="ctr">
+            <a:normAutofit/>
+          </a:bodyPr>
+          <a:lstStyle>
+            <a:lvl1pPr algn="l" defTabSz="914400" rtl="0" eaLnBrk="1" latinLnBrk="1" hangingPunct="1">
+              <a:lnSpc>
+                <a:spcPct val="90000"/>
+              </a:lnSpc>
+              <a:spcBef>
+                <a:spcPct val="0"/>
+              </a:spcBef>
+              <a:buNone/>
+              <a:defRPr sz="4400" kern="1200">
+                <a:solidFill>
+                  <a:schemeClr val="tx1"/>
+                </a:solidFill>
+                <a:latin typeface="+mj-lt"/>
+                <a:ea typeface="+mj-ea"/>
+                <a:cs typeface="+mj-cs"/>
+              </a:defRPr>
+            </a:lvl1pPr>
+          </a:lstStyle>
+          <a:p>
+            <a:r>
+              <a:rPr lang="en-US" altLang="ko-KR" sz="3600" b="1" dirty="0"/>
+              <a:t>7.</a:t>
+            </a:r>
+            <a:r>
+              <a:rPr lang="ko-KR" altLang="en-US" sz="3600" b="1" dirty="0"/>
+              <a:t>구성원 역할 분담</a:t>
+            </a:r>
+          </a:p>
+        </p:txBody>
+      </p:sp>
+      <p:sp>
+        <p:nvSpPr>
+          <p:cNvPr id="18" name="제목 1">
+            <a:extLst>
+              <a:ext uri="{FF2B5EF4-FFF2-40B4-BE49-F238E27FC236}">
+                <a16:creationId xmlns:a16="http://schemas.microsoft.com/office/drawing/2014/main" id="{A6EAE943-7620-1936-1655-FD3DBA456775}"/>
+              </a:ext>
+            </a:extLst>
+          </p:cNvPr>
+          <p:cNvSpPr txBox="1">
+            <a:spLocks/>
+          </p:cNvSpPr>
+          <p:nvPr/>
+        </p:nvSpPr>
+        <p:spPr>
+          <a:xfrm>
+            <a:off x="838199" y="3368746"/>
+            <a:ext cx="1045265" cy="539270"/>
+          </a:xfrm>
+          <a:prstGeom prst="rect">
+            <a:avLst/>
+          </a:prstGeom>
+        </p:spPr>
+        <p:txBody>
+          <a:bodyPr vert="horz" lIns="91440" tIns="45720" rIns="91440" bIns="45720" rtlCol="0" anchor="ctr">
+            <a:normAutofit/>
+          </a:bodyPr>
+          <a:lstStyle>
+            <a:lvl1pPr algn="l" defTabSz="914400" rtl="0" eaLnBrk="1" latinLnBrk="1" hangingPunct="1">
+              <a:lnSpc>
+                <a:spcPct val="90000"/>
+              </a:lnSpc>
+              <a:spcBef>
+                <a:spcPct val="0"/>
+              </a:spcBef>
+              <a:buNone/>
+              <a:defRPr sz="4400" kern="1200">
+                <a:solidFill>
+                  <a:schemeClr val="tx1"/>
+                </a:solidFill>
+                <a:latin typeface="+mj-lt"/>
+                <a:ea typeface="+mj-ea"/>
+                <a:cs typeface="+mj-cs"/>
+              </a:defRPr>
+            </a:lvl1pPr>
+          </a:lstStyle>
+          <a:p>
+            <a:pPr algn="ctr"/>
+            <a:r>
+              <a:rPr lang="ko-KR" altLang="en-US" sz="2000" b="1" dirty="0"/>
+              <a:t>조영환</a:t>
+            </a:r>
+          </a:p>
+        </p:txBody>
+      </p:sp>
+      <p:graphicFrame>
+        <p:nvGraphicFramePr>
+          <p:cNvPr id="27" name="표 10">
+            <a:extLst>
+              <a:ext uri="{FF2B5EF4-FFF2-40B4-BE49-F238E27FC236}">
+                <a16:creationId xmlns:a16="http://schemas.microsoft.com/office/drawing/2014/main" id="{2A76901C-A645-B267-EBE3-DE7909090B37}"/>
+              </a:ext>
+            </a:extLst>
+          </p:cNvPr>
+          <p:cNvGraphicFramePr>
+            <a:graphicFrameLocks/>
+          </p:cNvGraphicFramePr>
+          <p:nvPr>
+            <p:extLst>
+              <p:ext uri="{D42A27DB-BD31-4B8C-83A1-F6EECF244321}">
+                <p14:modId xmlns:p14="http://schemas.microsoft.com/office/powerpoint/2010/main" val="3312135068"/>
+              </p:ext>
+            </p:extLst>
+          </p:nvPr>
+        </p:nvGraphicFramePr>
+        <p:xfrm>
+          <a:off x="877003" y="3869183"/>
+          <a:ext cx="10515600" cy="2575560"/>
+        </p:xfrm>
+        <a:graphic>
+          <a:graphicData uri="http://schemas.openxmlformats.org/drawingml/2006/table">
+            <a:tbl>
+              <a:tblPr firstRow="1" bandRow="1">
+                <a:tableStyleId>{D7AC3CCA-C797-4891-BE02-D94E43425B78}</a:tableStyleId>
+              </a:tblPr>
+              <a:tblGrid>
+                <a:gridCol w="2336800">
+                  <a:extLst>
+                    <a:ext uri="{9D8B030D-6E8A-4147-A177-3AD203B41FA5}">
+                      <a16:colId xmlns:a16="http://schemas.microsoft.com/office/drawing/2014/main" val="765729215"/>
+                    </a:ext>
+                  </a:extLst>
+                </a:gridCol>
+                <a:gridCol w="1168400">
+                  <a:extLst>
+                    <a:ext uri="{9D8B030D-6E8A-4147-A177-3AD203B41FA5}">
+                      <a16:colId xmlns:a16="http://schemas.microsoft.com/office/drawing/2014/main" val="2536052305"/>
+                    </a:ext>
+                  </a:extLst>
+                </a:gridCol>
+                <a:gridCol w="1168400">
+                  <a:extLst>
+                    <a:ext uri="{9D8B030D-6E8A-4147-A177-3AD203B41FA5}">
+                      <a16:colId xmlns:a16="http://schemas.microsoft.com/office/drawing/2014/main" val="792538816"/>
+                    </a:ext>
+                  </a:extLst>
+                </a:gridCol>
+                <a:gridCol w="1168400">
+                  <a:extLst>
+                    <a:ext uri="{9D8B030D-6E8A-4147-A177-3AD203B41FA5}">
+                      <a16:colId xmlns:a16="http://schemas.microsoft.com/office/drawing/2014/main" val="252678581"/>
+                    </a:ext>
+                  </a:extLst>
+                </a:gridCol>
+                <a:gridCol w="1168400">
+                  <a:extLst>
+                    <a:ext uri="{9D8B030D-6E8A-4147-A177-3AD203B41FA5}">
+                      <a16:colId xmlns:a16="http://schemas.microsoft.com/office/drawing/2014/main" val="3176769536"/>
+                    </a:ext>
+                  </a:extLst>
+                </a:gridCol>
+                <a:gridCol w="1168400">
+                  <a:extLst>
+                    <a:ext uri="{9D8B030D-6E8A-4147-A177-3AD203B41FA5}">
+                      <a16:colId xmlns:a16="http://schemas.microsoft.com/office/drawing/2014/main" val="1610380498"/>
+                    </a:ext>
+                  </a:extLst>
+                </a:gridCol>
+                <a:gridCol w="1168400">
+                  <a:extLst>
+                    <a:ext uri="{9D8B030D-6E8A-4147-A177-3AD203B41FA5}">
+                      <a16:colId xmlns:a16="http://schemas.microsoft.com/office/drawing/2014/main" val="4254440893"/>
+                    </a:ext>
+                  </a:extLst>
+                </a:gridCol>
+                <a:gridCol w="1168400">
+                  <a:extLst>
+                    <a:ext uri="{9D8B030D-6E8A-4147-A177-3AD203B41FA5}">
+                      <a16:colId xmlns:a16="http://schemas.microsoft.com/office/drawing/2014/main" val="3114689698"/>
+                    </a:ext>
+                  </a:extLst>
+                </a:gridCol>
+              </a:tblGrid>
+              <a:tr h="248395">
+                <a:tc>
+                  <a:txBody>
+                    <a:bodyPr/>
+                    <a:lstStyle/>
+                    <a:p>
+                      <a:pPr algn="ctr" latinLnBrk="1"/>
+                      <a:r>
+                        <a:rPr lang="ko-KR" altLang="en-US" dirty="0"/>
+                        <a:t>항목 </a:t>
+                      </a:r>
+                    </a:p>
+                  </a:txBody>
+                  <a:tcPr>
+                    <a:solidFill>
+                      <a:schemeClr val="tx2">
+                        <a:lumMod val="60000"/>
+                        <a:lumOff val="40000"/>
+                      </a:schemeClr>
+                    </a:solidFill>
+                  </a:tcPr>
+                </a:tc>
+                <a:tc>
+                  <a:txBody>
+                    <a:bodyPr/>
+                    <a:lstStyle/>
+                    <a:p>
+                      <a:pPr algn="ctr" latinLnBrk="1"/>
+                      <a:r>
+                        <a:rPr lang="en-US" altLang="ko-KR" dirty="0"/>
+                        <a:t>2</a:t>
+                      </a:r>
+                      <a:r>
+                        <a:rPr lang="ko-KR" altLang="en-US" dirty="0"/>
+                        <a:t>월</a:t>
+                      </a:r>
+                    </a:p>
+                  </a:txBody>
+                  <a:tcPr>
+                    <a:solidFill>
+                      <a:schemeClr val="bg1">
+                        <a:lumMod val="50000"/>
+                      </a:schemeClr>
+                    </a:solidFill>
+                  </a:tcPr>
+                </a:tc>
+                <a:tc>
+                  <a:txBody>
+                    <a:bodyPr/>
+                    <a:lstStyle/>
+                    <a:p>
+                      <a:pPr algn="ctr" latinLnBrk="1"/>
+                      <a:r>
+                        <a:rPr lang="en-US" altLang="ko-KR" dirty="0"/>
+                        <a:t>3</a:t>
+                      </a:r>
+                      <a:r>
+                        <a:rPr lang="ko-KR" altLang="en-US" dirty="0"/>
+                        <a:t>월</a:t>
+                      </a:r>
+                    </a:p>
+                  </a:txBody>
+                  <a:tcPr>
+                    <a:solidFill>
+                      <a:schemeClr val="bg1">
+                        <a:lumMod val="50000"/>
+                      </a:schemeClr>
+                    </a:solidFill>
+                  </a:tcPr>
+                </a:tc>
+                <a:tc>
+                  <a:txBody>
+                    <a:bodyPr/>
+                    <a:lstStyle/>
+                    <a:p>
+                      <a:pPr algn="ctr" latinLnBrk="1"/>
+                      <a:r>
+                        <a:rPr lang="en-US" altLang="ko-KR" dirty="0"/>
+                        <a:t>4</a:t>
+                      </a:r>
+                      <a:r>
+                        <a:rPr lang="ko-KR" altLang="en-US" dirty="0"/>
+                        <a:t>월</a:t>
+                      </a:r>
+                    </a:p>
+                  </a:txBody>
+                  <a:tcPr>
+                    <a:solidFill>
+                      <a:schemeClr val="bg1">
+                        <a:lumMod val="50000"/>
+                      </a:schemeClr>
+                    </a:solidFill>
+                  </a:tcPr>
+                </a:tc>
+                <a:tc>
+                  <a:txBody>
+                    <a:bodyPr/>
+                    <a:lstStyle/>
+                    <a:p>
+                      <a:pPr algn="ctr" latinLnBrk="1"/>
+                      <a:r>
+                        <a:rPr lang="en-US" altLang="ko-KR" dirty="0"/>
+                        <a:t>5</a:t>
+                      </a:r>
+                      <a:r>
+                        <a:rPr lang="ko-KR" altLang="en-US" dirty="0"/>
+                        <a:t>월</a:t>
+                      </a:r>
+                    </a:p>
+                  </a:txBody>
+                  <a:tcPr>
+                    <a:solidFill>
+                      <a:schemeClr val="bg1">
+                        <a:lumMod val="50000"/>
+                      </a:schemeClr>
+                    </a:solidFill>
+                  </a:tcPr>
+                </a:tc>
+                <a:tc>
+                  <a:txBody>
+                    <a:bodyPr/>
+                    <a:lstStyle/>
+                    <a:p>
+                      <a:pPr algn="ctr" latinLnBrk="1"/>
+                      <a:r>
+                        <a:rPr lang="en-US" altLang="ko-KR" dirty="0"/>
+                        <a:t>6</a:t>
+                      </a:r>
+                      <a:r>
+                        <a:rPr lang="ko-KR" altLang="en-US" dirty="0"/>
+                        <a:t>월</a:t>
+                      </a:r>
+                    </a:p>
+                  </a:txBody>
+                  <a:tcPr>
+                    <a:solidFill>
+                      <a:schemeClr val="bg1">
+                        <a:lumMod val="50000"/>
+                      </a:schemeClr>
+                    </a:solidFill>
+                  </a:tcPr>
+                </a:tc>
+                <a:tc>
+                  <a:txBody>
+                    <a:bodyPr/>
+                    <a:lstStyle/>
+                    <a:p>
+                      <a:pPr algn="ctr" latinLnBrk="1"/>
+                      <a:r>
+                        <a:rPr lang="en-US" altLang="ko-KR" dirty="0"/>
+                        <a:t>7</a:t>
+                      </a:r>
+                      <a:r>
+                        <a:rPr lang="ko-KR" altLang="en-US" dirty="0"/>
+                        <a:t>월</a:t>
+                      </a:r>
+                    </a:p>
+                  </a:txBody>
+                  <a:tcPr>
+                    <a:solidFill>
+                      <a:schemeClr val="bg1">
+                        <a:lumMod val="50000"/>
+                      </a:schemeClr>
+                    </a:solidFill>
+                  </a:tcPr>
+                </a:tc>
+                <a:tc>
+                  <a:txBody>
+                    <a:bodyPr/>
+                    <a:lstStyle/>
+                    <a:p>
+                      <a:pPr algn="ctr" latinLnBrk="1"/>
+                      <a:r>
+                        <a:rPr lang="en-US" altLang="ko-KR" dirty="0"/>
+                        <a:t>8</a:t>
+                      </a:r>
+                      <a:r>
+                        <a:rPr lang="ko-KR" altLang="en-US" dirty="0"/>
+                        <a:t>월</a:t>
+                      </a:r>
+                    </a:p>
+                  </a:txBody>
+                  <a:tcPr>
+                    <a:solidFill>
+                      <a:schemeClr val="bg1">
+                        <a:lumMod val="50000"/>
+                      </a:schemeClr>
+                    </a:solidFill>
+                  </a:tcPr>
+                </a:tc>
+                <a:extLst>
+                  <a:ext uri="{0D108BD9-81ED-4DB2-BD59-A6C34878D82A}">
+                    <a16:rowId xmlns:a16="http://schemas.microsoft.com/office/drawing/2014/main" val="2106650151"/>
+                  </a:ext>
+                </a:extLst>
+              </a:tr>
+              <a:tr h="370840">
+                <a:tc>
+                  <a:txBody>
+                    <a:bodyPr/>
+                    <a:lstStyle/>
+                    <a:p>
+                      <a:pPr algn="ctr" latinLnBrk="1"/>
+                      <a:r>
+                        <a:rPr lang="ko-KR" altLang="en-US" dirty="0"/>
+                        <a:t>서버 프레임워크</a:t>
+                      </a:r>
+                    </a:p>
+                  </a:txBody>
+                  <a:tcPr>
+                    <a:solidFill>
+                      <a:schemeClr val="tx2">
+                        <a:lumMod val="60000"/>
+                        <a:lumOff val="40000"/>
+                      </a:schemeClr>
+                    </a:solidFill>
+                  </a:tcPr>
+                </a:tc>
+                <a:tc>
+                  <a:txBody>
+                    <a:bodyPr/>
+                    <a:lstStyle/>
+                    <a:p>
+                      <a:pPr algn="ctr" latinLnBrk="1"/>
+                      <a:endParaRPr lang="ko-KR" altLang="en-US" dirty="0"/>
+                    </a:p>
+                  </a:txBody>
+                  <a:tcPr>
+                    <a:solidFill>
+                      <a:schemeClr val="bg1"/>
+                    </a:solidFill>
+                  </a:tcPr>
+                </a:tc>
+                <a:tc>
+                  <a:txBody>
+                    <a:bodyPr/>
+                    <a:lstStyle/>
+                    <a:p>
+                      <a:pPr algn="ctr" latinLnBrk="1"/>
+                      <a:endParaRPr lang="ko-KR" altLang="en-US" dirty="0"/>
+                    </a:p>
+                  </a:txBody>
+                  <a:tcPr>
+                    <a:solidFill>
+                      <a:schemeClr val="bg1"/>
+                    </a:solidFill>
+                  </a:tcPr>
+                </a:tc>
+                <a:tc>
+                  <a:txBody>
+                    <a:bodyPr/>
+                    <a:lstStyle/>
+                    <a:p>
+                      <a:pPr algn="ctr" latinLnBrk="1"/>
+                      <a:endParaRPr lang="ko-KR" altLang="en-US" dirty="0"/>
+                    </a:p>
+                  </a:txBody>
+                  <a:tcPr>
+                    <a:solidFill>
+                      <a:schemeClr val="bg1"/>
+                    </a:solidFill>
+                  </a:tcPr>
+                </a:tc>
+                <a:tc>
+                  <a:txBody>
+                    <a:bodyPr/>
+                    <a:lstStyle/>
+                    <a:p>
+                      <a:pPr algn="ctr" latinLnBrk="1"/>
+                      <a:endParaRPr lang="ko-KR" altLang="en-US" dirty="0"/>
+                    </a:p>
+                  </a:txBody>
+                  <a:tcPr>
+                    <a:solidFill>
+                      <a:schemeClr val="bg1"/>
+                    </a:solidFill>
+                  </a:tcPr>
+                </a:tc>
+                <a:tc>
+                  <a:txBody>
+                    <a:bodyPr/>
+                    <a:lstStyle/>
+                    <a:p>
+                      <a:pPr algn="ctr" latinLnBrk="1"/>
+                      <a:endParaRPr lang="ko-KR" altLang="en-US" dirty="0"/>
+                    </a:p>
+                  </a:txBody>
+                  <a:tcPr>
+                    <a:solidFill>
+                      <a:schemeClr val="bg1"/>
+                    </a:solidFill>
+                  </a:tcPr>
+                </a:tc>
+                <a:tc>
+                  <a:txBody>
+                    <a:bodyPr/>
+                    <a:lstStyle/>
+                    <a:p>
+                      <a:pPr algn="ctr" latinLnBrk="1"/>
+                      <a:endParaRPr lang="ko-KR" altLang="en-US"/>
+                    </a:p>
+                  </a:txBody>
+                  <a:tcPr>
+                    <a:solidFill>
+                      <a:schemeClr val="bg1"/>
+                    </a:solidFill>
+                  </a:tcPr>
+                </a:tc>
+                <a:tc>
+                  <a:txBody>
+                    <a:bodyPr/>
+                    <a:lstStyle/>
+                    <a:p>
+                      <a:pPr algn="ctr" latinLnBrk="1"/>
+                      <a:endParaRPr lang="ko-KR" altLang="en-US" dirty="0"/>
+                    </a:p>
+                  </a:txBody>
+                  <a:tcPr>
+                    <a:solidFill>
+                      <a:schemeClr val="bg1"/>
+                    </a:solidFill>
+                  </a:tcPr>
+                </a:tc>
+                <a:extLst>
+                  <a:ext uri="{0D108BD9-81ED-4DB2-BD59-A6C34878D82A}">
+                    <a16:rowId xmlns:a16="http://schemas.microsoft.com/office/drawing/2014/main" val="989354549"/>
+                  </a:ext>
+                </a:extLst>
+              </a:tr>
+              <a:tr h="370840">
+                <a:tc>
+                  <a:txBody>
+                    <a:bodyPr/>
+                    <a:lstStyle/>
+                    <a:p>
+                      <a:pPr algn="ctr" latinLnBrk="1"/>
+                      <a:r>
+                        <a:rPr lang="ko-KR" altLang="en-US" dirty="0"/>
+                        <a:t>서버 시간 구현</a:t>
+                      </a:r>
+                      <a:endParaRPr lang="en-US" altLang="ko-KR" dirty="0"/>
+                    </a:p>
+                  </a:txBody>
+                  <a:tcPr>
+                    <a:solidFill>
+                      <a:schemeClr val="tx2">
+                        <a:lumMod val="60000"/>
+                        <a:lumOff val="40000"/>
+                      </a:schemeClr>
+                    </a:solidFill>
+                  </a:tcPr>
+                </a:tc>
+                <a:tc>
+                  <a:txBody>
+                    <a:bodyPr/>
+                    <a:lstStyle/>
+                    <a:p>
+                      <a:pPr algn="ctr" latinLnBrk="1"/>
+                      <a:endParaRPr lang="ko-KR" altLang="en-US" dirty="0"/>
+                    </a:p>
+                  </a:txBody>
+                  <a:tcPr>
+                    <a:solidFill>
+                      <a:schemeClr val="bg1"/>
+                    </a:solidFill>
+                  </a:tcPr>
+                </a:tc>
+                <a:tc>
+                  <a:txBody>
+                    <a:bodyPr/>
+                    <a:lstStyle/>
+                    <a:p>
+                      <a:pPr algn="ctr" latinLnBrk="1"/>
+                      <a:endParaRPr lang="ko-KR" altLang="en-US" dirty="0"/>
+                    </a:p>
+                  </a:txBody>
+                  <a:tcPr>
+                    <a:solidFill>
+                      <a:schemeClr val="bg1"/>
+                    </a:solidFill>
+                  </a:tcPr>
+                </a:tc>
+                <a:tc>
+                  <a:txBody>
+                    <a:bodyPr/>
+                    <a:lstStyle/>
+                    <a:p>
+                      <a:pPr algn="ctr" latinLnBrk="1"/>
+                      <a:endParaRPr lang="ko-KR" altLang="en-US" dirty="0"/>
+                    </a:p>
+                  </a:txBody>
+                  <a:tcPr>
+                    <a:solidFill>
+                      <a:schemeClr val="bg1"/>
+                    </a:solidFill>
+                  </a:tcPr>
+                </a:tc>
+                <a:tc>
+                  <a:txBody>
+                    <a:bodyPr/>
+                    <a:lstStyle/>
+                    <a:p>
+                      <a:pPr algn="ctr" latinLnBrk="1"/>
+                      <a:endParaRPr lang="ko-KR" altLang="en-US" dirty="0"/>
+                    </a:p>
+                  </a:txBody>
+                  <a:tcPr>
+                    <a:solidFill>
+                      <a:schemeClr val="bg1"/>
+                    </a:solidFill>
+                  </a:tcPr>
+                </a:tc>
+                <a:tc>
+                  <a:txBody>
+                    <a:bodyPr/>
+                    <a:lstStyle/>
+                    <a:p>
+                      <a:pPr algn="ctr" latinLnBrk="1"/>
+                      <a:endParaRPr lang="ko-KR" altLang="en-US"/>
+                    </a:p>
+                  </a:txBody>
+                  <a:tcPr>
+                    <a:solidFill>
+                      <a:schemeClr val="bg1"/>
+                    </a:solidFill>
+                  </a:tcPr>
+                </a:tc>
+                <a:tc>
+                  <a:txBody>
+                    <a:bodyPr/>
+                    <a:lstStyle/>
+                    <a:p>
+                      <a:pPr algn="ctr" latinLnBrk="1"/>
+                      <a:endParaRPr lang="ko-KR" altLang="en-US"/>
+                    </a:p>
+                  </a:txBody>
+                  <a:tcPr>
+                    <a:solidFill>
+                      <a:schemeClr val="bg1"/>
+                    </a:solidFill>
+                  </a:tcPr>
+                </a:tc>
+                <a:tc>
+                  <a:txBody>
+                    <a:bodyPr/>
+                    <a:lstStyle/>
+                    <a:p>
+                      <a:pPr algn="ctr" latinLnBrk="1"/>
+                      <a:endParaRPr lang="ko-KR" altLang="en-US" dirty="0"/>
+                    </a:p>
+                  </a:txBody>
+                  <a:tcPr>
+                    <a:solidFill>
+                      <a:schemeClr val="bg1"/>
+                    </a:solidFill>
+                  </a:tcPr>
+                </a:tc>
+                <a:extLst>
+                  <a:ext uri="{0D108BD9-81ED-4DB2-BD59-A6C34878D82A}">
+                    <a16:rowId xmlns:a16="http://schemas.microsoft.com/office/drawing/2014/main" val="101141323"/>
+                  </a:ext>
+                </a:extLst>
+              </a:tr>
+              <a:tr h="370840">
+                <a:tc>
+                  <a:txBody>
+                    <a:bodyPr/>
+                    <a:lstStyle/>
+                    <a:p>
+                      <a:pPr algn="ctr" latinLnBrk="1"/>
+                      <a:r>
+                        <a:rPr lang="ko-KR" altLang="en-US" dirty="0"/>
+                        <a:t>로그인 구현</a:t>
+                      </a:r>
+                    </a:p>
+                  </a:txBody>
+                  <a:tcPr>
+                    <a:solidFill>
+                      <a:schemeClr val="tx2">
+                        <a:lumMod val="60000"/>
+                        <a:lumOff val="40000"/>
+                      </a:schemeClr>
+                    </a:solidFill>
+                  </a:tcPr>
+                </a:tc>
+                <a:tc>
+                  <a:txBody>
+                    <a:bodyPr/>
+                    <a:lstStyle/>
+                    <a:p>
+                      <a:pPr algn="ctr" latinLnBrk="1"/>
+                      <a:endParaRPr lang="ko-KR" altLang="en-US" dirty="0"/>
+                    </a:p>
+                  </a:txBody>
+                  <a:tcPr>
+                    <a:solidFill>
+                      <a:schemeClr val="bg1"/>
+                    </a:solidFill>
+                  </a:tcPr>
+                </a:tc>
+                <a:tc>
+                  <a:txBody>
+                    <a:bodyPr/>
+                    <a:lstStyle/>
+                    <a:p>
+                      <a:pPr algn="ctr" latinLnBrk="1"/>
+                      <a:endParaRPr lang="ko-KR" altLang="en-US" dirty="0"/>
+                    </a:p>
+                  </a:txBody>
+                  <a:tcPr>
+                    <a:solidFill>
+                      <a:schemeClr val="bg1"/>
+                    </a:solidFill>
+                  </a:tcPr>
+                </a:tc>
+                <a:tc>
+                  <a:txBody>
+                    <a:bodyPr/>
+                    <a:lstStyle/>
+                    <a:p>
+                      <a:pPr algn="ctr" latinLnBrk="1"/>
+                      <a:endParaRPr lang="ko-KR" altLang="en-US" dirty="0"/>
+                    </a:p>
+                  </a:txBody>
+                  <a:tcPr>
+                    <a:solidFill>
+                      <a:schemeClr val="bg1"/>
+                    </a:solidFill>
+                  </a:tcPr>
+                </a:tc>
+                <a:tc>
+                  <a:txBody>
+                    <a:bodyPr/>
+                    <a:lstStyle/>
+                    <a:p>
+                      <a:pPr algn="ctr" latinLnBrk="1"/>
+                      <a:endParaRPr lang="ko-KR" altLang="en-US" dirty="0"/>
+                    </a:p>
+                  </a:txBody>
+                  <a:tcPr>
+                    <a:solidFill>
+                      <a:schemeClr val="bg1"/>
+                    </a:solidFill>
+                  </a:tcPr>
+                </a:tc>
+                <a:tc>
+                  <a:txBody>
+                    <a:bodyPr/>
+                    <a:lstStyle/>
+                    <a:p>
+                      <a:pPr algn="ctr" latinLnBrk="1"/>
+                      <a:endParaRPr lang="ko-KR" altLang="en-US" dirty="0"/>
+                    </a:p>
+                  </a:txBody>
+                  <a:tcPr>
+                    <a:solidFill>
+                      <a:schemeClr val="bg1"/>
+                    </a:solidFill>
+                  </a:tcPr>
+                </a:tc>
+                <a:tc>
+                  <a:txBody>
+                    <a:bodyPr/>
+                    <a:lstStyle/>
+                    <a:p>
+                      <a:pPr algn="ctr" latinLnBrk="1"/>
+                      <a:endParaRPr lang="ko-KR" altLang="en-US" dirty="0"/>
+                    </a:p>
+                  </a:txBody>
+                  <a:tcPr>
+                    <a:solidFill>
+                      <a:schemeClr val="bg1"/>
+                    </a:solidFill>
+                  </a:tcPr>
+                </a:tc>
+                <a:tc>
+                  <a:txBody>
+                    <a:bodyPr/>
+                    <a:lstStyle/>
+                    <a:p>
+                      <a:pPr algn="ctr" latinLnBrk="1"/>
+                      <a:endParaRPr lang="ko-KR" altLang="en-US" dirty="0"/>
+                    </a:p>
+                  </a:txBody>
+                  <a:tcPr>
+                    <a:solidFill>
+                      <a:schemeClr val="bg1"/>
+                    </a:solidFill>
+                  </a:tcPr>
+                </a:tc>
+                <a:extLst>
+                  <a:ext uri="{0D108BD9-81ED-4DB2-BD59-A6C34878D82A}">
+                    <a16:rowId xmlns:a16="http://schemas.microsoft.com/office/drawing/2014/main" val="1733480896"/>
+                  </a:ext>
+                </a:extLst>
+              </a:tr>
+              <a:tr h="185420">
+                <a:tc>
+                  <a:txBody>
+                    <a:bodyPr/>
+                    <a:lstStyle/>
+                    <a:p>
+                      <a:pPr algn="ctr" latinLnBrk="1"/>
+                      <a:r>
+                        <a:rPr lang="ko-KR" altLang="en-US" dirty="0" err="1"/>
+                        <a:t>체스판</a:t>
+                      </a:r>
+                      <a:r>
+                        <a:rPr lang="ko-KR" altLang="en-US" dirty="0"/>
+                        <a:t> 서버 구현</a:t>
+                      </a:r>
+                    </a:p>
+                  </a:txBody>
+                  <a:tcPr>
+                    <a:solidFill>
+                      <a:schemeClr val="tx2">
+                        <a:lumMod val="60000"/>
+                        <a:lumOff val="40000"/>
+                      </a:schemeClr>
+                    </a:solidFill>
+                  </a:tcPr>
+                </a:tc>
+                <a:tc>
+                  <a:txBody>
+                    <a:bodyPr/>
+                    <a:lstStyle/>
+                    <a:p>
+                      <a:pPr algn="ctr" latinLnBrk="1"/>
+                      <a:endParaRPr lang="ko-KR" altLang="en-US" dirty="0"/>
+                    </a:p>
+                  </a:txBody>
+                  <a:tcPr>
+                    <a:solidFill>
+                      <a:schemeClr val="bg1"/>
+                    </a:solidFill>
+                  </a:tcPr>
+                </a:tc>
+                <a:tc>
+                  <a:txBody>
+                    <a:bodyPr/>
+                    <a:lstStyle/>
+                    <a:p>
+                      <a:pPr algn="ctr" latinLnBrk="1"/>
+                      <a:endParaRPr lang="ko-KR" altLang="en-US" dirty="0"/>
+                    </a:p>
+                  </a:txBody>
+                  <a:tcPr>
+                    <a:solidFill>
+                      <a:schemeClr val="bg1"/>
+                    </a:solidFill>
+                  </a:tcPr>
+                </a:tc>
+                <a:tc>
+                  <a:txBody>
+                    <a:bodyPr/>
+                    <a:lstStyle/>
+                    <a:p>
+                      <a:pPr algn="ctr" latinLnBrk="1"/>
+                      <a:endParaRPr lang="ko-KR" altLang="en-US" dirty="0"/>
+                    </a:p>
+                  </a:txBody>
+                  <a:tcPr>
+                    <a:solidFill>
+                      <a:schemeClr val="bg1"/>
+                    </a:solidFill>
+                  </a:tcPr>
+                </a:tc>
+                <a:tc>
+                  <a:txBody>
+                    <a:bodyPr/>
+                    <a:lstStyle/>
+                    <a:p>
+                      <a:pPr algn="ctr" latinLnBrk="1"/>
+                      <a:endParaRPr lang="ko-KR" altLang="en-US" dirty="0"/>
+                    </a:p>
+                  </a:txBody>
+                  <a:tcPr>
+                    <a:solidFill>
+                      <a:schemeClr val="bg1"/>
+                    </a:solidFill>
+                  </a:tcPr>
+                </a:tc>
+                <a:tc>
+                  <a:txBody>
+                    <a:bodyPr/>
+                    <a:lstStyle/>
+                    <a:p>
+                      <a:pPr algn="ctr" latinLnBrk="1"/>
+                      <a:endParaRPr lang="ko-KR" altLang="en-US" dirty="0"/>
+                    </a:p>
+                  </a:txBody>
+                  <a:tcPr>
+                    <a:solidFill>
+                      <a:schemeClr val="bg1"/>
+                    </a:solidFill>
+                  </a:tcPr>
+                </a:tc>
+                <a:tc>
+                  <a:txBody>
+                    <a:bodyPr/>
+                    <a:lstStyle/>
+                    <a:p>
+                      <a:pPr algn="ctr" latinLnBrk="1"/>
+                      <a:endParaRPr lang="ko-KR" altLang="en-US" dirty="0"/>
+                    </a:p>
+                  </a:txBody>
+                  <a:tcPr>
+                    <a:solidFill>
+                      <a:schemeClr val="bg1"/>
+                    </a:solidFill>
+                  </a:tcPr>
+                </a:tc>
+                <a:tc>
+                  <a:txBody>
+                    <a:bodyPr/>
+                    <a:lstStyle/>
+                    <a:p>
+                      <a:pPr algn="ctr" latinLnBrk="1"/>
+                      <a:endParaRPr lang="ko-KR" altLang="en-US" dirty="0"/>
+                    </a:p>
+                  </a:txBody>
+                  <a:tcPr>
+                    <a:solidFill>
+                      <a:schemeClr val="bg1"/>
+                    </a:solidFill>
+                  </a:tcPr>
+                </a:tc>
+                <a:extLst>
+                  <a:ext uri="{0D108BD9-81ED-4DB2-BD59-A6C34878D82A}">
+                    <a16:rowId xmlns:a16="http://schemas.microsoft.com/office/drawing/2014/main" val="3821486699"/>
+                  </a:ext>
+                </a:extLst>
+              </a:tr>
+              <a:tr h="182880">
+                <a:tc>
+                  <a:txBody>
+                    <a:bodyPr/>
+                    <a:lstStyle/>
+                    <a:p>
+                      <a:pPr algn="ctr" latinLnBrk="1"/>
+                      <a:r>
+                        <a:rPr lang="ko-KR" altLang="en-US" dirty="0"/>
+                        <a:t>유닛 행동 트리 구현</a:t>
+                      </a:r>
+                    </a:p>
+                  </a:txBody>
+                  <a:tcPr>
+                    <a:solidFill>
+                      <a:schemeClr val="tx2">
+                        <a:lumMod val="60000"/>
+                        <a:lumOff val="40000"/>
+                      </a:schemeClr>
+                    </a:solidFill>
+                  </a:tcPr>
+                </a:tc>
+                <a:tc>
+                  <a:txBody>
+                    <a:bodyPr/>
+                    <a:lstStyle/>
+                    <a:p>
+                      <a:pPr algn="ctr" latinLnBrk="1"/>
+                      <a:endParaRPr lang="ko-KR" altLang="en-US" dirty="0"/>
+                    </a:p>
+                  </a:txBody>
+                  <a:tcPr>
+                    <a:solidFill>
+                      <a:schemeClr val="bg1"/>
+                    </a:solidFill>
+                  </a:tcPr>
+                </a:tc>
+                <a:tc>
+                  <a:txBody>
+                    <a:bodyPr/>
+                    <a:lstStyle/>
+                    <a:p>
+                      <a:pPr algn="ctr" latinLnBrk="1"/>
+                      <a:endParaRPr lang="ko-KR" altLang="en-US" dirty="0"/>
+                    </a:p>
+                  </a:txBody>
+                  <a:tcPr>
+                    <a:solidFill>
+                      <a:schemeClr val="bg1"/>
+                    </a:solidFill>
+                  </a:tcPr>
+                </a:tc>
+                <a:tc>
+                  <a:txBody>
+                    <a:bodyPr/>
+                    <a:lstStyle/>
+                    <a:p>
+                      <a:pPr algn="ctr" latinLnBrk="1"/>
+                      <a:endParaRPr lang="ko-KR" altLang="en-US" dirty="0"/>
+                    </a:p>
+                  </a:txBody>
+                  <a:tcPr>
+                    <a:solidFill>
+                      <a:schemeClr val="bg1"/>
+                    </a:solidFill>
+                  </a:tcPr>
+                </a:tc>
+                <a:tc>
+                  <a:txBody>
+                    <a:bodyPr/>
+                    <a:lstStyle/>
+                    <a:p>
+                      <a:pPr algn="ctr" latinLnBrk="1"/>
+                      <a:endParaRPr lang="ko-KR" altLang="en-US" dirty="0"/>
+                    </a:p>
+                  </a:txBody>
+                  <a:tcPr>
+                    <a:solidFill>
+                      <a:schemeClr val="bg1"/>
+                    </a:solidFill>
+                  </a:tcPr>
+                </a:tc>
+                <a:tc>
+                  <a:txBody>
+                    <a:bodyPr/>
+                    <a:lstStyle/>
+                    <a:p>
+                      <a:pPr algn="ctr" latinLnBrk="1"/>
+                      <a:endParaRPr lang="ko-KR" altLang="en-US" dirty="0"/>
+                    </a:p>
+                  </a:txBody>
+                  <a:tcPr>
+                    <a:solidFill>
+                      <a:schemeClr val="bg1"/>
+                    </a:solidFill>
+                  </a:tcPr>
+                </a:tc>
+                <a:tc>
+                  <a:txBody>
+                    <a:bodyPr/>
+                    <a:lstStyle/>
+                    <a:p>
+                      <a:pPr algn="ctr" latinLnBrk="1"/>
+                      <a:endParaRPr lang="ko-KR" altLang="en-US" dirty="0"/>
+                    </a:p>
+                  </a:txBody>
+                  <a:tcPr>
+                    <a:solidFill>
+                      <a:schemeClr val="bg1"/>
+                    </a:solidFill>
+                  </a:tcPr>
+                </a:tc>
+                <a:tc>
+                  <a:txBody>
+                    <a:bodyPr/>
+                    <a:lstStyle/>
+                    <a:p>
+                      <a:pPr algn="ctr" latinLnBrk="1"/>
+                      <a:endParaRPr lang="ko-KR" altLang="en-US" dirty="0"/>
+                    </a:p>
+                  </a:txBody>
+                  <a:tcPr>
+                    <a:solidFill>
+                      <a:schemeClr val="bg1"/>
+                    </a:solidFill>
+                  </a:tcPr>
+                </a:tc>
+                <a:extLst>
+                  <a:ext uri="{0D108BD9-81ED-4DB2-BD59-A6C34878D82A}">
+                    <a16:rowId xmlns:a16="http://schemas.microsoft.com/office/drawing/2014/main" val="1215726892"/>
+                  </a:ext>
+                </a:extLst>
+              </a:tr>
+              <a:tr h="182880">
+                <a:tc>
+                  <a:txBody>
+                    <a:bodyPr/>
+                    <a:lstStyle/>
+                    <a:p>
+                      <a:pPr algn="ctr" latinLnBrk="1"/>
+                      <a:r>
+                        <a:rPr lang="ko-KR" altLang="en-US" dirty="0" err="1"/>
+                        <a:t>디메리트</a:t>
+                      </a:r>
+                      <a:r>
+                        <a:rPr lang="ko-KR" altLang="en-US" dirty="0"/>
+                        <a:t> 연동</a:t>
+                      </a:r>
+                    </a:p>
+                  </a:txBody>
+                  <a:tcPr>
+                    <a:solidFill>
+                      <a:schemeClr val="tx2">
+                        <a:lumMod val="60000"/>
+                        <a:lumOff val="40000"/>
+                      </a:schemeClr>
+                    </a:solidFill>
+                  </a:tcPr>
+                </a:tc>
+                <a:tc>
+                  <a:txBody>
+                    <a:bodyPr/>
+                    <a:lstStyle/>
+                    <a:p>
+                      <a:pPr algn="ctr" latinLnBrk="1"/>
+                      <a:endParaRPr lang="ko-KR" altLang="en-US" dirty="0"/>
+                    </a:p>
+                  </a:txBody>
+                  <a:tcPr>
+                    <a:solidFill>
+                      <a:schemeClr val="bg1"/>
+                    </a:solidFill>
+                  </a:tcPr>
+                </a:tc>
+                <a:tc>
+                  <a:txBody>
+                    <a:bodyPr/>
+                    <a:lstStyle/>
+                    <a:p>
+                      <a:pPr algn="ctr" latinLnBrk="1"/>
+                      <a:endParaRPr lang="ko-KR" altLang="en-US" dirty="0"/>
+                    </a:p>
+                  </a:txBody>
+                  <a:tcPr>
+                    <a:solidFill>
+                      <a:schemeClr val="bg1"/>
+                    </a:solidFill>
+                  </a:tcPr>
+                </a:tc>
+                <a:tc>
+                  <a:txBody>
+                    <a:bodyPr/>
+                    <a:lstStyle/>
+                    <a:p>
+                      <a:pPr algn="ctr" latinLnBrk="1"/>
+                      <a:endParaRPr lang="ko-KR" altLang="en-US" dirty="0"/>
+                    </a:p>
+                  </a:txBody>
+                  <a:tcPr>
+                    <a:solidFill>
+                      <a:schemeClr val="bg1"/>
+                    </a:solidFill>
+                  </a:tcPr>
+                </a:tc>
+                <a:tc>
+                  <a:txBody>
+                    <a:bodyPr/>
+                    <a:lstStyle/>
+                    <a:p>
+                      <a:pPr algn="ctr" latinLnBrk="1"/>
+                      <a:endParaRPr lang="ko-KR" altLang="en-US" dirty="0"/>
+                    </a:p>
+                  </a:txBody>
+                  <a:tcPr>
+                    <a:solidFill>
+                      <a:schemeClr val="bg1"/>
+                    </a:solidFill>
+                  </a:tcPr>
+                </a:tc>
+                <a:tc>
+                  <a:txBody>
+                    <a:bodyPr/>
+                    <a:lstStyle/>
+                    <a:p>
+                      <a:pPr algn="ctr" latinLnBrk="1"/>
+                      <a:endParaRPr lang="ko-KR" altLang="en-US" dirty="0"/>
+                    </a:p>
+                  </a:txBody>
+                  <a:tcPr>
+                    <a:solidFill>
+                      <a:schemeClr val="bg1"/>
+                    </a:solidFill>
+                  </a:tcPr>
+                </a:tc>
+                <a:tc>
+                  <a:txBody>
+                    <a:bodyPr/>
+                    <a:lstStyle/>
+                    <a:p>
+                      <a:pPr algn="ctr" latinLnBrk="1"/>
+                      <a:endParaRPr lang="ko-KR" altLang="en-US" dirty="0"/>
+                    </a:p>
+                  </a:txBody>
+                  <a:tcPr>
+                    <a:solidFill>
+                      <a:schemeClr val="bg1"/>
+                    </a:solidFill>
+                  </a:tcPr>
+                </a:tc>
+                <a:tc>
+                  <a:txBody>
+                    <a:bodyPr/>
+                    <a:lstStyle/>
+                    <a:p>
+                      <a:pPr algn="ctr" latinLnBrk="1"/>
+                      <a:endParaRPr lang="ko-KR" altLang="en-US" dirty="0"/>
+                    </a:p>
+                  </a:txBody>
+                  <a:tcPr>
+                    <a:solidFill>
+                      <a:schemeClr val="bg1"/>
+                    </a:solidFill>
+                  </a:tcPr>
+                </a:tc>
+                <a:extLst>
+                  <a:ext uri="{0D108BD9-81ED-4DB2-BD59-A6C34878D82A}">
+                    <a16:rowId xmlns:a16="http://schemas.microsoft.com/office/drawing/2014/main" val="2506702221"/>
+                  </a:ext>
+                </a:extLst>
+              </a:tr>
+            </a:tbl>
+          </a:graphicData>
+        </a:graphic>
+      </p:graphicFrame>
+      <p:cxnSp>
+        <p:nvCxnSpPr>
+          <p:cNvPr id="19" name="직선 연결선 18">
+            <a:extLst>
+              <a:ext uri="{FF2B5EF4-FFF2-40B4-BE49-F238E27FC236}">
+                <a16:creationId xmlns:a16="http://schemas.microsoft.com/office/drawing/2014/main" id="{E654176C-A289-3D59-AB77-5E53632A6CEF}"/>
+              </a:ext>
+            </a:extLst>
+          </p:cNvPr>
+          <p:cNvCxnSpPr>
+            <a:cxnSpLocks/>
+          </p:cNvCxnSpPr>
+          <p:nvPr/>
+        </p:nvCxnSpPr>
+        <p:spPr>
+          <a:xfrm>
+            <a:off x="3710608" y="4434099"/>
+            <a:ext cx="1803784" cy="0"/>
           </a:xfrm>
           <a:prstGeom prst="line">
             <a:avLst/>
@@ -4596,10 +6259,10 @@
       </p:cxnSp>
       <p:cxnSp>
         <p:nvCxnSpPr>
-          <p:cNvPr id="14" name="직선 연결선 13">
-            <a:extLst>
-              <a:ext uri="{FF2B5EF4-FFF2-40B4-BE49-F238E27FC236}">
-                <a16:creationId xmlns:a16="http://schemas.microsoft.com/office/drawing/2014/main" id="{5992CF9C-2748-9883-8257-0F5CC6CE35DB}"/>
+          <p:cNvPr id="20" name="직선 연결선 19">
+            <a:extLst>
+              <a:ext uri="{FF2B5EF4-FFF2-40B4-BE49-F238E27FC236}">
+                <a16:creationId xmlns:a16="http://schemas.microsoft.com/office/drawing/2014/main" id="{69DE575D-7834-4ED3-377D-2CE07A224827}"/>
               </a:ext>
             </a:extLst>
           </p:cNvPr>
@@ -4610,8 +6273,8 @@
         </p:nvCxnSpPr>
         <p:spPr>
           <a:xfrm>
-            <a:off x="3710608" y="2938091"/>
-            <a:ext cx="2385392" cy="0"/>
+            <a:off x="6727279" y="5156963"/>
+            <a:ext cx="1147700" cy="0"/>
           </a:xfrm>
           <a:prstGeom prst="line">
             <a:avLst/>
@@ -4639,10 +6302,10 @@
       </p:cxnSp>
       <p:cxnSp>
         <p:nvCxnSpPr>
-          <p:cNvPr id="16" name="직선 연결선 15">
-            <a:extLst>
-              <a:ext uri="{FF2B5EF4-FFF2-40B4-BE49-F238E27FC236}">
-                <a16:creationId xmlns:a16="http://schemas.microsoft.com/office/drawing/2014/main" id="{A33DEF14-6E8E-2950-72AA-C3721DD981AE}"/>
+          <p:cNvPr id="21" name="직선 연결선 20">
+            <a:extLst>
+              <a:ext uri="{FF2B5EF4-FFF2-40B4-BE49-F238E27FC236}">
+                <a16:creationId xmlns:a16="http://schemas.microsoft.com/office/drawing/2014/main" id="{F15DB185-F1E4-1663-9785-4A837EB4429B}"/>
               </a:ext>
             </a:extLst>
           </p:cNvPr>
@@ -4653,8 +6316,8 @@
         </p:nvCxnSpPr>
         <p:spPr>
           <a:xfrm>
-            <a:off x="6096000" y="2438034"/>
-            <a:ext cx="2941983" cy="0"/>
+            <a:off x="7288696" y="5539518"/>
+            <a:ext cx="1230153" cy="0"/>
           </a:xfrm>
           <a:prstGeom prst="line">
             <a:avLst/>
@@ -4682,10 +6345,10 @@
       </p:cxnSp>
       <p:cxnSp>
         <p:nvCxnSpPr>
-          <p:cNvPr id="23" name="직선 연결선 22">
-            <a:extLst>
-              <a:ext uri="{FF2B5EF4-FFF2-40B4-BE49-F238E27FC236}">
-                <a16:creationId xmlns:a16="http://schemas.microsoft.com/office/drawing/2014/main" id="{11FD66C0-35DF-982C-EA95-914D0764781A}"/>
+          <p:cNvPr id="24" name="직선 연결선 23">
+            <a:extLst>
+              <a:ext uri="{FF2B5EF4-FFF2-40B4-BE49-F238E27FC236}">
+                <a16:creationId xmlns:a16="http://schemas.microsoft.com/office/drawing/2014/main" id="{EC3B9337-DA45-38C1-3F21-27FBDC20E899}"/>
               </a:ext>
             </a:extLst>
           </p:cNvPr>
@@ -4696,8 +6359,8 @@
         </p:nvCxnSpPr>
         <p:spPr>
           <a:xfrm>
-            <a:off x="7892748" y="3461216"/>
-            <a:ext cx="2332382" cy="0"/>
+            <a:off x="5542326" y="4797189"/>
+            <a:ext cx="1184953" cy="0"/>
           </a:xfrm>
           <a:prstGeom prst="line">
             <a:avLst/>
@@ -4723,62 +6386,92 @@
           </a:fontRef>
         </p:style>
       </p:cxnSp>
-      <p:sp>
-        <p:nvSpPr>
-          <p:cNvPr id="26" name="제목 1">
-            <a:extLst>
-              <a:ext uri="{FF2B5EF4-FFF2-40B4-BE49-F238E27FC236}">
-                <a16:creationId xmlns:a16="http://schemas.microsoft.com/office/drawing/2014/main" id="{73F43A42-79C3-7F51-D747-A3FFF0E1AEA5}"/>
-              </a:ext>
-            </a:extLst>
-          </p:cNvPr>
-          <p:cNvSpPr txBox="1">
-            <a:spLocks/>
-          </p:cNvSpPr>
+      <p:cxnSp>
+        <p:nvCxnSpPr>
+          <p:cNvPr id="29" name="직선 연결선 28">
+            <a:extLst>
+              <a:ext uri="{FF2B5EF4-FFF2-40B4-BE49-F238E27FC236}">
+                <a16:creationId xmlns:a16="http://schemas.microsoft.com/office/drawing/2014/main" id="{8F79A311-62C5-3CB5-3CFB-DB0729004623}"/>
+              </a:ext>
+            </a:extLst>
+          </p:cNvPr>
+          <p:cNvCxnSpPr>
+            <a:cxnSpLocks/>
+          </p:cNvCxnSpPr>
           <p:nvPr/>
-        </p:nvSpPr>
+        </p:nvCxnSpPr>
         <p:spPr>
           <a:xfrm>
-            <a:off x="838200" y="944332"/>
-            <a:ext cx="1045266" cy="539270"/>
+            <a:off x="7874979" y="5906523"/>
+            <a:ext cx="1539609" cy="0"/>
           </a:xfrm>
-          <a:prstGeom prst="rect">
+          <a:prstGeom prst="line">
             <a:avLst/>
           </a:prstGeom>
+          <a:ln w="101600">
+            <a:solidFill>
+              <a:schemeClr val="accent2"/>
+            </a:solidFill>
+          </a:ln>
         </p:spPr>
-        <p:txBody>
-          <a:bodyPr vert="horz" lIns="91440" tIns="45720" rIns="91440" bIns="45720" rtlCol="0" anchor="ctr">
-            <a:normAutofit/>
-          </a:bodyPr>
-          <a:lstStyle>
-            <a:lvl1pPr algn="l" defTabSz="914400" rtl="0" eaLnBrk="1" latinLnBrk="1" hangingPunct="1">
-              <a:lnSpc>
-                <a:spcPct val="90000"/>
-              </a:lnSpc>
-              <a:spcBef>
-                <a:spcPct val="0"/>
-              </a:spcBef>
-              <a:buNone/>
-              <a:defRPr sz="4400" kern="1200">
-                <a:solidFill>
-                  <a:schemeClr val="tx1"/>
-                </a:solidFill>
-                <a:latin typeface="+mj-lt"/>
-                <a:ea typeface="+mj-ea"/>
-                <a:cs typeface="+mj-cs"/>
-              </a:defRPr>
-            </a:lvl1pPr>
-          </a:lstStyle>
-          <a:p>
-            <a:pPr algn="ctr"/>
-            <a:r>
-              <a:rPr lang="ko-KR" altLang="en-US" sz="2000" b="1"/>
-              <a:t>신동원</a:t>
-            </a:r>
-            <a:endParaRPr lang="ko-KR" altLang="en-US" sz="2000" b="1" dirty="0"/>
-          </a:p>
-        </p:txBody>
-      </p:sp>
+        <p:style>
+          <a:lnRef idx="1">
+            <a:schemeClr val="accent1"/>
+          </a:lnRef>
+          <a:fillRef idx="0">
+            <a:schemeClr val="accent1"/>
+          </a:fillRef>
+          <a:effectRef idx="0">
+            <a:schemeClr val="accent1"/>
+          </a:effectRef>
+          <a:fontRef idx="minor">
+            <a:schemeClr val="tx1"/>
+          </a:fontRef>
+        </p:style>
+      </p:cxnSp>
+      <p:cxnSp>
+        <p:nvCxnSpPr>
+          <p:cNvPr id="31" name="직선 연결선 30">
+            <a:extLst>
+              <a:ext uri="{FF2B5EF4-FFF2-40B4-BE49-F238E27FC236}">
+                <a16:creationId xmlns:a16="http://schemas.microsoft.com/office/drawing/2014/main" id="{FD3BDB39-54CC-EE68-88A1-242ED3FB3D7D}"/>
+              </a:ext>
+            </a:extLst>
+          </p:cNvPr>
+          <p:cNvCxnSpPr>
+            <a:cxnSpLocks/>
+          </p:cNvCxnSpPr>
+          <p:nvPr/>
+        </p:nvCxnSpPr>
+        <p:spPr>
+          <a:xfrm>
+            <a:off x="8512571" y="6245535"/>
+            <a:ext cx="1675037" cy="0"/>
+          </a:xfrm>
+          <a:prstGeom prst="line">
+            <a:avLst/>
+          </a:prstGeom>
+          <a:ln w="101600">
+            <a:solidFill>
+              <a:schemeClr val="accent2"/>
+            </a:solidFill>
+          </a:ln>
+        </p:spPr>
+        <p:style>
+          <a:lnRef idx="1">
+            <a:schemeClr val="accent1"/>
+          </a:lnRef>
+          <a:fillRef idx="0">
+            <a:schemeClr val="accent1"/>
+          </a:fillRef>
+          <a:effectRef idx="0">
+            <a:schemeClr val="accent1"/>
+          </a:effectRef>
+          <a:fontRef idx="minor">
+            <a:schemeClr val="tx1"/>
+          </a:fontRef>
+        </p:style>
+      </p:cxnSp>
     </p:spTree>
     <p:extLst>
       <p:ext uri="{BB962C8B-B14F-4D97-AF65-F5344CB8AC3E}">
@@ -4792,14 +6485,15 @@
 </p:sld>
 </file>
 
-<file path=ppt/slides/slide2.xml><?xml version="1.0" encoding="utf-8"?>
+<file path=ppt/slides/slide12.xml><?xml version="1.0" encoding="utf-8"?>
 <p:sld xmlns:a="http://schemas.openxmlformats.org/drawingml/2006/main" xmlns:r="http://schemas.openxmlformats.org/officeDocument/2006/relationships" xmlns:p="http://schemas.openxmlformats.org/presentationml/2006/main">
   <p:cSld>
     <p:bg>
       <p:bgPr>
         <a:solidFill>
           <a:schemeClr val="accent1">
-            <a:lumMod val="75000"/>
+            <a:lumMod val="60000"/>
+            <a:lumOff val="40000"/>
           </a:schemeClr>
         </a:solidFill>
         <a:effectLst/>
@@ -4821,36 +6515,301 @@
       </p:grpSpPr>
       <p:sp>
         <p:nvSpPr>
-          <p:cNvPr id="2" name="제목 1">
-            <a:extLst>
-              <a:ext uri="{FF2B5EF4-FFF2-40B4-BE49-F238E27FC236}">
-                <a16:creationId xmlns:a16="http://schemas.microsoft.com/office/drawing/2014/main" id="{54AECA98-853D-DDF7-99A1-5F3D52616FE1}"/>
-              </a:ext>
-            </a:extLst>
-          </p:cNvPr>
-          <p:cNvSpPr>
-            <a:spLocks noGrp="1"/>
+          <p:cNvPr id="4" name="제목 1">
+            <a:extLst>
+              <a:ext uri="{FF2B5EF4-FFF2-40B4-BE49-F238E27FC236}">
+                <a16:creationId xmlns:a16="http://schemas.microsoft.com/office/drawing/2014/main" id="{AA050F6D-0458-C0A0-CADA-B7A73F4B3C7F}"/>
+              </a:ext>
+            </a:extLst>
+          </p:cNvPr>
+          <p:cNvSpPr txBox="1">
+            <a:spLocks/>
           </p:cNvSpPr>
-          <p:nvPr>
-            <p:ph type="title"/>
-          </p:nvPr>
+          <p:nvPr/>
         </p:nvSpPr>
         <p:spPr>
           <a:xfrm>
-            <a:off x="5502728" y="542408"/>
-            <a:ext cx="1186543" cy="810532"/>
+            <a:off x="838199" y="0"/>
+            <a:ext cx="10515600" cy="726557"/>
           </a:xfrm>
+          <a:prstGeom prst="rect">
+            <a:avLst/>
+          </a:prstGeom>
         </p:spPr>
         <p:txBody>
-          <a:bodyPr>
+          <a:bodyPr vert="horz" lIns="91440" tIns="45720" rIns="91440" bIns="45720" rtlCol="0" anchor="ctr">
             <a:normAutofit/>
           </a:bodyPr>
+          <a:lstStyle>
+            <a:lvl1pPr algn="l" defTabSz="914400" rtl="0" eaLnBrk="1" latinLnBrk="1" hangingPunct="1">
+              <a:lnSpc>
+                <a:spcPct val="90000"/>
+              </a:lnSpc>
+              <a:spcBef>
+                <a:spcPct val="0"/>
+              </a:spcBef>
+              <a:buNone/>
+              <a:defRPr sz="4400" kern="1200">
+                <a:solidFill>
+                  <a:schemeClr val="tx1"/>
+                </a:solidFill>
+                <a:latin typeface="+mj-lt"/>
+                <a:ea typeface="+mj-ea"/>
+                <a:cs typeface="+mj-cs"/>
+              </a:defRPr>
+            </a:lvl1pPr>
+          </a:lstStyle>
+          <a:p>
+            <a:r>
+              <a:rPr lang="en-US" altLang="ko-KR" sz="3600" b="1" dirty="0"/>
+              <a:t>8.</a:t>
+            </a:r>
+            <a:r>
+              <a:rPr lang="ko-KR" altLang="en-US" sz="3600" b="1" dirty="0"/>
+              <a:t>데모 시현</a:t>
+            </a:r>
+          </a:p>
+        </p:txBody>
+      </p:sp>
+      <p:sp>
+        <p:nvSpPr>
+          <p:cNvPr id="5" name="직사각형 4">
+            <a:extLst>
+              <a:ext uri="{FF2B5EF4-FFF2-40B4-BE49-F238E27FC236}">
+                <a16:creationId xmlns:a16="http://schemas.microsoft.com/office/drawing/2014/main" id="{F5F764D1-9E9A-6806-6C08-878E09159AD9}"/>
+              </a:ext>
+            </a:extLst>
+          </p:cNvPr>
+          <p:cNvSpPr/>
+          <p:nvPr/>
+        </p:nvSpPr>
+        <p:spPr>
+          <a:xfrm>
+            <a:off x="0" y="762135"/>
+            <a:ext cx="12205054" cy="5766318"/>
+          </a:xfrm>
+          <a:prstGeom prst="rect">
+            <a:avLst/>
+          </a:prstGeom>
+          <a:solidFill>
+            <a:schemeClr val="bg1"/>
+          </a:solidFill>
+        </p:spPr>
+        <p:style>
+          <a:lnRef idx="2">
+            <a:schemeClr val="accent1">
+              <a:shade val="50000"/>
+            </a:schemeClr>
+          </a:lnRef>
+          <a:fillRef idx="1">
+            <a:schemeClr val="accent1"/>
+          </a:fillRef>
+          <a:effectRef idx="0">
+            <a:schemeClr val="accent1"/>
+          </a:effectRef>
+          <a:fontRef idx="minor">
+            <a:schemeClr val="lt1"/>
+          </a:fontRef>
+        </p:style>
+        <p:txBody>
+          <a:bodyPr rtlCol="0" anchor="ctr"/>
           <a:lstStyle/>
           <a:p>
-            <a:r>
-              <a:rPr lang="ko-KR" altLang="en-US" sz="3600" b="1" dirty="0"/>
-              <a:t>목차</a:t>
-            </a:r>
+            <a:pPr algn="ctr"/>
+            <a:endParaRPr lang="ko-KR" altLang="en-US"/>
+          </a:p>
+        </p:txBody>
+      </p:sp>
+    </p:spTree>
+    <p:extLst>
+      <p:ext uri="{BB962C8B-B14F-4D97-AF65-F5344CB8AC3E}">
+        <p14:creationId xmlns:p14="http://schemas.microsoft.com/office/powerpoint/2010/main" val="4130453717"/>
+      </p:ext>
+    </p:extLst>
+  </p:cSld>
+  <p:clrMapOvr>
+    <a:masterClrMapping/>
+  </p:clrMapOvr>
+</p:sld>
+</file>
+
+<file path=ppt/slides/slide13.xml><?xml version="1.0" encoding="utf-8"?>
+<p:sld xmlns:a="http://schemas.openxmlformats.org/drawingml/2006/main" xmlns:r="http://schemas.openxmlformats.org/officeDocument/2006/relationships" xmlns:p="http://schemas.openxmlformats.org/presentationml/2006/main">
+  <p:cSld>
+    <p:bg>
+      <p:bgPr>
+        <a:solidFill>
+          <a:schemeClr val="accent1">
+            <a:lumMod val="60000"/>
+            <a:lumOff val="40000"/>
+          </a:schemeClr>
+        </a:solidFill>
+        <a:effectLst/>
+      </p:bgPr>
+    </p:bg>
+    <p:spTree>
+      <p:nvGrpSpPr>
+        <p:cNvPr id="1" name=""/>
+        <p:cNvGrpSpPr/>
+        <p:nvPr/>
+      </p:nvGrpSpPr>
+      <p:grpSpPr>
+        <a:xfrm>
+          <a:off x="0" y="0"/>
+          <a:ext cx="0" cy="0"/>
+          <a:chOff x="0" y="0"/>
+          <a:chExt cx="0" cy="0"/>
+        </a:xfrm>
+      </p:grpSpPr>
+      <p:sp>
+        <p:nvSpPr>
+          <p:cNvPr id="4" name="제목 1">
+            <a:extLst>
+              <a:ext uri="{FF2B5EF4-FFF2-40B4-BE49-F238E27FC236}">
+                <a16:creationId xmlns:a16="http://schemas.microsoft.com/office/drawing/2014/main" id="{9A89D700-3AB6-A10B-1453-D066DA43BE25}"/>
+              </a:ext>
+            </a:extLst>
+          </p:cNvPr>
+          <p:cNvSpPr txBox="1">
+            <a:spLocks/>
+          </p:cNvSpPr>
+          <p:nvPr/>
+        </p:nvSpPr>
+        <p:spPr>
+          <a:xfrm>
+            <a:off x="1524000" y="2235200"/>
+            <a:ext cx="9144000" cy="2387600"/>
+          </a:xfrm>
+          <a:prstGeom prst="rect">
+            <a:avLst/>
+          </a:prstGeom>
+        </p:spPr>
+        <p:txBody>
+          <a:bodyPr vert="horz" lIns="91440" tIns="45720" rIns="91440" bIns="45720" rtlCol="0" anchor="ctr" anchorCtr="0">
+            <a:normAutofit/>
+          </a:bodyPr>
+          <a:lstStyle>
+            <a:lvl1pPr algn="l" defTabSz="914400" rtl="0" eaLnBrk="1" latinLnBrk="1" hangingPunct="1">
+              <a:lnSpc>
+                <a:spcPct val="90000"/>
+              </a:lnSpc>
+              <a:spcBef>
+                <a:spcPct val="0"/>
+              </a:spcBef>
+              <a:buNone/>
+              <a:defRPr sz="4400" kern="1200">
+                <a:solidFill>
+                  <a:schemeClr val="tx1"/>
+                </a:solidFill>
+                <a:latin typeface="+mj-lt"/>
+                <a:ea typeface="+mj-ea"/>
+                <a:cs typeface="+mj-cs"/>
+              </a:defRPr>
+            </a:lvl1pPr>
+          </a:lstStyle>
+          <a:p>
+            <a:pPr algn="ctr"/>
+            <a:r>
+              <a:rPr lang="ko-KR" altLang="en-US" sz="5000" b="1" dirty="0"/>
+              <a:t>감사합니다</a:t>
+            </a:r>
+            <a:r>
+              <a:rPr lang="en-US" altLang="ko-KR" sz="5000" b="1" dirty="0"/>
+              <a:t>.</a:t>
+            </a:r>
+            <a:endParaRPr lang="ko-KR" altLang="en-US" sz="5000" b="1" dirty="0"/>
+          </a:p>
+        </p:txBody>
+      </p:sp>
+    </p:spTree>
+    <p:extLst>
+      <p:ext uri="{BB962C8B-B14F-4D97-AF65-F5344CB8AC3E}">
+        <p14:creationId xmlns:p14="http://schemas.microsoft.com/office/powerpoint/2010/main" val="3248932816"/>
+      </p:ext>
+    </p:extLst>
+  </p:cSld>
+  <p:clrMapOvr>
+    <a:masterClrMapping/>
+  </p:clrMapOvr>
+</p:sld>
+</file>
+
+<file path=ppt/slides/slide2.xml><?xml version="1.0" encoding="utf-8"?>
+<p:sld xmlns:a="http://schemas.openxmlformats.org/drawingml/2006/main" xmlns:r="http://schemas.openxmlformats.org/officeDocument/2006/relationships" xmlns:p="http://schemas.openxmlformats.org/presentationml/2006/main">
+  <p:cSld>
+    <p:bg>
+      <p:bgPr>
+        <a:solidFill>
+          <a:schemeClr val="accent1">
+            <a:lumMod val="60000"/>
+            <a:lumOff val="40000"/>
+          </a:schemeClr>
+        </a:solidFill>
+        <a:effectLst/>
+      </p:bgPr>
+    </p:bg>
+    <p:spTree>
+      <p:nvGrpSpPr>
+        <p:cNvPr id="1" name=""/>
+        <p:cNvGrpSpPr/>
+        <p:nvPr/>
+      </p:nvGrpSpPr>
+      <p:grpSpPr>
+        <a:xfrm>
+          <a:off x="0" y="0"/>
+          <a:ext cx="0" cy="0"/>
+          <a:chOff x="0" y="0"/>
+          <a:chExt cx="0" cy="0"/>
+        </a:xfrm>
+      </p:grpSpPr>
+      <p:sp>
+        <p:nvSpPr>
+          <p:cNvPr id="6" name="직사각형 5">
+            <a:extLst>
+              <a:ext uri="{FF2B5EF4-FFF2-40B4-BE49-F238E27FC236}">
+                <a16:creationId xmlns:a16="http://schemas.microsoft.com/office/drawing/2014/main" id="{72170571-6AC3-8D1F-3B90-A7F5BBE958AD}"/>
+              </a:ext>
+            </a:extLst>
+          </p:cNvPr>
+          <p:cNvSpPr>
+            <a:spLocks noGrp="1" noRot="1" noMove="1" noResize="1" noEditPoints="1" noAdjustHandles="1" noChangeArrowheads="1" noChangeShapeType="1"/>
+          </p:cNvSpPr>
+          <p:nvPr/>
+        </p:nvSpPr>
+        <p:spPr>
+          <a:xfrm>
+            <a:off x="0" y="726557"/>
+            <a:ext cx="12192000" cy="5766318"/>
+          </a:xfrm>
+          <a:prstGeom prst="rect">
+            <a:avLst/>
+          </a:prstGeom>
+          <a:solidFill>
+            <a:schemeClr val="bg1"/>
+          </a:solidFill>
+        </p:spPr>
+        <p:style>
+          <a:lnRef idx="2">
+            <a:schemeClr val="accent1">
+              <a:shade val="50000"/>
+            </a:schemeClr>
+          </a:lnRef>
+          <a:fillRef idx="1">
+            <a:schemeClr val="accent1"/>
+          </a:fillRef>
+          <a:effectRef idx="0">
+            <a:schemeClr val="accent1"/>
+          </a:effectRef>
+          <a:fontRef idx="minor">
+            <a:schemeClr val="lt1"/>
+          </a:fontRef>
+        </p:style>
+        <p:txBody>
+          <a:bodyPr rtlCol="0" anchor="ctr"/>
+          <a:lstStyle/>
+          <a:p>
+            <a:pPr algn="ctr"/>
+            <a:endParaRPr lang="ko-KR" altLang="en-US"/>
           </a:p>
         </p:txBody>
       </p:sp>
@@ -4872,8 +6831,8 @@
         </p:nvSpPr>
         <p:spPr>
           <a:xfrm>
-            <a:off x="838200" y="1825625"/>
-            <a:ext cx="3974062" cy="4351338"/>
+            <a:off x="548951" y="1459983"/>
+            <a:ext cx="2446176" cy="4351338"/>
           </a:xfrm>
         </p:spPr>
         <p:txBody>
@@ -4901,7 +6860,7 @@
             </a:r>
             <a:r>
               <a:rPr lang="en-US" altLang="ko-KR" dirty="0"/>
-              <a:t>                                           </a:t>
+              <a:t>                                        </a:t>
             </a:r>
           </a:p>
           <a:p>
@@ -4984,8 +6943,8 @@
         </p:nvSpPr>
         <p:spPr>
           <a:xfrm>
-            <a:off x="4812262" y="1825625"/>
-            <a:ext cx="3818554" cy="4351338"/>
+            <a:off x="4202274" y="1453114"/>
+            <a:ext cx="3342693" cy="4351338"/>
           </a:xfrm>
           <a:prstGeom prst="rect">
             <a:avLst/>
@@ -5260,7 +7219,7 @@
         </p:nvSpPr>
         <p:spPr>
           <a:xfrm>
-            <a:off x="9041363" y="1825625"/>
+            <a:off x="8752114" y="1453114"/>
             <a:ext cx="3004457" cy="4351338"/>
           </a:xfrm>
           <a:prstGeom prst="rect">
@@ -5512,6 +7471,60 @@
           </a:p>
         </p:txBody>
       </p:sp>
+      <p:sp>
+        <p:nvSpPr>
+          <p:cNvPr id="10" name="제목 1">
+            <a:extLst>
+              <a:ext uri="{FF2B5EF4-FFF2-40B4-BE49-F238E27FC236}">
+                <a16:creationId xmlns:a16="http://schemas.microsoft.com/office/drawing/2014/main" id="{A802F718-C360-1AEE-B7EB-9A6BE52F2191}"/>
+              </a:ext>
+            </a:extLst>
+          </p:cNvPr>
+          <p:cNvSpPr txBox="1">
+            <a:spLocks/>
+          </p:cNvSpPr>
+          <p:nvPr/>
+        </p:nvSpPr>
+        <p:spPr>
+          <a:xfrm>
+            <a:off x="838199" y="0"/>
+            <a:ext cx="10515600" cy="726557"/>
+          </a:xfrm>
+          <a:prstGeom prst="rect">
+            <a:avLst/>
+          </a:prstGeom>
+        </p:spPr>
+        <p:txBody>
+          <a:bodyPr vert="horz" lIns="91440" tIns="45720" rIns="91440" bIns="45720" rtlCol="0" anchor="ctr">
+            <a:normAutofit/>
+          </a:bodyPr>
+          <a:lstStyle>
+            <a:lvl1pPr algn="l" defTabSz="914400" rtl="0" eaLnBrk="1" latinLnBrk="1" hangingPunct="1">
+              <a:lnSpc>
+                <a:spcPct val="90000"/>
+              </a:lnSpc>
+              <a:spcBef>
+                <a:spcPct val="0"/>
+              </a:spcBef>
+              <a:buNone/>
+              <a:defRPr sz="4400" kern="1200">
+                <a:solidFill>
+                  <a:schemeClr val="tx1"/>
+                </a:solidFill>
+                <a:latin typeface="+mj-lt"/>
+                <a:ea typeface="+mj-ea"/>
+                <a:cs typeface="+mj-cs"/>
+              </a:defRPr>
+            </a:lvl1pPr>
+          </a:lstStyle>
+          <a:p>
+            <a:r>
+              <a:rPr lang="ko-KR" altLang="en-US" sz="3600" b="1" dirty="0"/>
+              <a:t>목차</a:t>
+            </a:r>
+          </a:p>
+        </p:txBody>
+      </p:sp>
     </p:spTree>
     <p:extLst>
       <p:ext uri="{BB962C8B-B14F-4D97-AF65-F5344CB8AC3E}">
@@ -5532,7 +7545,8 @@
       <p:bgPr>
         <a:solidFill>
           <a:schemeClr val="accent1">
-            <a:lumMod val="75000"/>
+            <a:lumMod val="60000"/>
+            <a:lumOff val="40000"/>
           </a:schemeClr>
         </a:solidFill>
         <a:effectLst/>
@@ -5554,6 +7568,55 @@
       </p:grpSpPr>
       <p:sp>
         <p:nvSpPr>
+          <p:cNvPr id="4" name="직사각형 3">
+            <a:extLst>
+              <a:ext uri="{FF2B5EF4-FFF2-40B4-BE49-F238E27FC236}">
+                <a16:creationId xmlns:a16="http://schemas.microsoft.com/office/drawing/2014/main" id="{2D7E1B59-8C86-93F5-84A1-D5A59CDDBD1B}"/>
+              </a:ext>
+            </a:extLst>
+          </p:cNvPr>
+          <p:cNvSpPr/>
+          <p:nvPr/>
+        </p:nvSpPr>
+        <p:spPr>
+          <a:xfrm>
+            <a:off x="0" y="726557"/>
+            <a:ext cx="12192000" cy="5766318"/>
+          </a:xfrm>
+          <a:prstGeom prst="rect">
+            <a:avLst/>
+          </a:prstGeom>
+          <a:solidFill>
+            <a:schemeClr val="bg1"/>
+          </a:solidFill>
+        </p:spPr>
+        <p:style>
+          <a:lnRef idx="2">
+            <a:schemeClr val="accent1">
+              <a:shade val="50000"/>
+            </a:schemeClr>
+          </a:lnRef>
+          <a:fillRef idx="1">
+            <a:schemeClr val="accent1"/>
+          </a:fillRef>
+          <a:effectRef idx="0">
+            <a:schemeClr val="accent1"/>
+          </a:effectRef>
+          <a:fontRef idx="minor">
+            <a:schemeClr val="lt1"/>
+          </a:fontRef>
+        </p:style>
+        <p:txBody>
+          <a:bodyPr rtlCol="0" anchor="ctr"/>
+          <a:lstStyle/>
+          <a:p>
+            <a:pPr algn="ctr"/>
+            <a:endParaRPr lang="ko-KR" altLang="en-US"/>
+          </a:p>
+        </p:txBody>
+      </p:sp>
+      <p:sp>
+        <p:nvSpPr>
           <p:cNvPr id="2" name="제목 1">
             <a:extLst>
               <a:ext uri="{FF2B5EF4-FFF2-40B4-BE49-F238E27FC236}">
@@ -5568,14 +7631,22 @@
             <p:ph type="title"/>
           </p:nvPr>
         </p:nvSpPr>
-        <p:spPr/>
+        <p:spPr>
+          <a:xfrm>
+            <a:off x="838199" y="0"/>
+            <a:ext cx="10515600" cy="726557"/>
+          </a:xfrm>
+        </p:spPr>
         <p:txBody>
           <a:bodyPr>
             <a:normAutofit/>
           </a:bodyPr>
           <a:lstStyle/>
           <a:p>
-            <a:pPr algn="ctr"/>
+            <a:r>
+              <a:rPr lang="en-US" altLang="ko-KR" sz="3600" b="1" dirty="0"/>
+              <a:t>1.</a:t>
+            </a:r>
             <a:r>
               <a:rPr lang="ko-KR" altLang="en-US" sz="3600" b="1" dirty="0"/>
               <a:t>개요</a:t>
@@ -5601,8 +7672,8 @@
         </p:nvSpPr>
         <p:spPr>
           <a:xfrm>
-            <a:off x="678801" y="1379700"/>
-            <a:ext cx="10834397" cy="5113175"/>
+            <a:off x="519402" y="2360607"/>
+            <a:ext cx="10834397" cy="3191069"/>
           </a:xfrm>
         </p:spPr>
         <p:txBody>
@@ -5614,23 +7685,21 @@
             <a:pPr marL="0" indent="0">
               <a:buNone/>
             </a:pPr>
-            <a:endParaRPr lang="en-US" altLang="ko-KR" dirty="0"/>
-          </a:p>
-          <a:p>
-            <a:pPr marL="0" indent="0">
-              <a:buNone/>
-            </a:pPr>
+            <a:r>
+              <a:rPr lang="en-US" altLang="ko-KR" sz="2400" dirty="0"/>
+              <a:t>	4</a:t>
+            </a:r>
             <a:r>
               <a:rPr lang="ko-KR" altLang="en-US" sz="2400" dirty="0"/>
-              <a:t>게임 소개</a:t>
+              <a:t>인용 </a:t>
             </a:r>
             <a:r>
               <a:rPr lang="en-US" altLang="ko-KR" sz="2400" dirty="0"/>
-              <a:t>: </a:t>
+              <a:t>3D </a:t>
             </a:r>
             <a:r>
               <a:rPr lang="ko-KR" altLang="en-US" sz="2400" dirty="0"/>
-              <a:t>길드 배틀 체스</a:t>
+              <a:t>전략 오토 체스 게임</a:t>
             </a:r>
             <a:endParaRPr lang="en-US" altLang="ko-KR" sz="2400" dirty="0"/>
           </a:p>
@@ -5646,21 +7715,16 @@
             </a:pPr>
             <a:r>
               <a:rPr lang="en-US" altLang="ko-KR" sz="2400" dirty="0"/>
-              <a:t>4</a:t>
+              <a:t>	</a:t>
             </a:r>
             <a:r>
               <a:rPr lang="ko-KR" altLang="en-US" sz="2400" dirty="0"/>
-              <a:t>인용 </a:t>
+              <a:t>다양한 유닛들을 구매하여 체스 판 위에 배치한다</a:t>
             </a:r>
             <a:r>
               <a:rPr lang="en-US" altLang="ko-KR" sz="2400" dirty="0"/>
-              <a:t>3D </a:t>
-            </a:r>
-            <a:r>
-              <a:rPr lang="ko-KR" altLang="en-US" sz="2400" dirty="0"/>
-              <a:t>전략 오토 체스 게임</a:t>
-            </a:r>
-            <a:endParaRPr lang="en-US" altLang="ko-KR" sz="2400" dirty="0"/>
+              <a:t>.</a:t>
+            </a:r>
           </a:p>
           <a:p>
             <a:pPr marL="0" indent="0">
@@ -5673,8 +7737,12 @@
               <a:buNone/>
             </a:pPr>
             <a:r>
+              <a:rPr lang="en-US" altLang="ko-KR" sz="2400" dirty="0"/>
+              <a:t>	</a:t>
+            </a:r>
+            <a:r>
               <a:rPr lang="ko-KR" altLang="en-US" sz="2400" dirty="0"/>
-              <a:t>다양한 유닛들을 구매하여 체스 판 위에 배치한다</a:t>
+              <a:t>배치한 유닛들이 자동으로 전투한다</a:t>
             </a:r>
             <a:r>
               <a:rPr lang="en-US" altLang="ko-KR" sz="2400" dirty="0"/>
@@ -5692,32 +7760,75 @@
               <a:buNone/>
             </a:pPr>
             <a:r>
+              <a:rPr lang="en-US" altLang="ko-KR" sz="2400" dirty="0"/>
+              <a:t>	</a:t>
+            </a:r>
+            <a:r>
               <a:rPr lang="ko-KR" altLang="en-US" sz="2400" dirty="0"/>
-              <a:t>배치한 유닛들이 자동으로 전투한다</a:t>
+              <a:t>전략적으로 유닛들을 구매와 배치를 통해 상대에게 승리하자</a:t>
             </a:r>
             <a:r>
               <a:rPr lang="en-US" altLang="ko-KR" sz="2400" dirty="0"/>
               <a:t>.</a:t>
             </a:r>
           </a:p>
-          <a:p>
-            <a:pPr marL="0" indent="0">
-              <a:buNone/>
-            </a:pPr>
-            <a:endParaRPr lang="en-US" altLang="ko-KR" sz="2400" dirty="0"/>
-          </a:p>
-          <a:p>
-            <a:pPr marL="0" indent="0">
-              <a:buNone/>
-            </a:pPr>
-            <a:r>
-              <a:rPr lang="ko-KR" altLang="en-US" sz="2400" dirty="0"/>
-              <a:t>전략적으로 유닛들을 구매와 배치를 통해 상대에게 승리하자</a:t>
-            </a:r>
-            <a:r>
-              <a:rPr lang="en-US" altLang="ko-KR" sz="2400" dirty="0"/>
-              <a:t>.</a:t>
-            </a:r>
+        </p:txBody>
+      </p:sp>
+      <p:sp>
+        <p:nvSpPr>
+          <p:cNvPr id="5" name="TextBox 4">
+            <a:extLst>
+              <a:ext uri="{FF2B5EF4-FFF2-40B4-BE49-F238E27FC236}">
+                <a16:creationId xmlns:a16="http://schemas.microsoft.com/office/drawing/2014/main" id="{A6335D11-DE3C-0034-E6C4-8E1461C89C90}"/>
+              </a:ext>
+            </a:extLst>
+          </p:cNvPr>
+          <p:cNvSpPr txBox="1"/>
+          <p:nvPr/>
+        </p:nvSpPr>
+        <p:spPr>
+          <a:xfrm>
+            <a:off x="472749" y="1066528"/>
+            <a:ext cx="11246500" cy="477054"/>
+          </a:xfrm>
+          <a:prstGeom prst="rect">
+            <a:avLst/>
+          </a:prstGeom>
+          <a:noFill/>
+        </p:spPr>
+        <p:txBody>
+          <a:bodyPr wrap="square" rtlCol="0">
+            <a:spAutoFit/>
+          </a:bodyPr>
+          <a:lstStyle/>
+          <a:p>
+            <a:r>
+              <a:rPr lang="en-US" altLang="ko-KR" sz="2400" b="1" dirty="0">
+                <a:latin typeface="+mj-lt"/>
+              </a:rPr>
+              <a:t>01.</a:t>
+            </a:r>
+            <a:r>
+              <a:rPr lang="ko-KR" altLang="en-US" sz="2400" b="1" dirty="0">
+                <a:latin typeface="+mj-lt"/>
+              </a:rPr>
+              <a:t>게임 소개</a:t>
+            </a:r>
+            <a:r>
+              <a:rPr lang="en-US" altLang="ko-KR" sz="2400" b="1" dirty="0">
+                <a:latin typeface="+mj-lt"/>
+              </a:rPr>
+              <a:t>: </a:t>
+            </a:r>
+            <a:r>
+              <a:rPr lang="ko-KR" altLang="en-US" sz="2400" b="1" dirty="0">
+                <a:latin typeface="+mj-lt"/>
+              </a:rPr>
+              <a:t>길드 배틀 체스</a:t>
+            </a:r>
+            <a:endParaRPr lang="en-US" altLang="ko-KR" sz="2400" b="1" dirty="0">
+              <a:latin typeface="+mj-lt"/>
+            </a:endParaRPr>
           </a:p>
         </p:txBody>
       </p:sp>
@@ -5741,7 +7852,8 @@
       <p:bgPr>
         <a:solidFill>
           <a:schemeClr val="accent1">
-            <a:lumMod val="75000"/>
+            <a:lumMod val="60000"/>
+            <a:lumOff val="40000"/>
           </a:schemeClr>
         </a:solidFill>
         <a:effectLst/>
@@ -5763,88 +7875,20 @@
       </p:grpSpPr>
       <p:sp>
         <p:nvSpPr>
-          <p:cNvPr id="2" name="제목 1">
-            <a:extLst>
-              <a:ext uri="{FF2B5EF4-FFF2-40B4-BE49-F238E27FC236}">
-                <a16:creationId xmlns:a16="http://schemas.microsoft.com/office/drawing/2014/main" id="{1259FED4-82D5-D145-4135-2111CE727D0F}"/>
-              </a:ext>
-            </a:extLst>
-          </p:cNvPr>
-          <p:cNvSpPr>
-            <a:spLocks noGrp="1"/>
-          </p:cNvSpPr>
-          <p:nvPr>
-            <p:ph type="title"/>
-          </p:nvPr>
-        </p:nvSpPr>
-        <p:spPr/>
-        <p:txBody>
-          <a:bodyPr/>
-          <a:lstStyle/>
-          <a:p>
-            <a:pPr algn="ctr"/>
-            <a:r>
-              <a:rPr lang="ko-KR" altLang="en-US" dirty="0"/>
-              <a:t>게임 흐름</a:t>
-            </a:r>
-          </a:p>
-        </p:txBody>
-      </p:sp>
-      <p:sp>
-        <p:nvSpPr>
-          <p:cNvPr id="3" name="내용 개체 틀 2">
-            <a:extLst>
-              <a:ext uri="{FF2B5EF4-FFF2-40B4-BE49-F238E27FC236}">
-                <a16:creationId xmlns:a16="http://schemas.microsoft.com/office/drawing/2014/main" id="{ABD2B2C8-BF0E-37D8-F7A8-971B2D512D1C}"/>
-              </a:ext>
-            </a:extLst>
-          </p:cNvPr>
-          <p:cNvSpPr>
-            <a:spLocks noGrp="1"/>
-          </p:cNvSpPr>
-          <p:nvPr>
-            <p:ph idx="1"/>
-          </p:nvPr>
+          <p:cNvPr id="30" name="직사각형 29">
+            <a:extLst>
+              <a:ext uri="{FF2B5EF4-FFF2-40B4-BE49-F238E27FC236}">
+                <a16:creationId xmlns:a16="http://schemas.microsoft.com/office/drawing/2014/main" id="{20B5CBE3-1E96-FFCD-FDE6-C39C67AC32AC}"/>
+              </a:ext>
+            </a:extLst>
+          </p:cNvPr>
+          <p:cNvSpPr/>
+          <p:nvPr/>
         </p:nvSpPr>
         <p:spPr>
           <a:xfrm>
-            <a:off x="771330" y="1825625"/>
-            <a:ext cx="10515600" cy="4351338"/>
-          </a:xfrm>
-        </p:spPr>
-        <p:txBody>
-          <a:bodyPr/>
-          <a:lstStyle/>
-          <a:p>
-            <a:pPr marL="0" indent="0">
-              <a:buNone/>
-            </a:pPr>
-            <a:endParaRPr lang="en-US" altLang="ko-KR" dirty="0"/>
-          </a:p>
-          <a:p>
-            <a:pPr marL="0" indent="0">
-              <a:buNone/>
-            </a:pPr>
-            <a:endParaRPr lang="ko-KR" altLang="en-US" dirty="0"/>
-          </a:p>
-        </p:txBody>
-      </p:sp>
-      <p:sp>
-        <p:nvSpPr>
-          <p:cNvPr id="4" name="직사각형 3">
-            <a:extLst>
-              <a:ext uri="{FF2B5EF4-FFF2-40B4-BE49-F238E27FC236}">
-                <a16:creationId xmlns:a16="http://schemas.microsoft.com/office/drawing/2014/main" id="{094F46B1-ABDD-645A-C98C-D8BC91BBFD73}"/>
-              </a:ext>
-            </a:extLst>
-          </p:cNvPr>
-          <p:cNvSpPr/>
-          <p:nvPr/>
-        </p:nvSpPr>
-        <p:spPr>
-          <a:xfrm>
-            <a:off x="998376" y="1946226"/>
-            <a:ext cx="2090057" cy="1161661"/>
+            <a:off x="0" y="726557"/>
+            <a:ext cx="12192000" cy="5766318"/>
           </a:xfrm>
           <a:prstGeom prst="rect">
             <a:avLst/>
@@ -5852,7 +7896,59 @@
           <a:solidFill>
             <a:schemeClr val="bg1"/>
           </a:solidFill>
-          <a:ln w="101600">
+        </p:spPr>
+        <p:style>
+          <a:lnRef idx="2">
+            <a:schemeClr val="accent1">
+              <a:shade val="50000"/>
+            </a:schemeClr>
+          </a:lnRef>
+          <a:fillRef idx="1">
+            <a:schemeClr val="accent1"/>
+          </a:fillRef>
+          <a:effectRef idx="0">
+            <a:schemeClr val="accent1"/>
+          </a:effectRef>
+          <a:fontRef idx="minor">
+            <a:schemeClr val="lt1"/>
+          </a:fontRef>
+        </p:style>
+        <p:txBody>
+          <a:bodyPr rtlCol="0" anchor="ctr"/>
+          <a:lstStyle/>
+          <a:p>
+            <a:pPr algn="ctr"/>
+            <a:endParaRPr lang="ko-KR" altLang="en-US"/>
+          </a:p>
+        </p:txBody>
+      </p:sp>
+      <p:sp>
+        <p:nvSpPr>
+          <p:cNvPr id="5" name="화살표: 오른쪽 4">
+            <a:extLst>
+              <a:ext uri="{FF2B5EF4-FFF2-40B4-BE49-F238E27FC236}">
+                <a16:creationId xmlns:a16="http://schemas.microsoft.com/office/drawing/2014/main" id="{70CA990A-F604-57C4-5A3C-A61CD1AD8BB4}"/>
+              </a:ext>
+            </a:extLst>
+          </p:cNvPr>
+          <p:cNvSpPr/>
+          <p:nvPr/>
+        </p:nvSpPr>
+        <p:spPr>
+          <a:xfrm>
+            <a:off x="1682617" y="3144415"/>
+            <a:ext cx="8639963" cy="569167"/>
+          </a:xfrm>
+          <a:prstGeom prst="rightArrow">
+            <a:avLst/>
+          </a:prstGeom>
+          <a:solidFill>
+            <a:schemeClr val="tx1">
+              <a:lumMod val="85000"/>
+              <a:lumOff val="15000"/>
+            </a:schemeClr>
+          </a:solidFill>
+          <a:ln w="63500">
             <a:solidFill>
               <a:schemeClr val="tx1">
                 <a:lumMod val="85000"/>
@@ -5882,23 +7978,16 @@
           <a:lstStyle/>
           <a:p>
             <a:pPr algn="ctr"/>
-            <a:r>
-              <a:rPr lang="ko-KR" altLang="en-US" dirty="0">
-                <a:solidFill>
-                  <a:schemeClr val="tx1"/>
-                </a:solidFill>
-              </a:rPr>
-              <a:t>게임 시작</a:t>
-            </a:r>
-          </a:p>
-        </p:txBody>
-      </p:sp>
-      <p:sp>
-        <p:nvSpPr>
-          <p:cNvPr id="5" name="화살표: 오른쪽 4">
-            <a:extLst>
-              <a:ext uri="{FF2B5EF4-FFF2-40B4-BE49-F238E27FC236}">
-                <a16:creationId xmlns:a16="http://schemas.microsoft.com/office/drawing/2014/main" id="{70CA990A-F604-57C4-5A3C-A61CD1AD8BB4}"/>
+            <a:endParaRPr lang="ko-KR" altLang="en-US"/>
+          </a:p>
+        </p:txBody>
+      </p:sp>
+      <p:sp>
+        <p:nvSpPr>
+          <p:cNvPr id="22" name="화살표: 오른쪽 21">
+            <a:extLst>
+              <a:ext uri="{FF2B5EF4-FFF2-40B4-BE49-F238E27FC236}">
+                <a16:creationId xmlns:a16="http://schemas.microsoft.com/office/drawing/2014/main" id="{60E1372A-EF05-DC79-9CBE-45CA87E0C6DE}"/>
               </a:ext>
             </a:extLst>
           </p:cNvPr>
@@ -5906,125 +7995,20 @@
           <p:nvPr/>
         </p:nvSpPr>
         <p:spPr>
-          <a:xfrm>
-            <a:off x="3303038" y="2242472"/>
-            <a:ext cx="1362269" cy="569167"/>
+          <a:xfrm rot="16200000">
+            <a:off x="3796874" y="2815956"/>
+            <a:ext cx="672392" cy="188166"/>
           </a:xfrm>
           <a:prstGeom prst="rightArrow">
             <a:avLst/>
           </a:prstGeom>
           <a:solidFill>
-            <a:schemeClr val="bg1"/>
+            <a:schemeClr val="tx1">
+              <a:lumMod val="85000"/>
+              <a:lumOff val="15000"/>
+            </a:schemeClr>
           </a:solidFill>
-          <a:ln w="101600">
-            <a:solidFill>
-              <a:schemeClr val="tx1"/>
-            </a:solidFill>
-          </a:ln>
-        </p:spPr>
-        <p:style>
-          <a:lnRef idx="2">
-            <a:schemeClr val="accent1">
-              <a:shade val="50000"/>
-            </a:schemeClr>
-          </a:lnRef>
-          <a:fillRef idx="1">
-            <a:schemeClr val="accent1"/>
-          </a:fillRef>
-          <a:effectRef idx="0">
-            <a:schemeClr val="accent1"/>
-          </a:effectRef>
-          <a:fontRef idx="minor">
-            <a:schemeClr val="lt1"/>
-          </a:fontRef>
-        </p:style>
-        <p:txBody>
-          <a:bodyPr rtlCol="0" anchor="ctr"/>
-          <a:lstStyle/>
-          <a:p>
-            <a:pPr algn="ctr"/>
-            <a:endParaRPr lang="ko-KR" altLang="en-US"/>
-          </a:p>
-        </p:txBody>
-      </p:sp>
-      <p:sp>
-        <p:nvSpPr>
-          <p:cNvPr id="6" name="화살표: 오른쪽 5">
-            <a:extLst>
-              <a:ext uri="{FF2B5EF4-FFF2-40B4-BE49-F238E27FC236}">
-                <a16:creationId xmlns:a16="http://schemas.microsoft.com/office/drawing/2014/main" id="{E073D242-7150-F949-B304-E914B0418E64}"/>
-              </a:ext>
-            </a:extLst>
-          </p:cNvPr>
-          <p:cNvSpPr/>
-          <p:nvPr/>
-        </p:nvSpPr>
-        <p:spPr>
-          <a:xfrm>
-            <a:off x="7408507" y="2307787"/>
-            <a:ext cx="1362269" cy="569167"/>
-          </a:xfrm>
-          <a:prstGeom prst="rightArrow">
-            <a:avLst/>
-          </a:prstGeom>
-          <a:solidFill>
-            <a:schemeClr val="bg1"/>
-          </a:solidFill>
-          <a:ln w="101600">
-            <a:solidFill>
-              <a:schemeClr val="tx1"/>
-            </a:solidFill>
-          </a:ln>
-        </p:spPr>
-        <p:style>
-          <a:lnRef idx="2">
-            <a:schemeClr val="accent1">
-              <a:shade val="50000"/>
-            </a:schemeClr>
-          </a:lnRef>
-          <a:fillRef idx="1">
-            <a:schemeClr val="accent1"/>
-          </a:fillRef>
-          <a:effectRef idx="0">
-            <a:schemeClr val="accent1"/>
-          </a:effectRef>
-          <a:fontRef idx="minor">
-            <a:schemeClr val="lt1"/>
-          </a:fontRef>
-        </p:style>
-        <p:txBody>
-          <a:bodyPr rtlCol="0" anchor="ctr"/>
-          <a:lstStyle/>
-          <a:p>
-            <a:pPr algn="ctr"/>
-            <a:endParaRPr lang="ko-KR" altLang="en-US"/>
-          </a:p>
-        </p:txBody>
-      </p:sp>
-      <p:sp>
-        <p:nvSpPr>
-          <p:cNvPr id="7" name="직사각형 6">
-            <a:extLst>
-              <a:ext uri="{FF2B5EF4-FFF2-40B4-BE49-F238E27FC236}">
-                <a16:creationId xmlns:a16="http://schemas.microsoft.com/office/drawing/2014/main" id="{A0EF0A4D-F3EF-407D-7FC2-CAE006452221}"/>
-              </a:ext>
-            </a:extLst>
-          </p:cNvPr>
-          <p:cNvSpPr/>
-          <p:nvPr/>
-        </p:nvSpPr>
-        <p:spPr>
-          <a:xfrm>
-            <a:off x="4984101" y="1946224"/>
-            <a:ext cx="2090057" cy="1161661"/>
-          </a:xfrm>
-          <a:prstGeom prst="rect">
-            <a:avLst/>
-          </a:prstGeom>
-          <a:solidFill>
-            <a:schemeClr val="bg1"/>
-          </a:solidFill>
-          <a:ln w="101600">
+          <a:ln w="63500">
             <a:solidFill>
               <a:schemeClr val="tx1">
                 <a:lumMod val="85000"/>
@@ -6054,23 +8038,16 @@
           <a:lstStyle/>
           <a:p>
             <a:pPr algn="ctr"/>
-            <a:r>
-              <a:rPr lang="ko-KR" altLang="en-US" dirty="0">
-                <a:solidFill>
-                  <a:schemeClr val="tx1"/>
-                </a:solidFill>
-              </a:rPr>
-              <a:t>보드 맵 입장</a:t>
-            </a:r>
-          </a:p>
-        </p:txBody>
-      </p:sp>
-      <p:sp>
-        <p:nvSpPr>
-          <p:cNvPr id="8" name="직사각형 7">
-            <a:extLst>
-              <a:ext uri="{FF2B5EF4-FFF2-40B4-BE49-F238E27FC236}">
-                <a16:creationId xmlns:a16="http://schemas.microsoft.com/office/drawing/2014/main" id="{8661AE76-98C1-52EF-0BE8-5F81FC9609D8}"/>
+            <a:endParaRPr lang="ko-KR" altLang="en-US"/>
+          </a:p>
+        </p:txBody>
+      </p:sp>
+      <p:sp>
+        <p:nvSpPr>
+          <p:cNvPr id="24" name="직사각형 23">
+            <a:extLst>
+              <a:ext uri="{FF2B5EF4-FFF2-40B4-BE49-F238E27FC236}">
+                <a16:creationId xmlns:a16="http://schemas.microsoft.com/office/drawing/2014/main" id="{0F650942-A0B7-205C-6A41-76580D0F3A48}"/>
               </a:ext>
             </a:extLst>
           </p:cNvPr>
@@ -6079,8 +8056,8 @@
         </p:nvSpPr>
         <p:spPr>
           <a:xfrm>
-            <a:off x="9011819" y="1946226"/>
-            <a:ext cx="2090057" cy="1161661"/>
+            <a:off x="3441822" y="1631440"/>
+            <a:ext cx="1362270" cy="901199"/>
           </a:xfrm>
           <a:prstGeom prst="rect">
             <a:avLst/>
@@ -6088,7 +8065,7 @@
           <a:solidFill>
             <a:schemeClr val="bg1"/>
           </a:solidFill>
-          <a:ln w="101600">
+          <a:ln w="63500">
             <a:solidFill>
               <a:schemeClr val="tx1">
                 <a:lumMod val="85000"/>
@@ -6124,7 +8101,7 @@
                   <a:schemeClr val="tx1"/>
                 </a:solidFill>
               </a:rPr>
-              <a:t>플레이어들이 </a:t>
+              <a:t>플레이어 유닛 구매</a:t>
             </a:r>
             <a:endParaRPr lang="en-US" altLang="ko-KR" dirty="0">
               <a:solidFill>
@@ -6132,38 +8109,14 @@
               </a:solidFill>
             </a:endParaRPr>
           </a:p>
-          <a:p>
-            <a:pPr algn="ctr"/>
-            <a:r>
-              <a:rPr lang="ko-KR" altLang="en-US" dirty="0">
-                <a:solidFill>
-                  <a:schemeClr val="tx1"/>
-                </a:solidFill>
-              </a:rPr>
-              <a:t>각자 유닛을 구매 후 배치한다</a:t>
-            </a:r>
-            <a:r>
-              <a:rPr lang="en-US" altLang="ko-KR" dirty="0">
-                <a:solidFill>
-                  <a:schemeClr val="tx1"/>
-                </a:solidFill>
-              </a:rPr>
-              <a:t>.</a:t>
-            </a:r>
-            <a:endParaRPr lang="ko-KR" altLang="en-US" dirty="0">
-              <a:solidFill>
-                <a:schemeClr val="tx1"/>
-              </a:solidFill>
-            </a:endParaRPr>
-          </a:p>
-        </p:txBody>
-      </p:sp>
-      <p:sp>
-        <p:nvSpPr>
-          <p:cNvPr id="11" name="직사각형 10">
-            <a:extLst>
-              <a:ext uri="{FF2B5EF4-FFF2-40B4-BE49-F238E27FC236}">
-                <a16:creationId xmlns:a16="http://schemas.microsoft.com/office/drawing/2014/main" id="{D82FD2B1-C7F0-0276-3EFF-010BCE66F154}"/>
+        </p:txBody>
+      </p:sp>
+      <p:sp>
+        <p:nvSpPr>
+          <p:cNvPr id="25" name="화살표: 오른쪽 24">
+            <a:extLst>
+              <a:ext uri="{FF2B5EF4-FFF2-40B4-BE49-F238E27FC236}">
+                <a16:creationId xmlns:a16="http://schemas.microsoft.com/office/drawing/2014/main" id="{AE977658-D9EC-2211-6369-D3B8E649E238}"/>
               </a:ext>
             </a:extLst>
           </p:cNvPr>
@@ -6171,17 +8124,20 @@
           <p:nvPr/>
         </p:nvSpPr>
         <p:spPr>
-          <a:xfrm>
-            <a:off x="998375" y="4061594"/>
-            <a:ext cx="2090057" cy="1161661"/>
+          <a:xfrm rot="16200000">
+            <a:off x="5233785" y="2804676"/>
+            <a:ext cx="672392" cy="188166"/>
           </a:xfrm>
-          <a:prstGeom prst="rect">
+          <a:prstGeom prst="rightArrow">
             <a:avLst/>
           </a:prstGeom>
           <a:solidFill>
-            <a:schemeClr val="bg1"/>
+            <a:schemeClr val="tx1">
+              <a:lumMod val="85000"/>
+              <a:lumOff val="15000"/>
+            </a:schemeClr>
           </a:solidFill>
-          <a:ln w="101600">
+          <a:ln w="63500">
             <a:solidFill>
               <a:schemeClr val="tx1">
                 <a:lumMod val="85000"/>
@@ -6211,44 +8167,16 @@
           <a:lstStyle/>
           <a:p>
             <a:pPr algn="ctr"/>
-            <a:r>
-              <a:rPr lang="ko-KR" altLang="en-US" dirty="0">
-                <a:solidFill>
-                  <a:schemeClr val="tx1"/>
-                </a:solidFill>
-              </a:rPr>
-              <a:t>배치한 유닛들 </a:t>
-            </a:r>
-            <a:endParaRPr lang="en-US" altLang="ko-KR" dirty="0">
-              <a:solidFill>
-                <a:schemeClr val="tx1"/>
-              </a:solidFill>
-            </a:endParaRPr>
-          </a:p>
-          <a:p>
-            <a:pPr algn="ctr"/>
-            <a:r>
-              <a:rPr lang="ko-KR" altLang="en-US" dirty="0">
-                <a:solidFill>
-                  <a:schemeClr val="tx1"/>
-                </a:solidFill>
-              </a:rPr>
-              <a:t>자동전투</a:t>
-            </a:r>
-            <a:endParaRPr lang="en-US" altLang="ko-KR" dirty="0">
-              <a:solidFill>
-                <a:schemeClr val="tx1"/>
-              </a:solidFill>
-            </a:endParaRPr>
-          </a:p>
-        </p:txBody>
-      </p:sp>
-      <p:sp>
-        <p:nvSpPr>
-          <p:cNvPr id="12" name="직사각형 11">
-            <a:extLst>
-              <a:ext uri="{FF2B5EF4-FFF2-40B4-BE49-F238E27FC236}">
-                <a16:creationId xmlns:a16="http://schemas.microsoft.com/office/drawing/2014/main" id="{5DF99123-F44E-383B-A235-5E237DDFAEA4}"/>
+            <a:endParaRPr lang="ko-KR" altLang="en-US"/>
+          </a:p>
+        </p:txBody>
+      </p:sp>
+      <p:sp>
+        <p:nvSpPr>
+          <p:cNvPr id="26" name="직사각형 25">
+            <a:extLst>
+              <a:ext uri="{FF2B5EF4-FFF2-40B4-BE49-F238E27FC236}">
+                <a16:creationId xmlns:a16="http://schemas.microsoft.com/office/drawing/2014/main" id="{EBE93231-065A-D37B-C3E1-425B4FEA9721}"/>
               </a:ext>
             </a:extLst>
           </p:cNvPr>
@@ -6257,8 +8185,8 @@
         </p:nvSpPr>
         <p:spPr>
           <a:xfrm>
-            <a:off x="4984101" y="4061594"/>
-            <a:ext cx="2090057" cy="1161661"/>
+            <a:off x="4888846" y="1631441"/>
+            <a:ext cx="1362270" cy="901199"/>
           </a:xfrm>
           <a:prstGeom prst="rect">
             <a:avLst/>
@@ -6266,7 +8194,7 @@
           <a:solidFill>
             <a:schemeClr val="bg1"/>
           </a:solidFill>
-          <a:ln w="101600">
+          <a:ln w="63500">
             <a:solidFill>
               <a:schemeClr val="tx1">
                 <a:lumMod val="85000"/>
@@ -6302,7 +8230,7 @@
                   <a:schemeClr val="tx1"/>
                 </a:solidFill>
               </a:rPr>
-              <a:t>전투 종료 후 </a:t>
+              <a:t>플레이어 유닛 배치</a:t>
             </a:r>
             <a:endParaRPr lang="en-US" altLang="ko-KR" dirty="0">
               <a:solidFill>
@@ -6310,46 +8238,14 @@
               </a:solidFill>
             </a:endParaRPr>
           </a:p>
-          <a:p>
-            <a:pPr algn="ctr"/>
-            <a:r>
-              <a:rPr lang="ko-KR" altLang="en-US" dirty="0">
-                <a:solidFill>
-                  <a:schemeClr val="tx1"/>
-                </a:solidFill>
-              </a:rPr>
-              <a:t>플레이어 </a:t>
-            </a:r>
-            <a:r>
-              <a:rPr lang="en-US" altLang="ko-KR" dirty="0">
-                <a:solidFill>
-                  <a:schemeClr val="tx1"/>
-                </a:solidFill>
-              </a:rPr>
-              <a:t>HP </a:t>
-            </a:r>
-            <a:r>
-              <a:rPr lang="ko-KR" altLang="en-US" dirty="0">
-                <a:solidFill>
-                  <a:schemeClr val="tx1"/>
-                </a:solidFill>
-              </a:rPr>
-              <a:t>계산</a:t>
-            </a:r>
-            <a:endParaRPr lang="en-US" altLang="ko-KR" dirty="0">
-              <a:solidFill>
-                <a:schemeClr val="tx1"/>
-              </a:solidFill>
-            </a:endParaRPr>
-          </a:p>
-        </p:txBody>
-      </p:sp>
-      <p:sp>
-        <p:nvSpPr>
-          <p:cNvPr id="13" name="화살표: 오른쪽 12">
-            <a:extLst>
-              <a:ext uri="{FF2B5EF4-FFF2-40B4-BE49-F238E27FC236}">
-                <a16:creationId xmlns:a16="http://schemas.microsoft.com/office/drawing/2014/main" id="{BE248886-0A5B-6EE3-763F-83D696E98CB4}"/>
+        </p:txBody>
+      </p:sp>
+      <p:sp>
+        <p:nvSpPr>
+          <p:cNvPr id="27" name="화살표: 오른쪽 26">
+            <a:extLst>
+              <a:ext uri="{FF2B5EF4-FFF2-40B4-BE49-F238E27FC236}">
+                <a16:creationId xmlns:a16="http://schemas.microsoft.com/office/drawing/2014/main" id="{BD7D8A3B-1E0E-BBA5-9C01-FF8F25FC410F}"/>
               </a:ext>
             </a:extLst>
           </p:cNvPr>
@@ -6357,125 +8253,20 @@
           <p:nvPr/>
         </p:nvSpPr>
         <p:spPr>
-          <a:xfrm>
-            <a:off x="3315477" y="4313868"/>
-            <a:ext cx="1362269" cy="569167"/>
+          <a:xfrm rot="16200000">
+            <a:off x="6670695" y="2780552"/>
+            <a:ext cx="672392" cy="188166"/>
           </a:xfrm>
           <a:prstGeom prst="rightArrow">
             <a:avLst/>
           </a:prstGeom>
           <a:solidFill>
-            <a:schemeClr val="bg1"/>
+            <a:schemeClr val="tx1">
+              <a:lumMod val="85000"/>
+              <a:lumOff val="15000"/>
+            </a:schemeClr>
           </a:solidFill>
-          <a:ln w="101600">
-            <a:solidFill>
-              <a:schemeClr val="tx1"/>
-            </a:solidFill>
-          </a:ln>
-        </p:spPr>
-        <p:style>
-          <a:lnRef idx="2">
-            <a:schemeClr val="accent1">
-              <a:shade val="50000"/>
-            </a:schemeClr>
-          </a:lnRef>
-          <a:fillRef idx="1">
-            <a:schemeClr val="accent1"/>
-          </a:fillRef>
-          <a:effectRef idx="0">
-            <a:schemeClr val="accent1"/>
-          </a:effectRef>
-          <a:fontRef idx="minor">
-            <a:schemeClr val="lt1"/>
-          </a:fontRef>
-        </p:style>
-        <p:txBody>
-          <a:bodyPr rtlCol="0" anchor="ctr"/>
-          <a:lstStyle/>
-          <a:p>
-            <a:pPr algn="ctr"/>
-            <a:endParaRPr lang="ko-KR" altLang="en-US"/>
-          </a:p>
-        </p:txBody>
-      </p:sp>
-      <p:sp>
-        <p:nvSpPr>
-          <p:cNvPr id="14" name="화살표: 오른쪽 13">
-            <a:extLst>
-              <a:ext uri="{FF2B5EF4-FFF2-40B4-BE49-F238E27FC236}">
-                <a16:creationId xmlns:a16="http://schemas.microsoft.com/office/drawing/2014/main" id="{BAF69A3E-309A-F9B1-C0D0-EE09D3364928}"/>
-              </a:ext>
-            </a:extLst>
-          </p:cNvPr>
-          <p:cNvSpPr/>
-          <p:nvPr/>
-        </p:nvSpPr>
-        <p:spPr>
-          <a:xfrm>
-            <a:off x="11353800" y="2431813"/>
-            <a:ext cx="681136" cy="321114"/>
-          </a:xfrm>
-          <a:prstGeom prst="rightArrow">
-            <a:avLst/>
-          </a:prstGeom>
-          <a:solidFill>
-            <a:schemeClr val="bg1"/>
-          </a:solidFill>
-          <a:ln w="101600">
-            <a:solidFill>
-              <a:schemeClr val="tx1"/>
-            </a:solidFill>
-          </a:ln>
-        </p:spPr>
-        <p:style>
-          <a:lnRef idx="2">
-            <a:schemeClr val="accent1">
-              <a:shade val="50000"/>
-            </a:schemeClr>
-          </a:lnRef>
-          <a:fillRef idx="1">
-            <a:schemeClr val="accent1"/>
-          </a:fillRef>
-          <a:effectRef idx="0">
-            <a:schemeClr val="accent1"/>
-          </a:effectRef>
-          <a:fontRef idx="minor">
-            <a:schemeClr val="lt1"/>
-          </a:fontRef>
-        </p:style>
-        <p:txBody>
-          <a:bodyPr rtlCol="0" anchor="ctr"/>
-          <a:lstStyle/>
-          <a:p>
-            <a:pPr algn="ctr"/>
-            <a:endParaRPr lang="ko-KR" altLang="en-US"/>
-          </a:p>
-        </p:txBody>
-      </p:sp>
-      <p:sp>
-        <p:nvSpPr>
-          <p:cNvPr id="17" name="직사각형 16">
-            <a:extLst>
-              <a:ext uri="{FF2B5EF4-FFF2-40B4-BE49-F238E27FC236}">
-                <a16:creationId xmlns:a16="http://schemas.microsoft.com/office/drawing/2014/main" id="{415C3ABA-8A6A-4C9D-368A-0E8DC9A9AD73}"/>
-              </a:ext>
-            </a:extLst>
-          </p:cNvPr>
-          <p:cNvSpPr/>
-          <p:nvPr/>
-        </p:nvSpPr>
-        <p:spPr>
-          <a:xfrm>
-            <a:off x="8969827" y="4017620"/>
-            <a:ext cx="2090057" cy="1161661"/>
-          </a:xfrm>
-          <a:prstGeom prst="rect">
-            <a:avLst/>
-          </a:prstGeom>
-          <a:solidFill>
-            <a:schemeClr val="bg1"/>
-          </a:solidFill>
-          <a:ln w="101600">
+          <a:ln w="63500">
             <a:solidFill>
               <a:schemeClr val="tx1">
                 <a:lumMod val="85000"/>
@@ -6505,39 +8296,16 @@
           <a:lstStyle/>
           <a:p>
             <a:pPr algn="ctr"/>
-            <a:r>
-              <a:rPr lang="ko-KR" altLang="en-US" dirty="0">
-                <a:solidFill>
-                  <a:schemeClr val="tx1"/>
-                </a:solidFill>
-              </a:rPr>
-              <a:t>한 명의 플레이어만 남을 때까지 </a:t>
-            </a:r>
-            <a:endParaRPr lang="en-US" altLang="ko-KR" dirty="0">
-              <a:solidFill>
-                <a:schemeClr val="tx1"/>
-              </a:solidFill>
-            </a:endParaRPr>
-          </a:p>
-          <a:p>
-            <a:pPr algn="ctr"/>
-            <a:r>
-              <a:rPr lang="ko-KR" altLang="en-US" dirty="0">
-                <a:solidFill>
-                  <a:schemeClr val="tx1"/>
-                </a:solidFill>
-              </a:rPr>
-              <a:t>반복</a:t>
-            </a:r>
-          </a:p>
-        </p:txBody>
-      </p:sp>
-      <p:sp>
-        <p:nvSpPr>
-          <p:cNvPr id="19" name="화살표: 오른쪽 18">
-            <a:extLst>
-              <a:ext uri="{FF2B5EF4-FFF2-40B4-BE49-F238E27FC236}">
-                <a16:creationId xmlns:a16="http://schemas.microsoft.com/office/drawing/2014/main" id="{F2F8BD36-824C-2C00-8AF4-E4AFB2B916C3}"/>
+            <a:endParaRPr lang="ko-KR" altLang="en-US"/>
+          </a:p>
+        </p:txBody>
+      </p:sp>
+      <p:sp>
+        <p:nvSpPr>
+          <p:cNvPr id="28" name="직사각형 27">
+            <a:extLst>
+              <a:ext uri="{FF2B5EF4-FFF2-40B4-BE49-F238E27FC236}">
+                <a16:creationId xmlns:a16="http://schemas.microsoft.com/office/drawing/2014/main" id="{1BF6F7AA-89E7-BDF9-AA16-8D0C0EDB73B2}"/>
               </a:ext>
             </a:extLst>
           </p:cNvPr>
@@ -6546,18 +8314,21 @@
         </p:nvSpPr>
         <p:spPr>
           <a:xfrm>
-            <a:off x="155508" y="4504398"/>
-            <a:ext cx="681136" cy="321114"/>
+            <a:off x="6335870" y="1631440"/>
+            <a:ext cx="1362270" cy="901199"/>
           </a:xfrm>
-          <a:prstGeom prst="rightArrow">
+          <a:prstGeom prst="rect">
             <a:avLst/>
           </a:prstGeom>
           <a:solidFill>
             <a:schemeClr val="bg1"/>
           </a:solidFill>
-          <a:ln w="101600">
+          <a:ln w="63500">
             <a:solidFill>
-              <a:schemeClr val="tx1"/>
+              <a:schemeClr val="tx1">
+                <a:lumMod val="85000"/>
+                <a:lumOff val="15000"/>
+              </a:schemeClr>
             </a:solidFill>
           </a:ln>
         </p:spPr>
@@ -6582,16 +8353,60 @@
           <a:lstStyle/>
           <a:p>
             <a:pPr algn="ctr"/>
-            <a:endParaRPr lang="ko-KR" altLang="en-US"/>
-          </a:p>
-        </p:txBody>
-      </p:sp>
-      <p:sp>
-        <p:nvSpPr>
-          <p:cNvPr id="20" name="화살표: 오른쪽 19">
-            <a:extLst>
-              <a:ext uri="{FF2B5EF4-FFF2-40B4-BE49-F238E27FC236}">
-                <a16:creationId xmlns:a16="http://schemas.microsoft.com/office/drawing/2014/main" id="{0E395B68-E107-99FB-B743-FD0D39A7AE9B}"/>
+            <a:r>
+              <a:rPr lang="ko-KR" altLang="en-US" dirty="0">
+                <a:solidFill>
+                  <a:schemeClr val="tx1"/>
+                </a:solidFill>
+              </a:rPr>
+              <a:t>배치한</a:t>
+            </a:r>
+            <a:endParaRPr lang="en-US" altLang="ko-KR" dirty="0">
+              <a:solidFill>
+                <a:schemeClr val="tx1"/>
+              </a:solidFill>
+            </a:endParaRPr>
+          </a:p>
+          <a:p>
+            <a:pPr algn="ctr"/>
+            <a:r>
+              <a:rPr lang="ko-KR" altLang="en-US" dirty="0">
+                <a:solidFill>
+                  <a:schemeClr val="tx1"/>
+                </a:solidFill>
+              </a:rPr>
+              <a:t>유닛 </a:t>
+            </a:r>
+            <a:endParaRPr lang="en-US" altLang="ko-KR" dirty="0">
+              <a:solidFill>
+                <a:schemeClr val="tx1"/>
+              </a:solidFill>
+            </a:endParaRPr>
+          </a:p>
+          <a:p>
+            <a:pPr algn="ctr"/>
+            <a:r>
+              <a:rPr lang="ko-KR" altLang="en-US" dirty="0">
+                <a:solidFill>
+                  <a:schemeClr val="tx1"/>
+                </a:solidFill>
+              </a:rPr>
+              <a:t>자동전투</a:t>
+            </a:r>
+            <a:endParaRPr lang="en-US" altLang="ko-KR" dirty="0">
+              <a:solidFill>
+                <a:schemeClr val="tx1"/>
+              </a:solidFill>
+            </a:endParaRPr>
+          </a:p>
+        </p:txBody>
+      </p:sp>
+      <p:sp>
+        <p:nvSpPr>
+          <p:cNvPr id="4" name="직사각형 3">
+            <a:extLst>
+              <a:ext uri="{FF2B5EF4-FFF2-40B4-BE49-F238E27FC236}">
+                <a16:creationId xmlns:a16="http://schemas.microsoft.com/office/drawing/2014/main" id="{094F46B1-ABDD-645A-C98C-D8BC91BBFD73}"/>
               </a:ext>
             </a:extLst>
           </p:cNvPr>
@@ -6600,18 +8415,21 @@
         </p:nvSpPr>
         <p:spPr>
           <a:xfrm>
-            <a:off x="7408506" y="4313868"/>
-            <a:ext cx="1362269" cy="569167"/>
+            <a:off x="320347" y="2978400"/>
+            <a:ext cx="1570652" cy="901199"/>
           </a:xfrm>
-          <a:prstGeom prst="rightArrow">
+          <a:prstGeom prst="rect">
             <a:avLst/>
           </a:prstGeom>
           <a:solidFill>
             <a:schemeClr val="bg1"/>
           </a:solidFill>
-          <a:ln w="101600">
+          <a:ln w="63500">
             <a:solidFill>
-              <a:schemeClr val="tx1"/>
+              <a:schemeClr val="tx1">
+                <a:lumMod val="85000"/>
+                <a:lumOff val="15000"/>
+              </a:schemeClr>
             </a:solidFill>
           </a:ln>
         </p:spPr>
@@ -6636,7 +8454,761 @@
           <a:lstStyle/>
           <a:p>
             <a:pPr algn="ctr"/>
+            <a:r>
+              <a:rPr lang="ko-KR" altLang="en-US" dirty="0">
+                <a:solidFill>
+                  <a:schemeClr val="tx1"/>
+                </a:solidFill>
+              </a:rPr>
+              <a:t>게임 시작</a:t>
+            </a:r>
+          </a:p>
+        </p:txBody>
+      </p:sp>
+      <p:sp>
+        <p:nvSpPr>
+          <p:cNvPr id="29" name="직사각형 28">
+            <a:extLst>
+              <a:ext uri="{FF2B5EF4-FFF2-40B4-BE49-F238E27FC236}">
+                <a16:creationId xmlns:a16="http://schemas.microsoft.com/office/drawing/2014/main" id="{DB1F37C2-2FC7-C5BA-4A72-D8B582F7BD75}"/>
+              </a:ext>
+            </a:extLst>
+          </p:cNvPr>
+          <p:cNvSpPr/>
+          <p:nvPr/>
+        </p:nvSpPr>
+        <p:spPr>
+          <a:xfrm>
+            <a:off x="2040292" y="2978398"/>
+            <a:ext cx="1570652" cy="901199"/>
+          </a:xfrm>
+          <a:prstGeom prst="rect">
+            <a:avLst/>
+          </a:prstGeom>
+          <a:solidFill>
+            <a:schemeClr val="bg1"/>
+          </a:solidFill>
+          <a:ln w="63500">
+            <a:solidFill>
+              <a:schemeClr val="tx1">
+                <a:lumMod val="85000"/>
+                <a:lumOff val="15000"/>
+              </a:schemeClr>
+            </a:solidFill>
+          </a:ln>
+        </p:spPr>
+        <p:style>
+          <a:lnRef idx="2">
+            <a:schemeClr val="accent1">
+              <a:shade val="50000"/>
+            </a:schemeClr>
+          </a:lnRef>
+          <a:fillRef idx="1">
+            <a:schemeClr val="accent1"/>
+          </a:fillRef>
+          <a:effectRef idx="0">
+            <a:schemeClr val="accent1"/>
+          </a:effectRef>
+          <a:fontRef idx="minor">
+            <a:schemeClr val="lt1"/>
+          </a:fontRef>
+        </p:style>
+        <p:txBody>
+          <a:bodyPr rtlCol="0" anchor="ctr"/>
+          <a:lstStyle/>
+          <a:p>
+            <a:pPr algn="ctr"/>
+            <a:r>
+              <a:rPr lang="ko-KR" altLang="en-US" dirty="0">
+                <a:solidFill>
+                  <a:schemeClr val="tx1"/>
+                </a:solidFill>
+              </a:rPr>
+              <a:t>보드 맵</a:t>
+            </a:r>
+            <a:r>
+              <a:rPr lang="en-US" altLang="ko-KR" dirty="0">
+                <a:solidFill>
+                  <a:schemeClr val="tx1"/>
+                </a:solidFill>
+              </a:rPr>
+              <a:t> </a:t>
+            </a:r>
+            <a:r>
+              <a:rPr lang="ko-KR" altLang="en-US" dirty="0">
+                <a:solidFill>
+                  <a:schemeClr val="tx1"/>
+                </a:solidFill>
+              </a:rPr>
+              <a:t>입장</a:t>
+            </a:r>
+          </a:p>
+        </p:txBody>
+      </p:sp>
+      <p:sp>
+        <p:nvSpPr>
+          <p:cNvPr id="31" name="제목 1">
+            <a:extLst>
+              <a:ext uri="{FF2B5EF4-FFF2-40B4-BE49-F238E27FC236}">
+                <a16:creationId xmlns:a16="http://schemas.microsoft.com/office/drawing/2014/main" id="{07E12F36-19D3-D2B1-0814-0EADCD85E1BA}"/>
+              </a:ext>
+            </a:extLst>
+          </p:cNvPr>
+          <p:cNvSpPr txBox="1">
+            <a:spLocks/>
+          </p:cNvSpPr>
+          <p:nvPr/>
+        </p:nvSpPr>
+        <p:spPr>
+          <a:xfrm>
+            <a:off x="838199" y="0"/>
+            <a:ext cx="10515600" cy="726557"/>
+          </a:xfrm>
+          <a:prstGeom prst="rect">
+            <a:avLst/>
+          </a:prstGeom>
+        </p:spPr>
+        <p:txBody>
+          <a:bodyPr vert="horz" lIns="91440" tIns="45720" rIns="91440" bIns="45720" rtlCol="0" anchor="ctr">
+            <a:normAutofit/>
+          </a:bodyPr>
+          <a:lstStyle>
+            <a:lvl1pPr algn="l" defTabSz="914400" rtl="0" eaLnBrk="1" latinLnBrk="1" hangingPunct="1">
+              <a:lnSpc>
+                <a:spcPct val="90000"/>
+              </a:lnSpc>
+              <a:spcBef>
+                <a:spcPct val="0"/>
+              </a:spcBef>
+              <a:buNone/>
+              <a:defRPr sz="4400" kern="1200">
+                <a:solidFill>
+                  <a:schemeClr val="tx1"/>
+                </a:solidFill>
+                <a:latin typeface="+mj-lt"/>
+                <a:ea typeface="+mj-ea"/>
+                <a:cs typeface="+mj-cs"/>
+              </a:defRPr>
+            </a:lvl1pPr>
+          </a:lstStyle>
+          <a:p>
+            <a:r>
+              <a:rPr lang="en-US" altLang="ko-KR" sz="3600" b="1" dirty="0"/>
+              <a:t>1.</a:t>
+            </a:r>
+            <a:r>
+              <a:rPr lang="ko-KR" altLang="en-US" sz="3600" b="1" dirty="0"/>
+              <a:t>개요</a:t>
+            </a:r>
+          </a:p>
+        </p:txBody>
+      </p:sp>
+      <p:sp>
+        <p:nvSpPr>
+          <p:cNvPr id="33" name="TextBox 32">
+            <a:extLst>
+              <a:ext uri="{FF2B5EF4-FFF2-40B4-BE49-F238E27FC236}">
+                <a16:creationId xmlns:a16="http://schemas.microsoft.com/office/drawing/2014/main" id="{C9F49D92-F396-DF18-4114-B1F81DD6855F}"/>
+              </a:ext>
+            </a:extLst>
+          </p:cNvPr>
+          <p:cNvSpPr txBox="1"/>
+          <p:nvPr/>
+        </p:nvSpPr>
+        <p:spPr>
+          <a:xfrm>
+            <a:off x="472749" y="1066528"/>
+            <a:ext cx="11246500" cy="477054"/>
+          </a:xfrm>
+          <a:prstGeom prst="rect">
+            <a:avLst/>
+          </a:prstGeom>
+          <a:noFill/>
+        </p:spPr>
+        <p:txBody>
+          <a:bodyPr wrap="square" rtlCol="0">
+            <a:spAutoFit/>
+          </a:bodyPr>
+          <a:lstStyle/>
+          <a:p>
+            <a:r>
+              <a:rPr lang="en-US" altLang="ko-KR" sz="2400" b="1" dirty="0">
+                <a:latin typeface="+mj-lt"/>
+              </a:rPr>
+              <a:t>02.</a:t>
+            </a:r>
+            <a:r>
+              <a:rPr lang="ko-KR" altLang="en-US" sz="2400" b="1" dirty="0">
+                <a:latin typeface="+mj-lt"/>
+              </a:rPr>
+              <a:t>게임흐름</a:t>
+            </a:r>
+            <a:endParaRPr lang="en-US" altLang="ko-KR" sz="2400" b="1" dirty="0">
+              <a:latin typeface="+mj-lt"/>
+            </a:endParaRPr>
+          </a:p>
+        </p:txBody>
+      </p:sp>
+      <p:sp>
+        <p:nvSpPr>
+          <p:cNvPr id="34" name="화살표: 오른쪽 33">
+            <a:extLst>
+              <a:ext uri="{FF2B5EF4-FFF2-40B4-BE49-F238E27FC236}">
+                <a16:creationId xmlns:a16="http://schemas.microsoft.com/office/drawing/2014/main" id="{96D7DBCD-B6B6-EE7F-3FBF-E7C457B61B89}"/>
+              </a:ext>
+            </a:extLst>
+          </p:cNvPr>
+          <p:cNvSpPr/>
+          <p:nvPr/>
+        </p:nvSpPr>
+        <p:spPr>
+          <a:xfrm rot="5400000">
+            <a:off x="7594163" y="3746212"/>
+            <a:ext cx="386806" cy="168324"/>
+          </a:xfrm>
+          <a:prstGeom prst="rightArrow">
+            <a:avLst/>
+          </a:prstGeom>
+          <a:solidFill>
+            <a:schemeClr val="tx1">
+              <a:lumMod val="85000"/>
+              <a:lumOff val="15000"/>
+            </a:schemeClr>
+          </a:solidFill>
+          <a:ln w="63500">
+            <a:solidFill>
+              <a:schemeClr val="tx1">
+                <a:lumMod val="85000"/>
+                <a:lumOff val="15000"/>
+              </a:schemeClr>
+            </a:solidFill>
+          </a:ln>
+        </p:spPr>
+        <p:style>
+          <a:lnRef idx="2">
+            <a:schemeClr val="accent1">
+              <a:shade val="50000"/>
+            </a:schemeClr>
+          </a:lnRef>
+          <a:fillRef idx="1">
+            <a:schemeClr val="accent1"/>
+          </a:fillRef>
+          <a:effectRef idx="0">
+            <a:schemeClr val="accent1"/>
+          </a:effectRef>
+          <a:fontRef idx="minor">
+            <a:schemeClr val="lt1"/>
+          </a:fontRef>
+        </p:style>
+        <p:txBody>
+          <a:bodyPr rtlCol="0" anchor="ctr"/>
+          <a:lstStyle/>
+          <a:p>
+            <a:pPr algn="ctr"/>
             <a:endParaRPr lang="ko-KR" altLang="en-US"/>
+          </a:p>
+        </p:txBody>
+      </p:sp>
+      <p:sp>
+        <p:nvSpPr>
+          <p:cNvPr id="36" name="직사각형 35">
+            <a:extLst>
+              <a:ext uri="{FF2B5EF4-FFF2-40B4-BE49-F238E27FC236}">
+                <a16:creationId xmlns:a16="http://schemas.microsoft.com/office/drawing/2014/main" id="{B32C700F-A04F-9427-6238-D5FCFB148F09}"/>
+              </a:ext>
+            </a:extLst>
+          </p:cNvPr>
+          <p:cNvSpPr/>
+          <p:nvPr/>
+        </p:nvSpPr>
+        <p:spPr>
+          <a:xfrm>
+            <a:off x="7031984" y="4087859"/>
+            <a:ext cx="1570652" cy="901199"/>
+          </a:xfrm>
+          <a:prstGeom prst="rect">
+            <a:avLst/>
+          </a:prstGeom>
+          <a:solidFill>
+            <a:schemeClr val="bg1"/>
+          </a:solidFill>
+          <a:ln w="63500">
+            <a:solidFill>
+              <a:schemeClr val="tx1">
+                <a:lumMod val="85000"/>
+                <a:lumOff val="15000"/>
+              </a:schemeClr>
+            </a:solidFill>
+          </a:ln>
+        </p:spPr>
+        <p:style>
+          <a:lnRef idx="2">
+            <a:schemeClr val="accent1">
+              <a:shade val="50000"/>
+            </a:schemeClr>
+          </a:lnRef>
+          <a:fillRef idx="1">
+            <a:schemeClr val="accent1"/>
+          </a:fillRef>
+          <a:effectRef idx="0">
+            <a:schemeClr val="accent1"/>
+          </a:effectRef>
+          <a:fontRef idx="minor">
+            <a:schemeClr val="lt1"/>
+          </a:fontRef>
+        </p:style>
+        <p:txBody>
+          <a:bodyPr rtlCol="0" anchor="ctr"/>
+          <a:lstStyle/>
+          <a:p>
+            <a:pPr algn="ctr"/>
+            <a:r>
+              <a:rPr lang="ko-KR" altLang="en-US" dirty="0">
+                <a:solidFill>
+                  <a:schemeClr val="tx1"/>
+                </a:solidFill>
+              </a:rPr>
+              <a:t>전투 종료 후 </a:t>
+            </a:r>
+            <a:endParaRPr lang="en-US" altLang="ko-KR" dirty="0">
+              <a:solidFill>
+                <a:schemeClr val="tx1"/>
+              </a:solidFill>
+            </a:endParaRPr>
+          </a:p>
+          <a:p>
+            <a:pPr algn="ctr"/>
+            <a:r>
+              <a:rPr lang="ko-KR" altLang="en-US" dirty="0">
+                <a:solidFill>
+                  <a:schemeClr val="tx1"/>
+                </a:solidFill>
+              </a:rPr>
+              <a:t>플레이어 </a:t>
+            </a:r>
+            <a:r>
+              <a:rPr lang="en-US" altLang="ko-KR" dirty="0">
+                <a:solidFill>
+                  <a:schemeClr val="tx1"/>
+                </a:solidFill>
+              </a:rPr>
+              <a:t>HP </a:t>
+            </a:r>
+            <a:r>
+              <a:rPr lang="ko-KR" altLang="en-US" dirty="0">
+                <a:solidFill>
+                  <a:schemeClr val="tx1"/>
+                </a:solidFill>
+              </a:rPr>
+              <a:t>계산</a:t>
+            </a:r>
+            <a:endParaRPr lang="en-US" altLang="ko-KR" dirty="0">
+              <a:solidFill>
+                <a:schemeClr val="tx1"/>
+              </a:solidFill>
+            </a:endParaRPr>
+          </a:p>
+        </p:txBody>
+      </p:sp>
+      <p:sp>
+        <p:nvSpPr>
+          <p:cNvPr id="37" name="직사각형 36">
+            <a:extLst>
+              <a:ext uri="{FF2B5EF4-FFF2-40B4-BE49-F238E27FC236}">
+                <a16:creationId xmlns:a16="http://schemas.microsoft.com/office/drawing/2014/main" id="{2FEA9057-46E3-45A2-C983-DC7BC2E8DC2D}"/>
+              </a:ext>
+            </a:extLst>
+          </p:cNvPr>
+          <p:cNvSpPr/>
+          <p:nvPr/>
+        </p:nvSpPr>
+        <p:spPr>
+          <a:xfrm>
+            <a:off x="10322581" y="2978398"/>
+            <a:ext cx="1570652" cy="901199"/>
+          </a:xfrm>
+          <a:prstGeom prst="rect">
+            <a:avLst/>
+          </a:prstGeom>
+          <a:solidFill>
+            <a:schemeClr val="bg1"/>
+          </a:solidFill>
+          <a:ln w="63500">
+            <a:solidFill>
+              <a:schemeClr val="tx1">
+                <a:lumMod val="85000"/>
+                <a:lumOff val="15000"/>
+              </a:schemeClr>
+            </a:solidFill>
+          </a:ln>
+        </p:spPr>
+        <p:style>
+          <a:lnRef idx="2">
+            <a:schemeClr val="accent1">
+              <a:shade val="50000"/>
+            </a:schemeClr>
+          </a:lnRef>
+          <a:fillRef idx="1">
+            <a:schemeClr val="accent1"/>
+          </a:fillRef>
+          <a:effectRef idx="0">
+            <a:schemeClr val="accent1"/>
+          </a:effectRef>
+          <a:fontRef idx="minor">
+            <a:schemeClr val="lt1"/>
+          </a:fontRef>
+        </p:style>
+        <p:txBody>
+          <a:bodyPr rtlCol="0" anchor="ctr"/>
+          <a:lstStyle/>
+          <a:p>
+            <a:pPr algn="ctr"/>
+            <a:r>
+              <a:rPr lang="ko-KR" altLang="en-US" dirty="0">
+                <a:solidFill>
+                  <a:schemeClr val="tx1"/>
+                </a:solidFill>
+              </a:rPr>
+              <a:t>게임 종료</a:t>
+            </a:r>
+          </a:p>
+        </p:txBody>
+      </p:sp>
+      <p:sp>
+        <p:nvSpPr>
+          <p:cNvPr id="51" name="직사각형 50">
+            <a:extLst>
+              <a:ext uri="{FF2B5EF4-FFF2-40B4-BE49-F238E27FC236}">
+                <a16:creationId xmlns:a16="http://schemas.microsoft.com/office/drawing/2014/main" id="{1820C0EA-342E-4D1D-E3D0-D2D27A003171}"/>
+              </a:ext>
+            </a:extLst>
+          </p:cNvPr>
+          <p:cNvSpPr/>
+          <p:nvPr/>
+        </p:nvSpPr>
+        <p:spPr>
+          <a:xfrm>
+            <a:off x="8265185" y="2978397"/>
+            <a:ext cx="1570652" cy="901199"/>
+          </a:xfrm>
+          <a:prstGeom prst="rect">
+            <a:avLst/>
+          </a:prstGeom>
+          <a:solidFill>
+            <a:schemeClr val="bg1"/>
+          </a:solidFill>
+          <a:ln w="63500">
+            <a:solidFill>
+              <a:schemeClr val="tx1">
+                <a:lumMod val="85000"/>
+                <a:lumOff val="15000"/>
+              </a:schemeClr>
+            </a:solidFill>
+          </a:ln>
+        </p:spPr>
+        <p:style>
+          <a:lnRef idx="2">
+            <a:schemeClr val="accent1">
+              <a:shade val="50000"/>
+            </a:schemeClr>
+          </a:lnRef>
+          <a:fillRef idx="1">
+            <a:schemeClr val="accent1"/>
+          </a:fillRef>
+          <a:effectRef idx="0">
+            <a:schemeClr val="accent1"/>
+          </a:effectRef>
+          <a:fontRef idx="minor">
+            <a:schemeClr val="lt1"/>
+          </a:fontRef>
+        </p:style>
+        <p:txBody>
+          <a:bodyPr rtlCol="0" anchor="ctr"/>
+          <a:lstStyle/>
+          <a:p>
+            <a:pPr algn="ctr"/>
+            <a:r>
+              <a:rPr lang="ko-KR" altLang="en-US" dirty="0">
+                <a:solidFill>
+                  <a:schemeClr val="tx1"/>
+                </a:solidFill>
+              </a:rPr>
+              <a:t>생존한</a:t>
+            </a:r>
+            <a:endParaRPr lang="en-US" altLang="ko-KR" dirty="0">
+              <a:solidFill>
+                <a:schemeClr val="tx1"/>
+              </a:solidFill>
+            </a:endParaRPr>
+          </a:p>
+          <a:p>
+            <a:pPr algn="ctr"/>
+            <a:r>
+              <a:rPr lang="ko-KR" altLang="en-US" dirty="0">
+                <a:solidFill>
+                  <a:schemeClr val="tx1"/>
+                </a:solidFill>
+              </a:rPr>
+              <a:t>플레이어가 </a:t>
+            </a:r>
+            <a:endParaRPr lang="en-US" altLang="ko-KR" dirty="0">
+              <a:solidFill>
+                <a:schemeClr val="tx1"/>
+              </a:solidFill>
+            </a:endParaRPr>
+          </a:p>
+          <a:p>
+            <a:pPr algn="ctr"/>
+            <a:r>
+              <a:rPr lang="en-US" altLang="ko-KR" dirty="0">
+                <a:solidFill>
+                  <a:schemeClr val="tx1"/>
+                </a:solidFill>
+              </a:rPr>
+              <a:t>1</a:t>
+            </a:r>
+            <a:r>
+              <a:rPr lang="ko-KR" altLang="en-US" dirty="0">
+                <a:solidFill>
+                  <a:schemeClr val="tx1"/>
+                </a:solidFill>
+              </a:rPr>
+              <a:t>명일 시</a:t>
+            </a:r>
+            <a:endParaRPr lang="en-US" altLang="ko-KR" dirty="0">
+              <a:solidFill>
+                <a:schemeClr val="tx1"/>
+              </a:solidFill>
+            </a:endParaRPr>
+          </a:p>
+        </p:txBody>
+      </p:sp>
+      <p:sp>
+        <p:nvSpPr>
+          <p:cNvPr id="52" name="화살표: 아래쪽 51">
+            <a:extLst>
+              <a:ext uri="{FF2B5EF4-FFF2-40B4-BE49-F238E27FC236}">
+                <a16:creationId xmlns:a16="http://schemas.microsoft.com/office/drawing/2014/main" id="{C24C4531-F24D-1B81-A311-B61549A17F90}"/>
+              </a:ext>
+            </a:extLst>
+          </p:cNvPr>
+          <p:cNvSpPr/>
+          <p:nvPr/>
+        </p:nvSpPr>
+        <p:spPr>
+          <a:xfrm rot="10800000">
+            <a:off x="3996933" y="3604821"/>
+            <a:ext cx="268042" cy="1927301"/>
+          </a:xfrm>
+          <a:prstGeom prst="downArrow">
+            <a:avLst/>
+          </a:prstGeom>
+          <a:solidFill>
+            <a:schemeClr val="tx1">
+              <a:lumMod val="85000"/>
+              <a:lumOff val="15000"/>
+            </a:schemeClr>
+          </a:solidFill>
+          <a:ln>
+            <a:noFill/>
+          </a:ln>
+        </p:spPr>
+        <p:style>
+          <a:lnRef idx="2">
+            <a:schemeClr val="accent1">
+              <a:shade val="50000"/>
+            </a:schemeClr>
+          </a:lnRef>
+          <a:fillRef idx="1">
+            <a:schemeClr val="accent1"/>
+          </a:fillRef>
+          <a:effectRef idx="0">
+            <a:schemeClr val="accent1"/>
+          </a:effectRef>
+          <a:fontRef idx="minor">
+            <a:schemeClr val="lt1"/>
+          </a:fontRef>
+        </p:style>
+        <p:txBody>
+          <a:bodyPr rtlCol="0" anchor="ctr"/>
+          <a:lstStyle/>
+          <a:p>
+            <a:pPr algn="ctr"/>
+            <a:endParaRPr lang="ko-KR" altLang="en-US"/>
+          </a:p>
+        </p:txBody>
+      </p:sp>
+      <p:sp>
+        <p:nvSpPr>
+          <p:cNvPr id="53" name="직사각형 52">
+            <a:extLst>
+              <a:ext uri="{FF2B5EF4-FFF2-40B4-BE49-F238E27FC236}">
+                <a16:creationId xmlns:a16="http://schemas.microsoft.com/office/drawing/2014/main" id="{CF548973-178E-EE22-0825-BA133DADCC8E}"/>
+              </a:ext>
+            </a:extLst>
+          </p:cNvPr>
+          <p:cNvSpPr/>
+          <p:nvPr/>
+        </p:nvSpPr>
+        <p:spPr>
+          <a:xfrm>
+            <a:off x="4089828" y="5402989"/>
+            <a:ext cx="3837199" cy="129133"/>
+          </a:xfrm>
+          <a:prstGeom prst="rect">
+            <a:avLst/>
+          </a:prstGeom>
+          <a:solidFill>
+            <a:schemeClr val="tx1">
+              <a:lumMod val="85000"/>
+              <a:lumOff val="15000"/>
+            </a:schemeClr>
+          </a:solidFill>
+          <a:ln>
+            <a:noFill/>
+          </a:ln>
+        </p:spPr>
+        <p:style>
+          <a:lnRef idx="2">
+            <a:schemeClr val="accent1">
+              <a:shade val="50000"/>
+            </a:schemeClr>
+          </a:lnRef>
+          <a:fillRef idx="1">
+            <a:schemeClr val="accent1"/>
+          </a:fillRef>
+          <a:effectRef idx="0">
+            <a:schemeClr val="accent1"/>
+          </a:effectRef>
+          <a:fontRef idx="minor">
+            <a:schemeClr val="lt1"/>
+          </a:fontRef>
+        </p:style>
+        <p:txBody>
+          <a:bodyPr rtlCol="0" anchor="ctr"/>
+          <a:lstStyle/>
+          <a:p>
+            <a:pPr algn="ctr"/>
+            <a:endParaRPr lang="ko-KR" altLang="en-US"/>
+          </a:p>
+        </p:txBody>
+      </p:sp>
+      <p:sp>
+        <p:nvSpPr>
+          <p:cNvPr id="54" name="직사각형 53">
+            <a:extLst>
+              <a:ext uri="{FF2B5EF4-FFF2-40B4-BE49-F238E27FC236}">
+                <a16:creationId xmlns:a16="http://schemas.microsoft.com/office/drawing/2014/main" id="{540793F4-2A17-EC49-E0E1-1F2D94FCCDE3}"/>
+              </a:ext>
+            </a:extLst>
+          </p:cNvPr>
+          <p:cNvSpPr/>
+          <p:nvPr/>
+        </p:nvSpPr>
+        <p:spPr>
+          <a:xfrm rot="5400000">
+            <a:off x="7569537" y="5175366"/>
+            <a:ext cx="561895" cy="153085"/>
+          </a:xfrm>
+          <a:prstGeom prst="rect">
+            <a:avLst/>
+          </a:prstGeom>
+          <a:solidFill>
+            <a:schemeClr val="tx1">
+              <a:lumMod val="85000"/>
+              <a:lumOff val="15000"/>
+            </a:schemeClr>
+          </a:solidFill>
+          <a:ln>
+            <a:noFill/>
+          </a:ln>
+        </p:spPr>
+        <p:style>
+          <a:lnRef idx="2">
+            <a:schemeClr val="accent1">
+              <a:shade val="50000"/>
+            </a:schemeClr>
+          </a:lnRef>
+          <a:fillRef idx="1">
+            <a:schemeClr val="accent1"/>
+          </a:fillRef>
+          <a:effectRef idx="0">
+            <a:schemeClr val="accent1"/>
+          </a:effectRef>
+          <a:fontRef idx="minor">
+            <a:schemeClr val="lt1"/>
+          </a:fontRef>
+        </p:style>
+        <p:txBody>
+          <a:bodyPr rtlCol="0" anchor="ctr"/>
+          <a:lstStyle/>
+          <a:p>
+            <a:pPr algn="ctr"/>
+            <a:endParaRPr lang="ko-KR" altLang="en-US"/>
+          </a:p>
+        </p:txBody>
+      </p:sp>
+      <p:sp>
+        <p:nvSpPr>
+          <p:cNvPr id="55" name="타원 54">
+            <a:extLst>
+              <a:ext uri="{FF2B5EF4-FFF2-40B4-BE49-F238E27FC236}">
+                <a16:creationId xmlns:a16="http://schemas.microsoft.com/office/drawing/2014/main" id="{E6CF6B33-67DE-7D47-70BD-8856C8F44526}"/>
+              </a:ext>
+            </a:extLst>
+          </p:cNvPr>
+          <p:cNvSpPr/>
+          <p:nvPr/>
+        </p:nvSpPr>
+        <p:spPr>
+          <a:xfrm>
+            <a:off x="5359212" y="4922438"/>
+            <a:ext cx="1145347" cy="1076244"/>
+          </a:xfrm>
+          <a:prstGeom prst="ellipse">
+            <a:avLst/>
+          </a:prstGeom>
+          <a:solidFill>
+            <a:schemeClr val="bg1"/>
+          </a:solidFill>
+          <a:ln w="57150">
+            <a:solidFill>
+              <a:schemeClr val="tx1">
+                <a:lumMod val="85000"/>
+                <a:lumOff val="15000"/>
+              </a:schemeClr>
+            </a:solidFill>
+          </a:ln>
+        </p:spPr>
+        <p:style>
+          <a:lnRef idx="2">
+            <a:schemeClr val="accent1">
+              <a:shade val="50000"/>
+            </a:schemeClr>
+          </a:lnRef>
+          <a:fillRef idx="1">
+            <a:schemeClr val="accent1"/>
+          </a:fillRef>
+          <a:effectRef idx="0">
+            <a:schemeClr val="accent1"/>
+          </a:effectRef>
+          <a:fontRef idx="minor">
+            <a:schemeClr val="lt1"/>
+          </a:fontRef>
+        </p:style>
+        <p:txBody>
+          <a:bodyPr rtlCol="0" anchor="ctr"/>
+          <a:lstStyle/>
+          <a:p>
+            <a:pPr algn="ctr"/>
+            <a:r>
+              <a:rPr lang="ko-KR" altLang="en-US" sz="1400" b="1" dirty="0">
+                <a:solidFill>
+                  <a:schemeClr val="tx1"/>
+                </a:solidFill>
+              </a:rPr>
+              <a:t>다음 턴</a:t>
+            </a:r>
           </a:p>
         </p:txBody>
       </p:sp>
@@ -6660,7 +9232,8 @@
       <p:bgPr>
         <a:solidFill>
           <a:schemeClr val="accent1">
-            <a:lumMod val="75000"/>
+            <a:lumMod val="60000"/>
+            <a:lumOff val="40000"/>
           </a:schemeClr>
         </a:solidFill>
         <a:effectLst/>
@@ -6682,26 +9255,50 @@
       </p:grpSpPr>
       <p:sp>
         <p:nvSpPr>
-          <p:cNvPr id="2" name="제목 1">
-            <a:extLst>
-              <a:ext uri="{FF2B5EF4-FFF2-40B4-BE49-F238E27FC236}">
-                <a16:creationId xmlns:a16="http://schemas.microsoft.com/office/drawing/2014/main" id="{1259FED4-82D5-D145-4135-2111CE727D0F}"/>
-              </a:ext>
-            </a:extLst>
-          </p:cNvPr>
-          <p:cNvSpPr>
-            <a:spLocks noGrp="1"/>
-          </p:cNvSpPr>
-          <p:nvPr>
-            <p:ph type="title"/>
-          </p:nvPr>
-        </p:nvSpPr>
-        <p:spPr/>
-        <p:txBody>
-          <a:bodyPr/>
+          <p:cNvPr id="21" name="직사각형 20">
+            <a:extLst>
+              <a:ext uri="{FF2B5EF4-FFF2-40B4-BE49-F238E27FC236}">
+                <a16:creationId xmlns:a16="http://schemas.microsoft.com/office/drawing/2014/main" id="{95159DA8-2664-F9A8-0761-CAF0C99849F4}"/>
+              </a:ext>
+            </a:extLst>
+          </p:cNvPr>
+          <p:cNvSpPr/>
+          <p:nvPr/>
+        </p:nvSpPr>
+        <p:spPr>
+          <a:xfrm>
+            <a:off x="0" y="762135"/>
+            <a:ext cx="12205054" cy="5766318"/>
+          </a:xfrm>
+          <a:prstGeom prst="rect">
+            <a:avLst/>
+          </a:prstGeom>
+          <a:solidFill>
+            <a:schemeClr val="bg1"/>
+          </a:solidFill>
+        </p:spPr>
+        <p:style>
+          <a:lnRef idx="2">
+            <a:schemeClr val="accent1">
+              <a:shade val="50000"/>
+            </a:schemeClr>
+          </a:lnRef>
+          <a:fillRef idx="1">
+            <a:schemeClr val="accent1"/>
+          </a:fillRef>
+          <a:effectRef idx="0">
+            <a:schemeClr val="accent1"/>
+          </a:effectRef>
+          <a:fontRef idx="minor">
+            <a:schemeClr val="lt1"/>
+          </a:fontRef>
+        </p:style>
+        <p:txBody>
+          <a:bodyPr rtlCol="0" anchor="ctr"/>
           <a:lstStyle/>
           <a:p>
-            <a:endParaRPr lang="ko-KR" altLang="en-US" dirty="0"/>
+            <a:pPr algn="ctr"/>
+            <a:endParaRPr lang="ko-KR" altLang="en-US"/>
           </a:p>
         </p:txBody>
       </p:sp>
@@ -6735,29 +9332,31 @@
         </p:blipFill>
         <p:spPr>
           <a:xfrm>
-            <a:off x="1939347" y="3003849"/>
+            <a:off x="1347432" y="2514253"/>
             <a:ext cx="9497136" cy="2726696"/>
           </a:xfrm>
         </p:spPr>
       </p:pic>
       <p:sp>
         <p:nvSpPr>
-          <p:cNvPr id="10" name="직사각형 9">
-            <a:extLst>
-              <a:ext uri="{FF2B5EF4-FFF2-40B4-BE49-F238E27FC236}">
-                <a16:creationId xmlns:a16="http://schemas.microsoft.com/office/drawing/2014/main" id="{F608E549-1446-8EA2-061B-D8CDF9E079D0}"/>
-              </a:ext>
-            </a:extLst>
-          </p:cNvPr>
-          <p:cNvSpPr/>
+          <p:cNvPr id="3" name="사각형: 둥근 모서리 2">
+            <a:extLst>
+              <a:ext uri="{FF2B5EF4-FFF2-40B4-BE49-F238E27FC236}">
+                <a16:creationId xmlns:a16="http://schemas.microsoft.com/office/drawing/2014/main" id="{DF8D9D7B-3C6E-1E23-AFCF-C30980E34181}"/>
+              </a:ext>
+            </a:extLst>
+          </p:cNvPr>
+          <p:cNvSpPr>
+            <a:spLocks/>
+          </p:cNvSpPr>
           <p:nvPr/>
         </p:nvSpPr>
         <p:spPr>
           <a:xfrm>
-            <a:off x="2448707" y="3561024"/>
-            <a:ext cx="1539552" cy="391886"/>
+            <a:off x="1800455" y="3037375"/>
+            <a:ext cx="1689197" cy="441009"/>
           </a:xfrm>
-          <a:prstGeom prst="rect">
+          <a:prstGeom prst="roundRect">
             <a:avLst/>
           </a:prstGeom>
           <a:solidFill>
@@ -6793,26 +9392,28 @@
       </p:sp>
       <p:sp>
         <p:nvSpPr>
-          <p:cNvPr id="11" name="직사각형 10">
-            <a:extLst>
-              <a:ext uri="{FF2B5EF4-FFF2-40B4-BE49-F238E27FC236}">
-                <a16:creationId xmlns:a16="http://schemas.microsoft.com/office/drawing/2014/main" id="{FF792CE4-29F4-C4DB-98DC-62D31FF3D613}"/>
-              </a:ext>
-            </a:extLst>
-          </p:cNvPr>
-          <p:cNvSpPr/>
+          <p:cNvPr id="4" name="사각형: 둥근 모서리 3">
+            <a:extLst>
+              <a:ext uri="{FF2B5EF4-FFF2-40B4-BE49-F238E27FC236}">
+                <a16:creationId xmlns:a16="http://schemas.microsoft.com/office/drawing/2014/main" id="{7FF4910E-5CFD-DA85-E57A-FDB9E3302EAF}"/>
+              </a:ext>
+            </a:extLst>
+          </p:cNvPr>
+          <p:cNvSpPr>
+            <a:spLocks/>
+          </p:cNvSpPr>
           <p:nvPr/>
         </p:nvSpPr>
         <p:spPr>
           <a:xfrm>
-            <a:off x="2625989" y="3988386"/>
-            <a:ext cx="363894" cy="379736"/>
+            <a:off x="1988886" y="3478383"/>
+            <a:ext cx="435652" cy="407747"/>
           </a:xfrm>
-          <a:prstGeom prst="rect">
+          <a:prstGeom prst="roundRect">
             <a:avLst/>
           </a:prstGeom>
           <a:solidFill>
-            <a:srgbClr val="FF0000">
+            <a:srgbClr val="C00000">
               <a:alpha val="50000"/>
             </a:srgbClr>
           </a:solidFill>
@@ -6844,22 +9445,130 @@
       </p:sp>
       <p:sp>
         <p:nvSpPr>
-          <p:cNvPr id="12" name="직사각형 11">
-            <a:extLst>
-              <a:ext uri="{FF2B5EF4-FFF2-40B4-BE49-F238E27FC236}">
-                <a16:creationId xmlns:a16="http://schemas.microsoft.com/office/drawing/2014/main" id="{263DE84C-1A4F-01CE-81F4-3CD8941DDBBA}"/>
-              </a:ext>
-            </a:extLst>
-          </p:cNvPr>
-          <p:cNvSpPr/>
+          <p:cNvPr id="22" name="사각형: 둥근 모서리 21">
+            <a:extLst>
+              <a:ext uri="{FF2B5EF4-FFF2-40B4-BE49-F238E27FC236}">
+                <a16:creationId xmlns:a16="http://schemas.microsoft.com/office/drawing/2014/main" id="{6D33A28F-02F9-8C15-0AD0-831F0B5E1237}"/>
+              </a:ext>
+            </a:extLst>
+          </p:cNvPr>
+          <p:cNvSpPr>
+            <a:spLocks/>
+          </p:cNvSpPr>
           <p:nvPr/>
         </p:nvSpPr>
         <p:spPr>
           <a:xfrm>
-            <a:off x="3587042" y="5238686"/>
-            <a:ext cx="2519265" cy="391886"/>
+            <a:off x="3373750" y="3894887"/>
+            <a:ext cx="435652" cy="407747"/>
           </a:xfrm>
-          <a:prstGeom prst="rect">
+          <a:prstGeom prst="roundRect">
+            <a:avLst/>
+          </a:prstGeom>
+          <a:solidFill>
+            <a:srgbClr val="FFFF00">
+              <a:alpha val="50000"/>
+            </a:srgbClr>
+          </a:solidFill>
+        </p:spPr>
+        <p:style>
+          <a:lnRef idx="2">
+            <a:schemeClr val="accent1">
+              <a:shade val="50000"/>
+            </a:schemeClr>
+          </a:lnRef>
+          <a:fillRef idx="1">
+            <a:schemeClr val="accent1"/>
+          </a:fillRef>
+          <a:effectRef idx="0">
+            <a:schemeClr val="accent1"/>
+          </a:effectRef>
+          <a:fontRef idx="minor">
+            <a:schemeClr val="lt1"/>
+          </a:fontRef>
+        </p:style>
+        <p:txBody>
+          <a:bodyPr rtlCol="0" anchor="ctr"/>
+          <a:lstStyle/>
+          <a:p>
+            <a:pPr algn="ctr"/>
+            <a:endParaRPr lang="ko-KR" altLang="en-US"/>
+          </a:p>
+        </p:txBody>
+      </p:sp>
+      <p:sp>
+        <p:nvSpPr>
+          <p:cNvPr id="23" name="사각형: 둥근 모서리 22">
+            <a:extLst>
+              <a:ext uri="{FF2B5EF4-FFF2-40B4-BE49-F238E27FC236}">
+                <a16:creationId xmlns:a16="http://schemas.microsoft.com/office/drawing/2014/main" id="{34EDCA4F-2290-A95F-4DD9-92CFF2D4886D}"/>
+              </a:ext>
+            </a:extLst>
+          </p:cNvPr>
+          <p:cNvSpPr>
+            <a:spLocks/>
+          </p:cNvSpPr>
+          <p:nvPr/>
+        </p:nvSpPr>
+        <p:spPr>
+          <a:xfrm>
+            <a:off x="3794869" y="3902216"/>
+            <a:ext cx="435652" cy="407747"/>
+          </a:xfrm>
+          <a:prstGeom prst="roundRect">
+            <a:avLst/>
+          </a:prstGeom>
+          <a:solidFill>
+            <a:srgbClr val="00B050">
+              <a:alpha val="50000"/>
+            </a:srgbClr>
+          </a:solidFill>
+        </p:spPr>
+        <p:style>
+          <a:lnRef idx="2">
+            <a:schemeClr val="accent1">
+              <a:shade val="50000"/>
+            </a:schemeClr>
+          </a:lnRef>
+          <a:fillRef idx="1">
+            <a:schemeClr val="accent1"/>
+          </a:fillRef>
+          <a:effectRef idx="0">
+            <a:schemeClr val="accent1"/>
+          </a:effectRef>
+          <a:fontRef idx="minor">
+            <a:schemeClr val="lt1"/>
+          </a:fontRef>
+        </p:style>
+        <p:txBody>
+          <a:bodyPr rtlCol="0" anchor="ctr"/>
+          <a:lstStyle/>
+          <a:p>
+            <a:pPr algn="ctr"/>
+            <a:endParaRPr lang="ko-KR" altLang="en-US"/>
+          </a:p>
+        </p:txBody>
+      </p:sp>
+      <p:sp>
+        <p:nvSpPr>
+          <p:cNvPr id="24" name="사각형: 둥근 모서리 23">
+            <a:extLst>
+              <a:ext uri="{FF2B5EF4-FFF2-40B4-BE49-F238E27FC236}">
+                <a16:creationId xmlns:a16="http://schemas.microsoft.com/office/drawing/2014/main" id="{5FD40356-290D-12B4-207B-01D6FD73BC66}"/>
+              </a:ext>
+            </a:extLst>
+          </p:cNvPr>
+          <p:cNvSpPr>
+            <a:spLocks/>
+          </p:cNvSpPr>
+          <p:nvPr/>
+        </p:nvSpPr>
+        <p:spPr>
+          <a:xfrm>
+            <a:off x="2950270" y="4716392"/>
+            <a:ext cx="2634680" cy="441009"/>
+          </a:xfrm>
+          <a:prstGeom prst="roundRect">
             <a:avLst/>
           </a:prstGeom>
           <a:solidFill>
@@ -6895,10 +9604,68 @@
       </p:sp>
       <p:sp>
         <p:nvSpPr>
-          <p:cNvPr id="13" name="직사각형 12">
-            <a:extLst>
-              <a:ext uri="{FF2B5EF4-FFF2-40B4-BE49-F238E27FC236}">
-                <a16:creationId xmlns:a16="http://schemas.microsoft.com/office/drawing/2014/main" id="{86B36215-42E7-D923-DB33-60FCDAC09F47}"/>
+          <p:cNvPr id="25" name="제목 1">
+            <a:extLst>
+              <a:ext uri="{FF2B5EF4-FFF2-40B4-BE49-F238E27FC236}">
+                <a16:creationId xmlns:a16="http://schemas.microsoft.com/office/drawing/2014/main" id="{76CD1F13-BA46-9C19-BC41-CCD87489EDA9}"/>
+              </a:ext>
+            </a:extLst>
+          </p:cNvPr>
+          <p:cNvSpPr txBox="1">
+            <a:spLocks/>
+          </p:cNvSpPr>
+          <p:nvPr/>
+        </p:nvSpPr>
+        <p:spPr>
+          <a:xfrm>
+            <a:off x="838199" y="0"/>
+            <a:ext cx="10515600" cy="726557"/>
+          </a:xfrm>
+          <a:prstGeom prst="rect">
+            <a:avLst/>
+          </a:prstGeom>
+        </p:spPr>
+        <p:txBody>
+          <a:bodyPr vert="horz" lIns="91440" tIns="45720" rIns="91440" bIns="45720" rtlCol="0" anchor="ctr">
+            <a:normAutofit/>
+          </a:bodyPr>
+          <a:lstStyle>
+            <a:lvl1pPr algn="l" defTabSz="914400" rtl="0" eaLnBrk="1" latinLnBrk="1" hangingPunct="1">
+              <a:lnSpc>
+                <a:spcPct val="90000"/>
+              </a:lnSpc>
+              <a:spcBef>
+                <a:spcPct val="0"/>
+              </a:spcBef>
+              <a:buNone/>
+              <a:defRPr sz="4400" kern="1200">
+                <a:solidFill>
+                  <a:schemeClr val="tx1"/>
+                </a:solidFill>
+                <a:latin typeface="+mj-lt"/>
+                <a:ea typeface="+mj-ea"/>
+                <a:cs typeface="+mj-cs"/>
+              </a:defRPr>
+            </a:lvl1pPr>
+          </a:lstStyle>
+          <a:p>
+            <a:r>
+              <a:rPr lang="en-US" altLang="ko-KR" sz="3600" b="1" dirty="0"/>
+              <a:t>2.</a:t>
+            </a:r>
+            <a:r>
+              <a:rPr lang="ko-KR" altLang="en-US" sz="3600" b="1" dirty="0"/>
+              <a:t>게임 조작</a:t>
+            </a:r>
+          </a:p>
+        </p:txBody>
+      </p:sp>
+      <p:sp>
+        <p:nvSpPr>
+          <p:cNvPr id="26" name="직사각형 25">
+            <a:extLst>
+              <a:ext uri="{FF2B5EF4-FFF2-40B4-BE49-F238E27FC236}">
+                <a16:creationId xmlns:a16="http://schemas.microsoft.com/office/drawing/2014/main" id="{03D8A253-C7A9-8C82-D817-D14D3804316B}"/>
               </a:ext>
             </a:extLst>
           </p:cNvPr>
@@ -6907,17 +9674,23 @@
         </p:nvSpPr>
         <p:spPr>
           <a:xfrm>
-            <a:off x="4408134" y="4367197"/>
-            <a:ext cx="363894" cy="429209"/>
+            <a:off x="1804481" y="1159434"/>
+            <a:ext cx="1685171" cy="1031007"/>
           </a:xfrm>
           <a:prstGeom prst="rect">
             <a:avLst/>
           </a:prstGeom>
           <a:solidFill>
-            <a:srgbClr val="00B050">
-              <a:alpha val="50000"/>
-            </a:srgbClr>
+            <a:schemeClr val="bg1"/>
           </a:solidFill>
+          <a:ln w="63500">
+            <a:solidFill>
+              <a:schemeClr val="tx1">
+                <a:lumMod val="85000"/>
+                <a:lumOff val="15000"/>
+              </a:schemeClr>
+            </a:solidFill>
+          </a:ln>
         </p:spPr>
         <p:style>
           <a:lnRef idx="2">
@@ -6940,16 +9713,39 @@
           <a:lstStyle/>
           <a:p>
             <a:pPr algn="ctr"/>
-            <a:endParaRPr lang="ko-KR" altLang="en-US"/>
-          </a:p>
-        </p:txBody>
-      </p:sp>
-      <p:sp>
-        <p:nvSpPr>
-          <p:cNvPr id="14" name="직사각형 13">
-            <a:extLst>
-              <a:ext uri="{FF2B5EF4-FFF2-40B4-BE49-F238E27FC236}">
-                <a16:creationId xmlns:a16="http://schemas.microsoft.com/office/drawing/2014/main" id="{0B022104-9D1F-0F14-2970-22EB3E1510EB}"/>
+            <a:r>
+              <a:rPr lang="ko-KR" altLang="en-US" dirty="0">
+                <a:solidFill>
+                  <a:schemeClr val="tx1"/>
+                </a:solidFill>
+              </a:rPr>
+              <a:t>각 플레이어 유닛 배치 </a:t>
+            </a:r>
+            <a:endParaRPr lang="en-US" altLang="ko-KR" dirty="0">
+              <a:solidFill>
+                <a:schemeClr val="tx1"/>
+              </a:solidFill>
+            </a:endParaRPr>
+          </a:p>
+          <a:p>
+            <a:pPr algn="ctr"/>
+            <a:r>
+              <a:rPr lang="ko-KR" altLang="en-US" dirty="0">
+                <a:solidFill>
+                  <a:schemeClr val="tx1"/>
+                </a:solidFill>
+              </a:rPr>
+              <a:t>확인</a:t>
+            </a:r>
+          </a:p>
+        </p:txBody>
+      </p:sp>
+      <p:sp>
+        <p:nvSpPr>
+          <p:cNvPr id="30" name="화살표: 위쪽 29">
+            <a:extLst>
+              <a:ext uri="{FF2B5EF4-FFF2-40B4-BE49-F238E27FC236}">
+                <a16:creationId xmlns:a16="http://schemas.microsoft.com/office/drawing/2014/main" id="{FBE979DF-2B4B-A10E-F693-21C530961071}"/>
               </a:ext>
             </a:extLst>
           </p:cNvPr>
@@ -6958,59 +9754,8 @@
         </p:nvSpPr>
         <p:spPr>
           <a:xfrm>
-            <a:off x="3988259" y="4381194"/>
-            <a:ext cx="363894" cy="429208"/>
-          </a:xfrm>
-          <a:prstGeom prst="rect">
-            <a:avLst/>
-          </a:prstGeom>
-          <a:solidFill>
-            <a:srgbClr val="FFFF00">
-              <a:alpha val="50000"/>
-            </a:srgbClr>
-          </a:solidFill>
-        </p:spPr>
-        <p:style>
-          <a:lnRef idx="2">
-            <a:schemeClr val="accent1">
-              <a:shade val="50000"/>
-            </a:schemeClr>
-          </a:lnRef>
-          <a:fillRef idx="1">
-            <a:schemeClr val="accent1"/>
-          </a:fillRef>
-          <a:effectRef idx="0">
-            <a:schemeClr val="accent1"/>
-          </a:effectRef>
-          <a:fontRef idx="minor">
-            <a:schemeClr val="lt1"/>
-          </a:fontRef>
-        </p:style>
-        <p:txBody>
-          <a:bodyPr rtlCol="0" anchor="ctr"/>
-          <a:lstStyle/>
-          <a:p>
-            <a:pPr algn="ctr"/>
-            <a:endParaRPr lang="ko-KR" altLang="en-US"/>
-          </a:p>
-        </p:txBody>
-      </p:sp>
-      <p:sp>
-        <p:nvSpPr>
-          <p:cNvPr id="15" name="화살표: 위쪽 14">
-            <a:extLst>
-              <a:ext uri="{FF2B5EF4-FFF2-40B4-BE49-F238E27FC236}">
-                <a16:creationId xmlns:a16="http://schemas.microsoft.com/office/drawing/2014/main" id="{3CCC7078-962E-8C96-E8F4-EB662166AE8E}"/>
-              </a:ext>
-            </a:extLst>
-          </p:cNvPr>
-          <p:cNvSpPr/>
-          <p:nvPr/>
-        </p:nvSpPr>
-        <p:spPr>
-          <a:xfrm>
-            <a:off x="2392370" y="2518204"/>
-            <a:ext cx="242595" cy="1077105"/>
+            <a:off x="2523755" y="2203793"/>
+            <a:ext cx="242595" cy="833582"/>
           </a:xfrm>
           <a:prstGeom prst="upArrow">
             <a:avLst/>
@@ -7043,10 +9788,10 @@
       </p:sp>
       <p:sp>
         <p:nvSpPr>
-          <p:cNvPr id="17" name="직사각형 16">
-            <a:extLst>
-              <a:ext uri="{FF2B5EF4-FFF2-40B4-BE49-F238E27FC236}">
-                <a16:creationId xmlns:a16="http://schemas.microsoft.com/office/drawing/2014/main" id="{877088BF-56FB-1F85-DB63-4AB07F86350F}"/>
+          <p:cNvPr id="31" name="직사각형 30">
+            <a:extLst>
+              <a:ext uri="{FF2B5EF4-FFF2-40B4-BE49-F238E27FC236}">
+                <a16:creationId xmlns:a16="http://schemas.microsoft.com/office/drawing/2014/main" id="{35D3F354-6E52-1FB4-01B8-0BDD23454F3A}"/>
               </a:ext>
             </a:extLst>
           </p:cNvPr>
@@ -7055,8 +9800,8 @@
         </p:nvSpPr>
         <p:spPr>
           <a:xfrm>
-            <a:off x="1050095" y="2116468"/>
-            <a:ext cx="1511559" cy="473623"/>
+            <a:off x="3591575" y="3451114"/>
+            <a:ext cx="4040866" cy="388361"/>
           </a:xfrm>
           <a:prstGeom prst="rect">
             <a:avLst/>
@@ -7064,9 +9809,12 @@
           <a:solidFill>
             <a:schemeClr val="bg1"/>
           </a:solidFill>
-          <a:ln w="76200">
+          <a:ln w="63500">
             <a:solidFill>
-              <a:schemeClr val="tx1"/>
+              <a:schemeClr val="tx1">
+                <a:lumMod val="85000"/>
+                <a:lumOff val="15000"/>
+              </a:schemeClr>
             </a:solidFill>
           </a:ln>
         </p:spPr>
@@ -7097,17 +9845,17 @@
                   <a:schemeClr val="tx1"/>
                 </a:solidFill>
               </a:rPr>
-              <a:t>카메라 이동</a:t>
-            </a:r>
-          </a:p>
-        </p:txBody>
-      </p:sp>
-      <p:sp>
-        <p:nvSpPr>
-          <p:cNvPr id="18" name="화살표: 위쪽 17">
-            <a:extLst>
-              <a:ext uri="{FF2B5EF4-FFF2-40B4-BE49-F238E27FC236}">
-                <a16:creationId xmlns:a16="http://schemas.microsoft.com/office/drawing/2014/main" id="{EBBE6E63-1436-5477-F6AC-DA58C90C9C18}"/>
+              <a:t>순서대로 각 플레이어 유닛 배치 확인</a:t>
+            </a:r>
+          </a:p>
+        </p:txBody>
+      </p:sp>
+      <p:sp>
+        <p:nvSpPr>
+          <p:cNvPr id="32" name="화살표: 위쪽 31">
+            <a:extLst>
+              <a:ext uri="{FF2B5EF4-FFF2-40B4-BE49-F238E27FC236}">
+                <a16:creationId xmlns:a16="http://schemas.microsoft.com/office/drawing/2014/main" id="{B3BBB17B-52F3-4543-A95E-38A2BE88B4BA}"/>
               </a:ext>
             </a:extLst>
           </p:cNvPr>
@@ -7115,15 +9863,12 @@
           <p:nvPr/>
         </p:nvSpPr>
         <p:spPr>
-          <a:xfrm rot="16200000">
-            <a:off x="1966139" y="3639701"/>
-            <a:ext cx="242595" cy="1077105"/>
+          <a:xfrm rot="5400000">
+            <a:off x="2889004" y="3091582"/>
+            <a:ext cx="242595" cy="1162547"/>
           </a:xfrm>
           <a:prstGeom prst="upArrow">
-            <a:avLst>
-              <a:gd name="adj1" fmla="val 19231"/>
-              <a:gd name="adj2" fmla="val 50000"/>
-            </a:avLst>
+            <a:avLst/>
           </a:prstGeom>
           <a:solidFill>
             <a:srgbClr val="FF0000"/>
@@ -7156,10 +9901,10 @@
       </p:sp>
       <p:sp>
         <p:nvSpPr>
-          <p:cNvPr id="19" name="직사각형 18">
-            <a:extLst>
-              <a:ext uri="{FF2B5EF4-FFF2-40B4-BE49-F238E27FC236}">
-                <a16:creationId xmlns:a16="http://schemas.microsoft.com/office/drawing/2014/main" id="{A8FC75C5-AD9F-2947-D430-2BD0EA1550EE}"/>
+          <p:cNvPr id="33" name="화살표: 위쪽 32">
+            <a:extLst>
+              <a:ext uri="{FF2B5EF4-FFF2-40B4-BE49-F238E27FC236}">
+                <a16:creationId xmlns:a16="http://schemas.microsoft.com/office/drawing/2014/main" id="{9D1CD94B-B5C0-23A5-ABA2-D85F9CE7199E}"/>
               </a:ext>
             </a:extLst>
           </p:cNvPr>
@@ -7167,92 +9912,12 @@
           <p:nvPr/>
         </p:nvSpPr>
         <p:spPr>
-          <a:xfrm>
-            <a:off x="117964" y="3623068"/>
-            <a:ext cx="1402929" cy="1141648"/>
-          </a:xfrm>
-          <a:prstGeom prst="rect">
-            <a:avLst/>
-          </a:prstGeom>
-          <a:solidFill>
-            <a:schemeClr val="bg1"/>
-          </a:solidFill>
-          <a:ln w="76200">
-            <a:solidFill>
-              <a:schemeClr val="tx1"/>
-            </a:solidFill>
-          </a:ln>
-        </p:spPr>
-        <p:style>
-          <a:lnRef idx="2">
-            <a:schemeClr val="accent1">
-              <a:shade val="50000"/>
-            </a:schemeClr>
-          </a:lnRef>
-          <a:fillRef idx="1">
-            <a:schemeClr val="accent1"/>
-          </a:fillRef>
-          <a:effectRef idx="0">
-            <a:schemeClr val="accent1"/>
-          </a:effectRef>
-          <a:fontRef idx="minor">
-            <a:schemeClr val="lt1"/>
-          </a:fontRef>
-        </p:style>
-        <p:txBody>
-          <a:bodyPr rtlCol="0" anchor="ctr"/>
-          <a:lstStyle/>
-          <a:p>
-            <a:pPr algn="ctr"/>
-            <a:r>
-              <a:rPr lang="ko-KR" altLang="en-US" dirty="0">
-                <a:solidFill>
-                  <a:schemeClr val="tx1"/>
-                </a:solidFill>
-              </a:rPr>
-              <a:t>순서대로 카메라 </a:t>
-            </a:r>
-            <a:endParaRPr lang="en-US" altLang="ko-KR" dirty="0">
-              <a:solidFill>
-                <a:schemeClr val="tx1"/>
-              </a:solidFill>
-            </a:endParaRPr>
-          </a:p>
-          <a:p>
-            <a:pPr algn="ctr"/>
-            <a:r>
-              <a:rPr lang="ko-KR" altLang="en-US" dirty="0">
-                <a:solidFill>
-                  <a:schemeClr val="tx1"/>
-                </a:solidFill>
-              </a:rPr>
-              <a:t>이동</a:t>
-            </a:r>
-          </a:p>
-        </p:txBody>
-      </p:sp>
-      <p:sp>
-        <p:nvSpPr>
-          <p:cNvPr id="20" name="화살표: 위쪽 19">
-            <a:extLst>
-              <a:ext uri="{FF2B5EF4-FFF2-40B4-BE49-F238E27FC236}">
-                <a16:creationId xmlns:a16="http://schemas.microsoft.com/office/drawing/2014/main" id="{2A785403-9732-1FAE-869C-17598799456F}"/>
-              </a:ext>
-            </a:extLst>
-          </p:cNvPr>
-          <p:cNvSpPr/>
-          <p:nvPr/>
-        </p:nvSpPr>
-        <p:spPr>
-          <a:xfrm>
-            <a:off x="4062194" y="2705879"/>
-            <a:ext cx="242595" cy="1671275"/>
+          <a:xfrm rot="16200000">
+            <a:off x="2886791" y="3765119"/>
+            <a:ext cx="242595" cy="679068"/>
           </a:xfrm>
           <a:prstGeom prst="upArrow">
-            <a:avLst>
-              <a:gd name="adj1" fmla="val 19231"/>
-              <a:gd name="adj2" fmla="val 50000"/>
-            </a:avLst>
+            <a:avLst/>
           </a:prstGeom>
           <a:solidFill>
             <a:srgbClr val="FFFF00"/>
@@ -7285,10 +9950,10 @@
       </p:sp>
       <p:sp>
         <p:nvSpPr>
-          <p:cNvPr id="27" name="화살표: 위쪽 26">
-            <a:extLst>
-              <a:ext uri="{FF2B5EF4-FFF2-40B4-BE49-F238E27FC236}">
-                <a16:creationId xmlns:a16="http://schemas.microsoft.com/office/drawing/2014/main" id="{92132FCD-B1B2-0DFC-3710-71F675BD0F77}"/>
+          <p:cNvPr id="34" name="직사각형 33">
+            <a:extLst>
+              <a:ext uri="{FF2B5EF4-FFF2-40B4-BE49-F238E27FC236}">
+                <a16:creationId xmlns:a16="http://schemas.microsoft.com/office/drawing/2014/main" id="{9A0274E9-87A3-C748-49A6-39279D3F5A27}"/>
               </a:ext>
             </a:extLst>
           </p:cNvPr>
@@ -7297,14 +9962,75 @@
         </p:nvSpPr>
         <p:spPr>
           <a:xfrm>
-            <a:off x="4500021" y="2705879"/>
-            <a:ext cx="242595" cy="1678604"/>
+            <a:off x="217117" y="3914273"/>
+            <a:ext cx="2425310" cy="388361"/>
+          </a:xfrm>
+          <a:prstGeom prst="rect">
+            <a:avLst/>
+          </a:prstGeom>
+          <a:solidFill>
+            <a:schemeClr val="bg1"/>
+          </a:solidFill>
+          <a:ln w="63500">
+            <a:solidFill>
+              <a:schemeClr val="tx1">
+                <a:lumMod val="85000"/>
+                <a:lumOff val="15000"/>
+              </a:schemeClr>
+            </a:solidFill>
+          </a:ln>
+        </p:spPr>
+        <p:style>
+          <a:lnRef idx="2">
+            <a:schemeClr val="accent1">
+              <a:shade val="50000"/>
+            </a:schemeClr>
+          </a:lnRef>
+          <a:fillRef idx="1">
+            <a:schemeClr val="accent1"/>
+          </a:fillRef>
+          <a:effectRef idx="0">
+            <a:schemeClr val="accent1"/>
+          </a:effectRef>
+          <a:fontRef idx="minor">
+            <a:schemeClr val="lt1"/>
+          </a:fontRef>
+        </p:style>
+        <p:txBody>
+          <a:bodyPr rtlCol="0" anchor="ctr"/>
+          <a:lstStyle/>
+          <a:p>
+            <a:pPr algn="ctr"/>
+            <a:r>
+              <a:rPr lang="ko-KR" altLang="en-US" dirty="0">
+                <a:solidFill>
+                  <a:schemeClr val="tx1"/>
+                </a:solidFill>
+              </a:rPr>
+              <a:t>플레이어 경험치 구매</a:t>
+            </a:r>
+          </a:p>
+        </p:txBody>
+      </p:sp>
+      <p:sp>
+        <p:nvSpPr>
+          <p:cNvPr id="35" name="화살표: 위쪽 34">
+            <a:extLst>
+              <a:ext uri="{FF2B5EF4-FFF2-40B4-BE49-F238E27FC236}">
+                <a16:creationId xmlns:a16="http://schemas.microsoft.com/office/drawing/2014/main" id="{2C1F5C43-7601-DF7D-75AE-BF901F24F382}"/>
+              </a:ext>
+            </a:extLst>
+          </p:cNvPr>
+          <p:cNvSpPr/>
+          <p:nvPr/>
+        </p:nvSpPr>
+        <p:spPr>
+          <a:xfrm rot="5400000">
+            <a:off x="4662658" y="3520433"/>
+            <a:ext cx="248489" cy="1162547"/>
           </a:xfrm>
           <a:prstGeom prst="upArrow">
-            <a:avLst>
-              <a:gd name="adj1" fmla="val 19231"/>
-              <a:gd name="adj2" fmla="val 50000"/>
-            </a:avLst>
+            <a:avLst/>
           </a:prstGeom>
           <a:solidFill>
             <a:srgbClr val="00B050"/>
@@ -7337,10 +10063,10 @@
       </p:sp>
       <p:sp>
         <p:nvSpPr>
-          <p:cNvPr id="28" name="직사각형 27">
-            <a:extLst>
-              <a:ext uri="{FF2B5EF4-FFF2-40B4-BE49-F238E27FC236}">
-                <a16:creationId xmlns:a16="http://schemas.microsoft.com/office/drawing/2014/main" id="{83C71D23-0BBF-43A8-38D0-B28AD74F660B}"/>
+          <p:cNvPr id="36" name="직사각형 35">
+            <a:extLst>
+              <a:ext uri="{FF2B5EF4-FFF2-40B4-BE49-F238E27FC236}">
+                <a16:creationId xmlns:a16="http://schemas.microsoft.com/office/drawing/2014/main" id="{6A0E0D06-F222-A92A-4125-DFFA01440C13}"/>
               </a:ext>
             </a:extLst>
           </p:cNvPr>
@@ -7349,8 +10075,8 @@
         </p:nvSpPr>
         <p:spPr>
           <a:xfrm>
-            <a:off x="4594748" y="2110456"/>
-            <a:ext cx="1511559" cy="473623"/>
+            <a:off x="5382962" y="3916707"/>
+            <a:ext cx="2725339" cy="388361"/>
           </a:xfrm>
           <a:prstGeom prst="rect">
             <a:avLst/>
@@ -7358,9 +10084,12 @@
           <a:solidFill>
             <a:schemeClr val="bg1"/>
           </a:solidFill>
-          <a:ln w="76200">
+          <a:ln w="63500">
             <a:solidFill>
-              <a:schemeClr val="tx1"/>
+              <a:schemeClr val="tx1">
+                <a:lumMod val="85000"/>
+                <a:lumOff val="15000"/>
+              </a:schemeClr>
             </a:solidFill>
           </a:ln>
         </p:spPr>
@@ -7386,12 +10115,12 @@
           <a:p>
             <a:pPr algn="ctr"/>
             <a:r>
-              <a:rPr lang="ko-KR" altLang="en-US" dirty="0" err="1">
+              <a:rPr lang="ko-KR" altLang="en-US">
                 <a:solidFill>
                   <a:schemeClr val="tx1"/>
                 </a:solidFill>
               </a:rPr>
-              <a:t>새로고침</a:t>
+              <a:t>플레이어 상점 새로 고침</a:t>
             </a:r>
             <a:endParaRPr lang="ko-KR" altLang="en-US" dirty="0">
               <a:solidFill>
@@ -7403,10 +10132,10 @@
       </p:sp>
       <p:sp>
         <p:nvSpPr>
-          <p:cNvPr id="29" name="직사각형 28">
-            <a:extLst>
-              <a:ext uri="{FF2B5EF4-FFF2-40B4-BE49-F238E27FC236}">
-                <a16:creationId xmlns:a16="http://schemas.microsoft.com/office/drawing/2014/main" id="{2A6F6FE1-3DA0-8AA7-D55D-AA02327A6BA9}"/>
+          <p:cNvPr id="37" name="화살표: 위쪽 36">
+            <a:extLst>
+              <a:ext uri="{FF2B5EF4-FFF2-40B4-BE49-F238E27FC236}">
+                <a16:creationId xmlns:a16="http://schemas.microsoft.com/office/drawing/2014/main" id="{AE492375-238B-31C5-BCBA-31AD17F61953}"/>
               </a:ext>
             </a:extLst>
           </p:cNvPr>
@@ -7414,9 +10143,58 @@
           <p:nvPr/>
         </p:nvSpPr>
         <p:spPr>
+          <a:xfrm rot="10800000">
+            <a:off x="4109222" y="5157401"/>
+            <a:ext cx="242595" cy="497306"/>
+          </a:xfrm>
+          <a:prstGeom prst="upArrow">
+            <a:avLst/>
+          </a:prstGeom>
+          <a:solidFill>
+            <a:srgbClr val="7030A0"/>
+          </a:solidFill>
+        </p:spPr>
+        <p:style>
+          <a:lnRef idx="2">
+            <a:schemeClr val="accent1">
+              <a:shade val="50000"/>
+            </a:schemeClr>
+          </a:lnRef>
+          <a:fillRef idx="1">
+            <a:schemeClr val="accent1"/>
+          </a:fillRef>
+          <a:effectRef idx="0">
+            <a:schemeClr val="accent1"/>
+          </a:effectRef>
+          <a:fontRef idx="minor">
+            <a:schemeClr val="lt1"/>
+          </a:fontRef>
+        </p:style>
+        <p:txBody>
+          <a:bodyPr rtlCol="0" anchor="ctr"/>
+          <a:lstStyle/>
+          <a:p>
+            <a:pPr algn="ctr"/>
+            <a:endParaRPr lang="ko-KR" altLang="en-US" dirty="0"/>
+          </a:p>
+        </p:txBody>
+      </p:sp>
+      <p:sp>
+        <p:nvSpPr>
+          <p:cNvPr id="38" name="직사각형 37">
+            <a:extLst>
+              <a:ext uri="{FF2B5EF4-FFF2-40B4-BE49-F238E27FC236}">
+                <a16:creationId xmlns:a16="http://schemas.microsoft.com/office/drawing/2014/main" id="{BC4DF7AA-6791-FE2D-E3AE-B889C828763B}"/>
+              </a:ext>
+            </a:extLst>
+          </p:cNvPr>
+          <p:cNvSpPr/>
+          <p:nvPr/>
+        </p:nvSpPr>
+        <p:spPr>
           <a:xfrm>
-            <a:off x="2793230" y="2110457"/>
-            <a:ext cx="1511559" cy="473623"/>
+            <a:off x="2842959" y="5654707"/>
+            <a:ext cx="3053988" cy="388361"/>
           </a:xfrm>
           <a:prstGeom prst="rect">
             <a:avLst/>
@@ -7424,9 +10202,12 @@
           <a:solidFill>
             <a:schemeClr val="bg1"/>
           </a:solidFill>
-          <a:ln w="76200">
+          <a:ln w="63500">
             <a:solidFill>
-              <a:schemeClr val="tx1"/>
+              <a:schemeClr val="tx1">
+                <a:lumMod val="85000"/>
+                <a:lumOff val="15000"/>
+              </a:schemeClr>
             </a:solidFill>
           </a:ln>
         </p:spPr>
@@ -7457,7 +10238,7 @@
                   <a:schemeClr val="tx1"/>
                 </a:solidFill>
               </a:rPr>
-              <a:t>경험치 증가</a:t>
+              <a:t>자기 자신으로 카메라 이동</a:t>
             </a:r>
             <a:endParaRPr lang="ko-KR" altLang="en-US" dirty="0">
               <a:solidFill>
@@ -7487,7 +10268,8 @@
       <p:bgPr>
         <a:solidFill>
           <a:schemeClr val="accent1">
-            <a:lumMod val="75000"/>
+            <a:lumMod val="60000"/>
+            <a:lumOff val="40000"/>
           </a:schemeClr>
         </a:solidFill>
         <a:effectLst/>
@@ -7509,26 +10291,50 @@
       </p:grpSpPr>
       <p:sp>
         <p:nvSpPr>
-          <p:cNvPr id="2" name="제목 1">
-            <a:extLst>
-              <a:ext uri="{FF2B5EF4-FFF2-40B4-BE49-F238E27FC236}">
-                <a16:creationId xmlns:a16="http://schemas.microsoft.com/office/drawing/2014/main" id="{1259FED4-82D5-D145-4135-2111CE727D0F}"/>
-              </a:ext>
-            </a:extLst>
-          </p:cNvPr>
-          <p:cNvSpPr>
-            <a:spLocks noGrp="1"/>
-          </p:cNvSpPr>
-          <p:nvPr>
-            <p:ph type="title"/>
-          </p:nvPr>
-        </p:nvSpPr>
-        <p:spPr/>
-        <p:txBody>
-          <a:bodyPr/>
+          <p:cNvPr id="4" name="직사각형 3">
+            <a:extLst>
+              <a:ext uri="{FF2B5EF4-FFF2-40B4-BE49-F238E27FC236}">
+                <a16:creationId xmlns:a16="http://schemas.microsoft.com/office/drawing/2014/main" id="{565FE104-FD6A-567E-AAC9-B017DF3AF2AD}"/>
+              </a:ext>
+            </a:extLst>
+          </p:cNvPr>
+          <p:cNvSpPr/>
+          <p:nvPr/>
+        </p:nvSpPr>
+        <p:spPr>
+          <a:xfrm>
+            <a:off x="0" y="762135"/>
+            <a:ext cx="12205054" cy="5766318"/>
+          </a:xfrm>
+          <a:prstGeom prst="rect">
+            <a:avLst/>
+          </a:prstGeom>
+          <a:solidFill>
+            <a:schemeClr val="bg1"/>
+          </a:solidFill>
+        </p:spPr>
+        <p:style>
+          <a:lnRef idx="2">
+            <a:schemeClr val="accent1">
+              <a:shade val="50000"/>
+            </a:schemeClr>
+          </a:lnRef>
+          <a:fillRef idx="1">
+            <a:schemeClr val="accent1"/>
+          </a:fillRef>
+          <a:effectRef idx="0">
+            <a:schemeClr val="accent1"/>
+          </a:effectRef>
+          <a:fontRef idx="minor">
+            <a:schemeClr val="lt1"/>
+          </a:fontRef>
+        </p:style>
+        <p:txBody>
+          <a:bodyPr rtlCol="0" anchor="ctr"/>
           <a:lstStyle/>
           <a:p>
-            <a:endParaRPr lang="ko-KR" altLang="en-US" dirty="0"/>
+            <a:pPr algn="ctr"/>
+            <a:endParaRPr lang="ko-KR" altLang="en-US"/>
           </a:p>
         </p:txBody>
       </p:sp>
@@ -7548,9 +10354,16 @@
             <p:ph idx="1"/>
           </p:nvPr>
         </p:nvSpPr>
-        <p:spPr/>
-        <p:txBody>
-          <a:bodyPr/>
+        <p:spPr>
+          <a:xfrm>
+            <a:off x="851254" y="1469625"/>
+            <a:ext cx="10515600" cy="4351338"/>
+          </a:xfrm>
+        </p:spPr>
+        <p:txBody>
+          <a:bodyPr>
+            <a:normAutofit fontScale="85000" lnSpcReduction="20000"/>
+          </a:bodyPr>
           <a:lstStyle/>
           <a:p>
             <a:pPr marL="514350" indent="-514350">
@@ -7631,13 +10444,10 @@
             <a:endParaRPr lang="en-US" altLang="ko-KR" dirty="0"/>
           </a:p>
           <a:p>
-            <a:pPr marL="0" indent="0">
-              <a:buNone/>
+            <a:pPr>
+              <a:buFontTx/>
+              <a:buChar char="-"/>
             </a:pPr>
-            <a:r>
-              <a:rPr lang="en-US" altLang="ko-KR" dirty="0"/>
-              <a:t>- </a:t>
-            </a:r>
             <a:r>
               <a:rPr lang="ko-KR" altLang="en-US" dirty="0"/>
               <a:t>사용자 편의성을 위한 </a:t>
@@ -7649,6 +10459,93 @@
             <a:r>
               <a:rPr lang="ko-KR" altLang="en-US" dirty="0"/>
               <a:t>개선 연구</a:t>
+            </a:r>
+            <a:endParaRPr lang="en-US" altLang="ko-KR" dirty="0"/>
+          </a:p>
+          <a:p>
+            <a:pPr marL="0" indent="0">
+              <a:buNone/>
+            </a:pPr>
+            <a:endParaRPr lang="en-US" altLang="ko-KR" dirty="0"/>
+          </a:p>
+          <a:p>
+            <a:pPr marL="0" indent="0">
+              <a:buNone/>
+            </a:pPr>
+            <a:r>
+              <a:rPr lang="en-US" altLang="ko-KR" dirty="0"/>
+              <a:t>4.IOCP</a:t>
+            </a:r>
+          </a:p>
+          <a:p>
+            <a:pPr marL="0" indent="0">
+              <a:buNone/>
+            </a:pPr>
+            <a:r>
+              <a:rPr lang="en-US" altLang="ko-KR" dirty="0"/>
+              <a:t>- IOCP</a:t>
+            </a:r>
+            <a:r>
+              <a:rPr lang="ko-KR" altLang="en-US" dirty="0"/>
+              <a:t>를 이용한 서버 구현 및 유닛 행동 트리 구현</a:t>
+            </a:r>
+          </a:p>
+        </p:txBody>
+      </p:sp>
+      <p:sp>
+        <p:nvSpPr>
+          <p:cNvPr id="5" name="제목 1">
+            <a:extLst>
+              <a:ext uri="{FF2B5EF4-FFF2-40B4-BE49-F238E27FC236}">
+                <a16:creationId xmlns:a16="http://schemas.microsoft.com/office/drawing/2014/main" id="{EE0E54DF-5E29-3107-EECB-72F243CDD7AC}"/>
+              </a:ext>
+            </a:extLst>
+          </p:cNvPr>
+          <p:cNvSpPr txBox="1">
+            <a:spLocks/>
+          </p:cNvSpPr>
+          <p:nvPr/>
+        </p:nvSpPr>
+        <p:spPr>
+          <a:xfrm>
+            <a:off x="838199" y="0"/>
+            <a:ext cx="10515600" cy="726557"/>
+          </a:xfrm>
+          <a:prstGeom prst="rect">
+            <a:avLst/>
+          </a:prstGeom>
+        </p:spPr>
+        <p:txBody>
+          <a:bodyPr vert="horz" lIns="91440" tIns="45720" rIns="91440" bIns="45720" rtlCol="0" anchor="ctr">
+            <a:normAutofit/>
+          </a:bodyPr>
+          <a:lstStyle>
+            <a:lvl1pPr algn="l" defTabSz="914400" rtl="0" eaLnBrk="1" latinLnBrk="1" hangingPunct="1">
+              <a:lnSpc>
+                <a:spcPct val="90000"/>
+              </a:lnSpc>
+              <a:spcBef>
+                <a:spcPct val="0"/>
+              </a:spcBef>
+              <a:buNone/>
+              <a:defRPr sz="4400" kern="1200">
+                <a:solidFill>
+                  <a:schemeClr val="tx1"/>
+                </a:solidFill>
+                <a:latin typeface="+mj-lt"/>
+                <a:ea typeface="+mj-ea"/>
+                <a:cs typeface="+mj-cs"/>
+              </a:defRPr>
+            </a:lvl1pPr>
+          </a:lstStyle>
+          <a:p>
+            <a:r>
+              <a:rPr lang="en-US" altLang="ko-KR" sz="3600" b="1" dirty="0"/>
+              <a:t>3.</a:t>
+            </a:r>
+            <a:r>
+              <a:rPr lang="ko-KR" altLang="en-US" sz="3600" b="1" dirty="0"/>
+              <a:t>기술적 요소 및 중점 연구분야</a:t>
             </a:r>
           </a:p>
         </p:txBody>
@@ -7673,7 +10570,8 @@
       <p:bgPr>
         <a:solidFill>
           <a:schemeClr val="accent1">
-            <a:lumMod val="75000"/>
+            <a:lumMod val="60000"/>
+            <a:lumOff val="40000"/>
           </a:schemeClr>
         </a:solidFill>
         <a:effectLst/>
@@ -7695,30 +10593,246 @@
       </p:grpSpPr>
       <p:sp>
         <p:nvSpPr>
-          <p:cNvPr id="2" name="제목 1">
-            <a:extLst>
-              <a:ext uri="{FF2B5EF4-FFF2-40B4-BE49-F238E27FC236}">
-                <a16:creationId xmlns:a16="http://schemas.microsoft.com/office/drawing/2014/main" id="{1259FED4-82D5-D145-4135-2111CE727D0F}"/>
+          <p:cNvPr id="8" name="직사각형 7">
+            <a:extLst>
+              <a:ext uri="{FF2B5EF4-FFF2-40B4-BE49-F238E27FC236}">
+                <a16:creationId xmlns:a16="http://schemas.microsoft.com/office/drawing/2014/main" id="{96DDE3E7-EDBE-C663-DDD2-6A3853E80A10}"/>
               </a:ext>
             </a:extLst>
           </p:cNvPr>
           <p:cNvSpPr>
-            <a:spLocks noGrp="1"/>
+            <a:spLocks/>
           </p:cNvSpPr>
-          <p:nvPr>
-            <p:ph type="title"/>
-          </p:nvPr>
-        </p:nvSpPr>
-        <p:spPr/>
-        <p:txBody>
-          <a:bodyPr>
+          <p:nvPr/>
+        </p:nvSpPr>
+        <p:spPr>
+          <a:xfrm>
+            <a:off x="0" y="762135"/>
+            <a:ext cx="12205054" cy="5766318"/>
+          </a:xfrm>
+          <a:prstGeom prst="rect">
+            <a:avLst/>
+          </a:prstGeom>
+          <a:solidFill>
+            <a:schemeClr val="bg1"/>
+          </a:solidFill>
+        </p:spPr>
+        <p:style>
+          <a:lnRef idx="2">
+            <a:schemeClr val="accent1">
+              <a:shade val="50000"/>
+            </a:schemeClr>
+          </a:lnRef>
+          <a:fillRef idx="1">
+            <a:schemeClr val="accent1"/>
+          </a:fillRef>
+          <a:effectRef idx="0">
+            <a:schemeClr val="accent1"/>
+          </a:effectRef>
+          <a:fontRef idx="minor">
+            <a:schemeClr val="lt1"/>
+          </a:fontRef>
+        </p:style>
+        <p:txBody>
+          <a:bodyPr rtlCol="0" anchor="ctr"/>
+          <a:lstStyle/>
+          <a:p>
+            <a:pPr algn="ctr"/>
+            <a:endParaRPr lang="ko-KR" altLang="en-US"/>
+          </a:p>
+        </p:txBody>
+      </p:sp>
+      <p:sp>
+        <p:nvSpPr>
+          <p:cNvPr id="12" name="직사각형 11">
+            <a:extLst>
+              <a:ext uri="{FF2B5EF4-FFF2-40B4-BE49-F238E27FC236}">
+                <a16:creationId xmlns:a16="http://schemas.microsoft.com/office/drawing/2014/main" id="{428C657B-2989-08BE-C2BE-E1F7F930EA28}"/>
+              </a:ext>
+            </a:extLst>
+          </p:cNvPr>
+          <p:cNvSpPr/>
+          <p:nvPr/>
+        </p:nvSpPr>
+        <p:spPr>
+          <a:xfrm>
+            <a:off x="6095999" y="1362268"/>
+            <a:ext cx="4777190" cy="2313993"/>
+          </a:xfrm>
+          <a:prstGeom prst="rect">
+            <a:avLst/>
+          </a:prstGeom>
+          <a:solidFill>
+            <a:schemeClr val="accent1">
+              <a:lumMod val="40000"/>
+              <a:lumOff val="60000"/>
+            </a:schemeClr>
+          </a:solidFill>
+          <a:ln w="38100"/>
+        </p:spPr>
+        <p:style>
+          <a:lnRef idx="2">
+            <a:schemeClr val="accent2"/>
+          </a:lnRef>
+          <a:fillRef idx="1">
+            <a:schemeClr val="lt1"/>
+          </a:fillRef>
+          <a:effectRef idx="0">
+            <a:schemeClr val="accent2"/>
+          </a:effectRef>
+          <a:fontRef idx="minor">
+            <a:schemeClr val="dk1"/>
+          </a:fontRef>
+        </p:style>
+        <p:txBody>
+          <a:bodyPr rtlCol="0" anchor="ctr"/>
+          <a:lstStyle/>
+          <a:p>
+            <a:pPr algn="ctr"/>
+            <a:endParaRPr lang="ko-KR" altLang="en-US"/>
+          </a:p>
+        </p:txBody>
+      </p:sp>
+      <p:sp>
+        <p:nvSpPr>
+          <p:cNvPr id="3" name="직사각형 2">
+            <a:extLst>
+              <a:ext uri="{FF2B5EF4-FFF2-40B4-BE49-F238E27FC236}">
+                <a16:creationId xmlns:a16="http://schemas.microsoft.com/office/drawing/2014/main" id="{1154A345-BECF-F11B-8490-9FAF8B827C45}"/>
+              </a:ext>
+            </a:extLst>
+          </p:cNvPr>
+          <p:cNvSpPr/>
+          <p:nvPr/>
+        </p:nvSpPr>
+        <p:spPr>
+          <a:xfrm>
+            <a:off x="1101011" y="1362268"/>
+            <a:ext cx="4777190" cy="2313993"/>
+          </a:xfrm>
+          <a:prstGeom prst="rect">
+            <a:avLst/>
+          </a:prstGeom>
+          <a:solidFill>
+            <a:schemeClr val="accent1">
+              <a:lumMod val="40000"/>
+              <a:lumOff val="60000"/>
+            </a:schemeClr>
+          </a:solidFill>
+          <a:ln w="38100"/>
+        </p:spPr>
+        <p:style>
+          <a:lnRef idx="2">
+            <a:schemeClr val="accent2"/>
+          </a:lnRef>
+          <a:fillRef idx="1">
+            <a:schemeClr val="lt1"/>
+          </a:fillRef>
+          <a:effectRef idx="0">
+            <a:schemeClr val="accent2"/>
+          </a:effectRef>
+          <a:fontRef idx="minor">
+            <a:schemeClr val="dk1"/>
+          </a:fontRef>
+        </p:style>
+        <p:txBody>
+          <a:bodyPr rtlCol="0" anchor="ctr"/>
+          <a:lstStyle/>
+          <a:p>
+            <a:pPr algn="ctr"/>
+            <a:endParaRPr lang="ko-KR" altLang="en-US"/>
+          </a:p>
+        </p:txBody>
+      </p:sp>
+      <p:pic>
+        <p:nvPicPr>
+          <p:cNvPr id="11" name="그림 10">
+            <a:extLst>
+              <a:ext uri="{FF2B5EF4-FFF2-40B4-BE49-F238E27FC236}">
+                <a16:creationId xmlns:a16="http://schemas.microsoft.com/office/drawing/2014/main" id="{DBE46E0B-6793-B3EF-C1F8-47A48A453AA9}"/>
+              </a:ext>
+            </a:extLst>
+          </p:cNvPr>
+          <p:cNvPicPr>
+            <a:picLocks noChangeAspect="1"/>
+          </p:cNvPicPr>
+          <p:nvPr/>
+        </p:nvPicPr>
+        <p:blipFill>
+          <a:blip r:embed="rId2">
+            <a:extLst>
+              <a:ext uri="{28A0092B-C50C-407E-A947-70E740481C1C}">
+                <a14:useLocalDpi xmlns:a14="http://schemas.microsoft.com/office/drawing/2010/main" val="0"/>
+              </a:ext>
+            </a:extLst>
+          </a:blip>
+          <a:stretch>
+            <a:fillRect/>
+          </a:stretch>
+        </p:blipFill>
+        <p:spPr>
+          <a:xfrm>
+            <a:off x="1211397" y="1439254"/>
+            <a:ext cx="4556418" cy="2160000"/>
+          </a:xfrm>
+          <a:prstGeom prst="rect">
+            <a:avLst/>
+          </a:prstGeom>
+        </p:spPr>
+      </p:pic>
+      <p:sp>
+        <p:nvSpPr>
+          <p:cNvPr id="10" name="제목 1">
+            <a:extLst>
+              <a:ext uri="{FF2B5EF4-FFF2-40B4-BE49-F238E27FC236}">
+                <a16:creationId xmlns:a16="http://schemas.microsoft.com/office/drawing/2014/main" id="{3DA2863C-435C-FCE1-D0E8-15E8D463E662}"/>
+              </a:ext>
+            </a:extLst>
+          </p:cNvPr>
+          <p:cNvSpPr txBox="1">
+            <a:spLocks/>
+          </p:cNvSpPr>
+          <p:nvPr/>
+        </p:nvSpPr>
+        <p:spPr>
+          <a:xfrm>
+            <a:off x="838199" y="0"/>
+            <a:ext cx="10515600" cy="726557"/>
+          </a:xfrm>
+          <a:prstGeom prst="rect">
+            <a:avLst/>
+          </a:prstGeom>
+        </p:spPr>
+        <p:txBody>
+          <a:bodyPr vert="horz" lIns="91440" tIns="45720" rIns="91440" bIns="45720" rtlCol="0" anchor="ctr">
             <a:normAutofit/>
           </a:bodyPr>
-          <a:lstStyle/>
-          <a:p>
-            <a:pPr algn="ctr"/>
-            <a:r>
-              <a:rPr lang="ko-KR" altLang="en-US" sz="3200" b="1" dirty="0"/>
+          <a:lstStyle>
+            <a:lvl1pPr algn="l" defTabSz="914400" rtl="0" eaLnBrk="1" latinLnBrk="1" hangingPunct="1">
+              <a:lnSpc>
+                <a:spcPct val="90000"/>
+              </a:lnSpc>
+              <a:spcBef>
+                <a:spcPct val="0"/>
+              </a:spcBef>
+              <a:buNone/>
+              <a:defRPr sz="4400" kern="1200">
+                <a:solidFill>
+                  <a:schemeClr val="tx1"/>
+                </a:solidFill>
+                <a:latin typeface="+mj-lt"/>
+                <a:ea typeface="+mj-ea"/>
+                <a:cs typeface="+mj-cs"/>
+              </a:defRPr>
+            </a:lvl1pPr>
+          </a:lstStyle>
+          <a:p>
+            <a:r>
+              <a:rPr lang="en-US" altLang="ko-KR" sz="3600" b="1" dirty="0"/>
+              <a:t>4.</a:t>
+            </a:r>
+            <a:r>
+              <a:rPr lang="ko-KR" altLang="en-US" sz="3600" b="1" dirty="0"/>
               <a:t>개발 내용</a:t>
             </a:r>
           </a:p>
@@ -7741,7 +10855,7 @@
           </p:nvPr>
         </p:nvPicPr>
         <p:blipFill>
-          <a:blip r:embed="rId2">
+          <a:blip r:embed="rId3">
             <a:extLst>
               <a:ext uri="{28A0092B-C50C-407E-A947-70E740481C1C}">
                 <a14:useLocalDpi xmlns:a14="http://schemas.microsoft.com/office/drawing/2010/main" val="0"/>
@@ -7754,11 +10868,62 @@
         </p:blipFill>
         <p:spPr>
           <a:xfrm>
-            <a:off x="6096000" y="1780288"/>
-            <a:ext cx="4863370" cy="2305513"/>
+            <a:off x="6206386" y="1446810"/>
+            <a:ext cx="4549105" cy="2160000"/>
           </a:xfrm>
         </p:spPr>
       </p:pic>
+      <p:sp>
+        <p:nvSpPr>
+          <p:cNvPr id="13" name="직사각형 12">
+            <a:extLst>
+              <a:ext uri="{FF2B5EF4-FFF2-40B4-BE49-F238E27FC236}">
+                <a16:creationId xmlns:a16="http://schemas.microsoft.com/office/drawing/2014/main" id="{463FA9F2-4E75-00BD-53C3-A4A939A189AD}"/>
+              </a:ext>
+            </a:extLst>
+          </p:cNvPr>
+          <p:cNvSpPr/>
+          <p:nvPr/>
+        </p:nvSpPr>
+        <p:spPr>
+          <a:xfrm>
+            <a:off x="1081065" y="3903727"/>
+            <a:ext cx="4777190" cy="2313993"/>
+          </a:xfrm>
+          <a:prstGeom prst="rect">
+            <a:avLst/>
+          </a:prstGeom>
+          <a:solidFill>
+            <a:schemeClr val="accent1">
+              <a:lumMod val="40000"/>
+              <a:lumOff val="60000"/>
+            </a:schemeClr>
+          </a:solidFill>
+          <a:ln w="38100"/>
+        </p:spPr>
+        <p:style>
+          <a:lnRef idx="2">
+            <a:schemeClr val="accent2"/>
+          </a:lnRef>
+          <a:fillRef idx="1">
+            <a:schemeClr val="lt1"/>
+          </a:fillRef>
+          <a:effectRef idx="0">
+            <a:schemeClr val="accent2"/>
+          </a:effectRef>
+          <a:fontRef idx="minor">
+            <a:schemeClr val="dk1"/>
+          </a:fontRef>
+        </p:style>
+        <p:txBody>
+          <a:bodyPr rtlCol="0" anchor="ctr"/>
+          <a:lstStyle/>
+          <a:p>
+            <a:pPr algn="ctr"/>
+            <a:endParaRPr lang="ko-KR" altLang="en-US"/>
+          </a:p>
+        </p:txBody>
+      </p:sp>
       <p:pic>
         <p:nvPicPr>
           <p:cNvPr id="7" name="그림 6">
@@ -7774,7 +10939,7 @@
           <p:nvPr/>
         </p:nvPicPr>
         <p:blipFill>
-          <a:blip r:embed="rId3">
+          <a:blip r:embed="rId4">
             <a:extLst>
               <a:ext uri="{28A0092B-C50C-407E-A947-70E740481C1C}">
                 <a14:useLocalDpi xmlns:a14="http://schemas.microsoft.com/office/drawing/2010/main" val="0"/>
@@ -7787,14 +10952,65 @@
         </p:blipFill>
         <p:spPr>
           <a:xfrm>
-            <a:off x="1232627" y="4082094"/>
-            <a:ext cx="4863371" cy="2305513"/>
+            <a:off x="1191451" y="3980724"/>
+            <a:ext cx="4556418" cy="2160000"/>
           </a:xfrm>
           <a:prstGeom prst="rect">
             <a:avLst/>
           </a:prstGeom>
         </p:spPr>
       </p:pic>
+      <p:sp>
+        <p:nvSpPr>
+          <p:cNvPr id="14" name="직사각형 13">
+            <a:extLst>
+              <a:ext uri="{FF2B5EF4-FFF2-40B4-BE49-F238E27FC236}">
+                <a16:creationId xmlns:a16="http://schemas.microsoft.com/office/drawing/2014/main" id="{E9EBB381-9F49-77BE-DFAF-7267260EA6C5}"/>
+              </a:ext>
+            </a:extLst>
+          </p:cNvPr>
+          <p:cNvSpPr/>
+          <p:nvPr/>
+        </p:nvSpPr>
+        <p:spPr>
+          <a:xfrm>
+            <a:off x="6088687" y="3903727"/>
+            <a:ext cx="4777190" cy="2313993"/>
+          </a:xfrm>
+          <a:prstGeom prst="rect">
+            <a:avLst/>
+          </a:prstGeom>
+          <a:solidFill>
+            <a:schemeClr val="accent1">
+              <a:lumMod val="40000"/>
+              <a:lumOff val="60000"/>
+            </a:schemeClr>
+          </a:solidFill>
+          <a:ln w="38100"/>
+        </p:spPr>
+        <p:style>
+          <a:lnRef idx="2">
+            <a:schemeClr val="accent2"/>
+          </a:lnRef>
+          <a:fillRef idx="1">
+            <a:schemeClr val="lt1"/>
+          </a:fillRef>
+          <a:effectRef idx="0">
+            <a:schemeClr val="accent2"/>
+          </a:effectRef>
+          <a:fontRef idx="minor">
+            <a:schemeClr val="dk1"/>
+          </a:fontRef>
+        </p:style>
+        <p:txBody>
+          <a:bodyPr rtlCol="0" anchor="ctr"/>
+          <a:lstStyle/>
+          <a:p>
+            <a:pPr algn="ctr"/>
+            <a:endParaRPr lang="ko-KR" altLang="en-US"/>
+          </a:p>
+        </p:txBody>
+      </p:sp>
       <p:pic>
         <p:nvPicPr>
           <p:cNvPr id="9" name="그림 8">
@@ -7810,7 +11026,7 @@
           <p:nvPr/>
         </p:nvPicPr>
         <p:blipFill>
-          <a:blip r:embed="rId4">
+          <a:blip r:embed="rId5">
             <a:extLst>
               <a:ext uri="{28A0092B-C50C-407E-A947-70E740481C1C}">
                 <a14:useLocalDpi xmlns:a14="http://schemas.microsoft.com/office/drawing/2010/main" val="0"/>
@@ -7823,44 +11039,8 @@
         </p:blipFill>
         <p:spPr>
           <a:xfrm>
-            <a:off x="6096000" y="4082094"/>
-            <a:ext cx="4863372" cy="2305513"/>
-          </a:xfrm>
-          <a:prstGeom prst="rect">
-            <a:avLst/>
-          </a:prstGeom>
-        </p:spPr>
-      </p:pic>
-      <p:pic>
-        <p:nvPicPr>
-          <p:cNvPr id="11" name="그림 10">
-            <a:extLst>
-              <a:ext uri="{FF2B5EF4-FFF2-40B4-BE49-F238E27FC236}">
-                <a16:creationId xmlns:a16="http://schemas.microsoft.com/office/drawing/2014/main" id="{DBE46E0B-6793-B3EF-C1F8-47A48A453AA9}"/>
-              </a:ext>
-            </a:extLst>
-          </p:cNvPr>
-          <p:cNvPicPr>
-            <a:picLocks noChangeAspect="1"/>
-          </p:cNvPicPr>
-          <p:nvPr/>
-        </p:nvPicPr>
-        <p:blipFill>
-          <a:blip r:embed="rId5">
-            <a:extLst>
-              <a:ext uri="{28A0092B-C50C-407E-A947-70E740481C1C}">
-                <a14:useLocalDpi xmlns:a14="http://schemas.microsoft.com/office/drawing/2010/main" val="0"/>
-              </a:ext>
-            </a:extLst>
-          </a:blip>
-          <a:stretch>
-            <a:fillRect/>
-          </a:stretch>
-        </p:blipFill>
-        <p:spPr>
-          <a:xfrm>
-            <a:off x="1232628" y="1776582"/>
-            <a:ext cx="4863370" cy="2305512"/>
+            <a:off x="6199073" y="3980693"/>
+            <a:ext cx="4556418" cy="2160000"/>
           </a:xfrm>
           <a:prstGeom prst="rect">
             <a:avLst/>
@@ -7887,7 +11067,8 @@
       <p:bgPr>
         <a:solidFill>
           <a:schemeClr val="accent1">
-            <a:lumMod val="75000"/>
+            <a:lumMod val="60000"/>
+            <a:lumOff val="40000"/>
           </a:schemeClr>
         </a:solidFill>
         <a:effectLst/>
@@ -7909,130 +11090,115 @@
       </p:grpSpPr>
       <p:sp>
         <p:nvSpPr>
-          <p:cNvPr id="2" name="제목 1">
-            <a:extLst>
-              <a:ext uri="{FF2B5EF4-FFF2-40B4-BE49-F238E27FC236}">
-                <a16:creationId xmlns:a16="http://schemas.microsoft.com/office/drawing/2014/main" id="{1259FED4-82D5-D145-4135-2111CE727D0F}"/>
-              </a:ext>
-            </a:extLst>
-          </p:cNvPr>
-          <p:cNvSpPr>
-            <a:spLocks noGrp="1"/>
+          <p:cNvPr id="8" name="직사각형 7">
+            <a:extLst>
+              <a:ext uri="{FF2B5EF4-FFF2-40B4-BE49-F238E27FC236}">
+                <a16:creationId xmlns:a16="http://schemas.microsoft.com/office/drawing/2014/main" id="{96DDE3E7-EDBE-C663-DDD2-6A3853E80A10}"/>
+              </a:ext>
+            </a:extLst>
+          </p:cNvPr>
+          <p:cNvSpPr/>
+          <p:nvPr/>
+        </p:nvSpPr>
+        <p:spPr>
+          <a:xfrm>
+            <a:off x="0" y="762135"/>
+            <a:ext cx="12205054" cy="5766318"/>
+          </a:xfrm>
+          <a:prstGeom prst="rect">
+            <a:avLst/>
+          </a:prstGeom>
+          <a:solidFill>
+            <a:schemeClr val="bg1"/>
+          </a:solidFill>
+        </p:spPr>
+        <p:style>
+          <a:lnRef idx="2">
+            <a:schemeClr val="accent1">
+              <a:shade val="50000"/>
+            </a:schemeClr>
+          </a:lnRef>
+          <a:fillRef idx="1">
+            <a:schemeClr val="accent1"/>
+          </a:fillRef>
+          <a:effectRef idx="0">
+            <a:schemeClr val="accent1"/>
+          </a:effectRef>
+          <a:fontRef idx="minor">
+            <a:schemeClr val="lt1"/>
+          </a:fontRef>
+        </p:style>
+        <p:txBody>
+          <a:bodyPr rtlCol="0" anchor="ctr"/>
+          <a:lstStyle/>
+          <a:p>
+            <a:pPr algn="ctr"/>
+            <a:endParaRPr lang="ko-KR" altLang="en-US"/>
+          </a:p>
+        </p:txBody>
+      </p:sp>
+      <p:sp>
+        <p:nvSpPr>
+          <p:cNvPr id="10" name="제목 1">
+            <a:extLst>
+              <a:ext uri="{FF2B5EF4-FFF2-40B4-BE49-F238E27FC236}">
+                <a16:creationId xmlns:a16="http://schemas.microsoft.com/office/drawing/2014/main" id="{3DA2863C-435C-FCE1-D0E8-15E8D463E662}"/>
+              </a:ext>
+            </a:extLst>
+          </p:cNvPr>
+          <p:cNvSpPr txBox="1">
+            <a:spLocks/>
           </p:cNvSpPr>
-          <p:nvPr>
-            <p:ph type="title"/>
-          </p:nvPr>
-        </p:nvSpPr>
-        <p:spPr/>
-        <p:txBody>
-          <a:bodyPr>
+          <p:nvPr/>
+        </p:nvSpPr>
+        <p:spPr>
+          <a:xfrm>
+            <a:off x="838199" y="0"/>
+            <a:ext cx="10515600" cy="726557"/>
+          </a:xfrm>
+          <a:prstGeom prst="rect">
+            <a:avLst/>
+          </a:prstGeom>
+        </p:spPr>
+        <p:txBody>
+          <a:bodyPr vert="horz" lIns="91440" tIns="45720" rIns="91440" bIns="45720" rtlCol="0" anchor="ctr">
             <a:normAutofit/>
           </a:bodyPr>
-          <a:lstStyle/>
-          <a:p>
-            <a:pPr algn="ctr"/>
-            <a:r>
-              <a:rPr lang="ko-KR" altLang="en-US" sz="3200" b="1" dirty="0"/>
-              <a:t>문제점 및 보완책</a:t>
-            </a:r>
-          </a:p>
-        </p:txBody>
-      </p:sp>
-      <p:sp>
-        <p:nvSpPr>
-          <p:cNvPr id="3" name="내용 개체 틀 2">
-            <a:extLst>
-              <a:ext uri="{FF2B5EF4-FFF2-40B4-BE49-F238E27FC236}">
-                <a16:creationId xmlns:a16="http://schemas.microsoft.com/office/drawing/2014/main" id="{ABD2B2C8-BF0E-37D8-F7A8-971B2D512D1C}"/>
-              </a:ext>
-            </a:extLst>
-          </p:cNvPr>
-          <p:cNvSpPr>
-            <a:spLocks noGrp="1"/>
-          </p:cNvSpPr>
-          <p:nvPr>
-            <p:ph idx="1"/>
-          </p:nvPr>
-        </p:nvSpPr>
-        <p:spPr/>
-        <p:txBody>
-          <a:bodyPr/>
-          <a:lstStyle/>
-          <a:p>
-            <a:pPr marL="0" indent="0">
-              <a:buNone/>
-            </a:pPr>
-            <a:endParaRPr lang="en-US" altLang="ko-KR" dirty="0"/>
-          </a:p>
-          <a:p>
-            <a:pPr marL="514350" indent="-514350">
-              <a:buAutoNum type="arabicPeriod"/>
-            </a:pPr>
-            <a:r>
-              <a:rPr lang="ko-KR" altLang="en-US" dirty="0"/>
-              <a:t>애니메이션과 모델링이 단조로움</a:t>
-            </a:r>
-            <a:endParaRPr lang="en-US" altLang="ko-KR" dirty="0"/>
-          </a:p>
-          <a:p>
-            <a:pPr marL="0" indent="0">
-              <a:buNone/>
-            </a:pPr>
-            <a:r>
-              <a:rPr lang="en-US" altLang="ko-KR" dirty="0"/>
-              <a:t>-&gt; </a:t>
-            </a:r>
-            <a:r>
-              <a:rPr lang="ko-KR" altLang="en-US" dirty="0"/>
-              <a:t>다양한 움직임과 세세한 디테일로 작업</a:t>
-            </a:r>
-            <a:endParaRPr lang="en-US" altLang="ko-KR" dirty="0"/>
-          </a:p>
-          <a:p>
-            <a:pPr marL="514350" indent="-514350">
-              <a:buAutoNum type="arabicPeriod"/>
-            </a:pPr>
-            <a:endParaRPr lang="en-US" altLang="ko-KR" dirty="0"/>
-          </a:p>
-          <a:p>
-            <a:pPr marL="514350" indent="-514350">
-              <a:buAutoNum type="arabicPeriod" startAt="2"/>
-            </a:pPr>
-            <a:r>
-              <a:rPr lang="ko-KR" altLang="en-US" dirty="0"/>
-              <a:t>개발 일정보다 진행 속도가 느림</a:t>
-            </a:r>
-            <a:endParaRPr lang="en-US" altLang="ko-KR" dirty="0"/>
-          </a:p>
-          <a:p>
-            <a:pPr marL="0" indent="0">
-              <a:buNone/>
-            </a:pPr>
-            <a:r>
-              <a:rPr lang="en-US" altLang="ko-KR" dirty="0"/>
-              <a:t>-&gt; </a:t>
-            </a:r>
-            <a:r>
-              <a:rPr lang="ko-KR" altLang="en-US" dirty="0"/>
-              <a:t>체계적인 개발 일정과 체크리스트 활용</a:t>
-            </a:r>
-            <a:r>
-              <a:rPr lang="en-US" altLang="ko-KR" dirty="0"/>
-              <a:t> </a:t>
-            </a:r>
-          </a:p>
-          <a:p>
-            <a:pPr marL="0" indent="0">
-              <a:buNone/>
-            </a:pPr>
-            <a:endParaRPr lang="ko-KR" altLang="en-US" dirty="0"/>
+          <a:lstStyle>
+            <a:lvl1pPr algn="l" defTabSz="914400" rtl="0" eaLnBrk="1" latinLnBrk="1" hangingPunct="1">
+              <a:lnSpc>
+                <a:spcPct val="90000"/>
+              </a:lnSpc>
+              <a:spcBef>
+                <a:spcPct val="0"/>
+              </a:spcBef>
+              <a:buNone/>
+              <a:defRPr sz="4400" kern="1200">
+                <a:solidFill>
+                  <a:schemeClr val="tx1"/>
+                </a:solidFill>
+                <a:latin typeface="+mj-lt"/>
+                <a:ea typeface="+mj-ea"/>
+                <a:cs typeface="+mj-cs"/>
+              </a:defRPr>
+            </a:lvl1pPr>
+          </a:lstStyle>
+          <a:p>
+            <a:r>
+              <a:rPr lang="en-US" altLang="ko-KR" sz="3600" b="1" dirty="0"/>
+              <a:t>4.</a:t>
+            </a:r>
+            <a:r>
+              <a:rPr lang="ko-KR" altLang="en-US" sz="3600" b="1" dirty="0"/>
+              <a:t>개발 내용</a:t>
+            </a:r>
           </a:p>
         </p:txBody>
       </p:sp>
     </p:spTree>
     <p:extLst>
       <p:ext uri="{BB962C8B-B14F-4D97-AF65-F5344CB8AC3E}">
-        <p14:creationId xmlns:p14="http://schemas.microsoft.com/office/powerpoint/2010/main" val="2159254054"/>
+        <p14:creationId xmlns:p14="http://schemas.microsoft.com/office/powerpoint/2010/main" val="2470439908"/>
       </p:ext>
     </p:extLst>
   </p:cSld>
@@ -8049,7 +11215,8 @@
       <p:bgPr>
         <a:solidFill>
           <a:schemeClr val="accent1">
-            <a:lumMod val="75000"/>
+            <a:lumMod val="60000"/>
+            <a:lumOff val="40000"/>
           </a:schemeClr>
         </a:solidFill>
         <a:effectLst/>
@@ -8071,32 +11238,50 @@
       </p:grpSpPr>
       <p:sp>
         <p:nvSpPr>
-          <p:cNvPr id="2" name="제목 1">
-            <a:extLst>
-              <a:ext uri="{FF2B5EF4-FFF2-40B4-BE49-F238E27FC236}">
-                <a16:creationId xmlns:a16="http://schemas.microsoft.com/office/drawing/2014/main" id="{1259FED4-82D5-D145-4135-2111CE727D0F}"/>
-              </a:ext>
-            </a:extLst>
-          </p:cNvPr>
-          <p:cNvSpPr>
-            <a:spLocks noGrp="1"/>
-          </p:cNvSpPr>
-          <p:nvPr>
-            <p:ph type="title"/>
-          </p:nvPr>
-        </p:nvSpPr>
-        <p:spPr/>
-        <p:txBody>
-          <a:bodyPr>
-            <a:normAutofit/>
-          </a:bodyPr>
+          <p:cNvPr id="4" name="직사각형 3">
+            <a:extLst>
+              <a:ext uri="{FF2B5EF4-FFF2-40B4-BE49-F238E27FC236}">
+                <a16:creationId xmlns:a16="http://schemas.microsoft.com/office/drawing/2014/main" id="{A0A928EB-CAFA-C83F-8327-CA1E05AD5E0F}"/>
+              </a:ext>
+            </a:extLst>
+          </p:cNvPr>
+          <p:cNvSpPr/>
+          <p:nvPr/>
+        </p:nvSpPr>
+        <p:spPr>
+          <a:xfrm>
+            <a:off x="0" y="762135"/>
+            <a:ext cx="12205054" cy="5766318"/>
+          </a:xfrm>
+          <a:prstGeom prst="rect">
+            <a:avLst/>
+          </a:prstGeom>
+          <a:solidFill>
+            <a:schemeClr val="bg1"/>
+          </a:solidFill>
+        </p:spPr>
+        <p:style>
+          <a:lnRef idx="2">
+            <a:schemeClr val="accent1">
+              <a:shade val="50000"/>
+            </a:schemeClr>
+          </a:lnRef>
+          <a:fillRef idx="1">
+            <a:schemeClr val="accent1"/>
+          </a:fillRef>
+          <a:effectRef idx="0">
+            <a:schemeClr val="accent1"/>
+          </a:effectRef>
+          <a:fontRef idx="minor">
+            <a:schemeClr val="lt1"/>
+          </a:fontRef>
+        </p:style>
+        <p:txBody>
+          <a:bodyPr rtlCol="0" anchor="ctr"/>
           <a:lstStyle/>
           <a:p>
             <a:pPr algn="ctr"/>
-            <a:r>
-              <a:rPr lang="ko-KR" altLang="en-US" sz="3200" b="1" dirty="0"/>
-              <a:t>향후 개발 일정</a:t>
-            </a:r>
+            <a:endParaRPr lang="ko-KR" altLang="en-US"/>
           </a:p>
         </p:txBody>
       </p:sp>
@@ -8118,8 +11303,8 @@
         </p:nvSpPr>
         <p:spPr>
           <a:xfrm>
-            <a:off x="838200" y="1690688"/>
-            <a:ext cx="10515600" cy="4616806"/>
+            <a:off x="851254" y="2166216"/>
+            <a:ext cx="10515600" cy="2525567"/>
           </a:xfrm>
         </p:spPr>
         <p:txBody>
@@ -8130,12 +11315,22 @@
               <a:buAutoNum type="arabicPeriod"/>
             </a:pPr>
             <a:r>
+              <a:rPr lang="ko-KR" altLang="en-US" dirty="0"/>
+              <a:t>애니메이션과 모델링이 단조로움</a:t>
+            </a:r>
+            <a:endParaRPr lang="en-US" altLang="ko-KR" dirty="0"/>
+          </a:p>
+          <a:p>
+            <a:pPr marL="0" indent="0">
+              <a:buNone/>
+            </a:pPr>
+            <a:r>
               <a:rPr lang="en-US" altLang="ko-KR" dirty="0"/>
-              <a:t>UI/UX </a:t>
+              <a:t>-&gt; </a:t>
             </a:r>
             <a:r>
               <a:rPr lang="ko-KR" altLang="en-US" dirty="0"/>
-              <a:t>추가</a:t>
+              <a:t>다양한 움직임과 세세한 디테일로 작업</a:t>
             </a:r>
             <a:endParaRPr lang="en-US" altLang="ko-KR" dirty="0"/>
           </a:p>
@@ -8147,79 +11342,101 @@
           </a:p>
           <a:p>
             <a:pPr marL="514350" indent="-514350">
-              <a:buAutoNum type="arabicPeriod"/>
+              <a:buAutoNum type="arabicPeriod" startAt="2"/>
             </a:pPr>
             <a:r>
               <a:rPr lang="ko-KR" altLang="en-US" dirty="0"/>
-              <a:t>디 메리트 추가</a:t>
+              <a:t>개발 일정보다 진행 속도가 느림</a:t>
             </a:r>
             <a:endParaRPr lang="en-US" altLang="ko-KR" dirty="0"/>
           </a:p>
           <a:p>
-            <a:pPr marL="514350" indent="-514350">
-              <a:buAutoNum type="arabicPeriod"/>
+            <a:pPr marL="0" indent="0">
+              <a:buNone/>
             </a:pPr>
-            <a:endParaRPr lang="en-US" altLang="ko-KR" dirty="0"/>
-          </a:p>
-          <a:p>
-            <a:pPr marL="514350" indent="-514350">
-              <a:buAutoNum type="arabicPeriod"/>
+            <a:r>
+              <a:rPr lang="en-US" altLang="ko-KR" dirty="0"/>
+              <a:t>-&gt; </a:t>
+            </a:r>
+            <a:r>
+              <a:rPr lang="ko-KR" altLang="en-US" dirty="0"/>
+              <a:t>체계적인 개발 일정과 체크리스트 활용</a:t>
+            </a:r>
+            <a:r>
+              <a:rPr lang="en-US" altLang="ko-KR" dirty="0"/>
+              <a:t> </a:t>
+            </a:r>
+          </a:p>
+          <a:p>
+            <a:pPr marL="0" indent="0">
+              <a:buNone/>
             </a:pPr>
-            <a:r>
-              <a:rPr lang="en-US" altLang="ko-KR" dirty="0"/>
-              <a:t>[</a:t>
-            </a:r>
-            <a:r>
-              <a:rPr lang="ko-KR" altLang="en-US" dirty="0"/>
-              <a:t>영환</a:t>
-            </a:r>
-            <a:r>
-              <a:rPr lang="en-US" altLang="ko-KR" dirty="0"/>
-              <a:t>]</a:t>
-            </a:r>
-          </a:p>
-          <a:p>
-            <a:pPr marL="514350" indent="-514350">
-              <a:buAutoNum type="arabicPeriod"/>
-            </a:pPr>
-            <a:endParaRPr lang="en-US" altLang="ko-KR" dirty="0"/>
-          </a:p>
-          <a:p>
-            <a:pPr marL="514350" indent="-514350">
-              <a:buAutoNum type="arabicPeriod"/>
-            </a:pPr>
-            <a:r>
-              <a:rPr lang="en-US" altLang="ko-KR" dirty="0"/>
-              <a:t>A* </a:t>
-            </a:r>
-            <a:r>
-              <a:rPr lang="ko-KR" altLang="en-US" dirty="0"/>
-              <a:t>구현</a:t>
-            </a:r>
-            <a:endParaRPr lang="en-US" altLang="ko-KR" dirty="0"/>
-          </a:p>
-          <a:p>
-            <a:pPr marL="514350" indent="-514350">
-              <a:buAutoNum type="arabicPeriod"/>
-            </a:pPr>
-            <a:endParaRPr lang="en-US" altLang="ko-KR" dirty="0"/>
-          </a:p>
-          <a:p>
-            <a:pPr marL="514350" indent="-514350">
-              <a:buAutoNum type="arabicPeriod"/>
-            </a:pPr>
-            <a:r>
-              <a:rPr lang="ko-KR" altLang="en-US" dirty="0"/>
-              <a:t>애니메이션 블렌딩 추가</a:t>
-            </a:r>
-            <a:endParaRPr lang="en-US" altLang="ko-KR" dirty="0"/>
+            <a:endParaRPr lang="ko-KR" altLang="en-US" dirty="0"/>
+          </a:p>
+        </p:txBody>
+      </p:sp>
+      <p:sp>
+        <p:nvSpPr>
+          <p:cNvPr id="5" name="제목 1">
+            <a:extLst>
+              <a:ext uri="{FF2B5EF4-FFF2-40B4-BE49-F238E27FC236}">
+                <a16:creationId xmlns:a16="http://schemas.microsoft.com/office/drawing/2014/main" id="{E40C640A-89C2-41FA-6ABB-51B6FDC13750}"/>
+              </a:ext>
+            </a:extLst>
+          </p:cNvPr>
+          <p:cNvSpPr txBox="1">
+            <a:spLocks/>
+          </p:cNvSpPr>
+          <p:nvPr/>
+        </p:nvSpPr>
+        <p:spPr>
+          <a:xfrm>
+            <a:off x="838199" y="0"/>
+            <a:ext cx="10515600" cy="726557"/>
+          </a:xfrm>
+          <a:prstGeom prst="rect">
+            <a:avLst/>
+          </a:prstGeom>
+        </p:spPr>
+        <p:txBody>
+          <a:bodyPr vert="horz" lIns="91440" tIns="45720" rIns="91440" bIns="45720" rtlCol="0" anchor="ctr">
+            <a:normAutofit/>
+          </a:bodyPr>
+          <a:lstStyle>
+            <a:lvl1pPr algn="l" defTabSz="914400" rtl="0" eaLnBrk="1" latinLnBrk="1" hangingPunct="1">
+              <a:lnSpc>
+                <a:spcPct val="90000"/>
+              </a:lnSpc>
+              <a:spcBef>
+                <a:spcPct val="0"/>
+              </a:spcBef>
+              <a:buNone/>
+              <a:defRPr sz="4400" kern="1200">
+                <a:solidFill>
+                  <a:schemeClr val="tx1"/>
+                </a:solidFill>
+                <a:latin typeface="+mj-lt"/>
+                <a:ea typeface="+mj-ea"/>
+                <a:cs typeface="+mj-cs"/>
+              </a:defRPr>
+            </a:lvl1pPr>
+          </a:lstStyle>
+          <a:p>
+            <a:r>
+              <a:rPr lang="en-US" altLang="ko-KR" sz="3600" b="1" dirty="0"/>
+              <a:t>5.</a:t>
+            </a:r>
+            <a:r>
+              <a:rPr lang="ko-KR" altLang="en-US" sz="3600" b="1" dirty="0"/>
+              <a:t>문제점 및 보완책</a:t>
+            </a:r>
           </a:p>
         </p:txBody>
       </p:sp>
     </p:spTree>
     <p:extLst>
       <p:ext uri="{BB962C8B-B14F-4D97-AF65-F5344CB8AC3E}">
-        <p14:creationId xmlns:p14="http://schemas.microsoft.com/office/powerpoint/2010/main" val="2008745418"/>
+        <p14:creationId xmlns:p14="http://schemas.microsoft.com/office/powerpoint/2010/main" val="2159254054"/>
       </p:ext>
     </p:extLst>
   </p:cSld>
